--- a/Presentation/Auto Focus Network.pptx
+++ b/Presentation/Auto Focus Network.pptx
@@ -10,12 +10,12 @@
     <p:sldId id="258" r:id="rId4"/>
     <p:sldId id="259" r:id="rId5"/>
     <p:sldId id="260" r:id="rId6"/>
-    <p:sldId id="265" r:id="rId7"/>
-    <p:sldId id="261" r:id="rId8"/>
-    <p:sldId id="262" r:id="rId9"/>
-    <p:sldId id="263" r:id="rId10"/>
-    <p:sldId id="264" r:id="rId11"/>
-    <p:sldId id="266" r:id="rId12"/>
+    <p:sldId id="266" r:id="rId7"/>
+    <p:sldId id="265" r:id="rId8"/>
+    <p:sldId id="261" r:id="rId9"/>
+    <p:sldId id="262" r:id="rId10"/>
+    <p:sldId id="263" r:id="rId11"/>
+    <p:sldId id="264" r:id="rId12"/>
   </p:sldIdLst>
   <p:sldSz cx="12192000" cy="6858000"/>
   <p:notesSz cx="6858000" cy="9144000"/>
@@ -26736,7 +26736,7 @@
           <a:p>
             <a:fld id="{D1ACE2F4-E882-4A93-B606-CA9C404A6B2F}" type="datetimeFigureOut">
               <a:rPr lang="en-US" smtClean="0"/>
-              <a:t>9/13/2023</a:t>
+              <a:t>9/14/2023</a:t>
             </a:fld>
             <a:endParaRPr lang="en-US"/>
           </a:p>
@@ -26934,7 +26934,7 @@
           <a:p>
             <a:fld id="{D1ACE2F4-E882-4A93-B606-CA9C404A6B2F}" type="datetimeFigureOut">
               <a:rPr lang="en-US" smtClean="0"/>
-              <a:t>9/13/2023</a:t>
+              <a:t>9/14/2023</a:t>
             </a:fld>
             <a:endParaRPr lang="en-US"/>
           </a:p>
@@ -27142,7 +27142,7 @@
           <a:p>
             <a:fld id="{D1ACE2F4-E882-4A93-B606-CA9C404A6B2F}" type="datetimeFigureOut">
               <a:rPr lang="en-US" smtClean="0"/>
-              <a:t>9/13/2023</a:t>
+              <a:t>9/14/2023</a:t>
             </a:fld>
             <a:endParaRPr lang="en-US"/>
           </a:p>
@@ -27340,7 +27340,7 @@
           <a:p>
             <a:fld id="{D1ACE2F4-E882-4A93-B606-CA9C404A6B2F}" type="datetimeFigureOut">
               <a:rPr lang="en-US" smtClean="0"/>
-              <a:t>9/13/2023</a:t>
+              <a:t>9/14/2023</a:t>
             </a:fld>
             <a:endParaRPr lang="en-US"/>
           </a:p>
@@ -27615,7 +27615,7 @@
           <a:p>
             <a:fld id="{D1ACE2F4-E882-4A93-B606-CA9C404A6B2F}" type="datetimeFigureOut">
               <a:rPr lang="en-US" smtClean="0"/>
-              <a:t>9/13/2023</a:t>
+              <a:t>9/14/2023</a:t>
             </a:fld>
             <a:endParaRPr lang="en-US"/>
           </a:p>
@@ -27880,7 +27880,7 @@
           <a:p>
             <a:fld id="{D1ACE2F4-E882-4A93-B606-CA9C404A6B2F}" type="datetimeFigureOut">
               <a:rPr lang="en-US" smtClean="0"/>
-              <a:t>9/13/2023</a:t>
+              <a:t>9/14/2023</a:t>
             </a:fld>
             <a:endParaRPr lang="en-US"/>
           </a:p>
@@ -28292,7 +28292,7 @@
           <a:p>
             <a:fld id="{D1ACE2F4-E882-4A93-B606-CA9C404A6B2F}" type="datetimeFigureOut">
               <a:rPr lang="en-US" smtClean="0"/>
-              <a:t>9/13/2023</a:t>
+              <a:t>9/14/2023</a:t>
             </a:fld>
             <a:endParaRPr lang="en-US"/>
           </a:p>
@@ -28433,7 +28433,7 @@
           <a:p>
             <a:fld id="{D1ACE2F4-E882-4A93-B606-CA9C404A6B2F}" type="datetimeFigureOut">
               <a:rPr lang="en-US" smtClean="0"/>
-              <a:t>9/13/2023</a:t>
+              <a:t>9/14/2023</a:t>
             </a:fld>
             <a:endParaRPr lang="en-US"/>
           </a:p>
@@ -28546,7 +28546,7 @@
           <a:p>
             <a:fld id="{D1ACE2F4-E882-4A93-B606-CA9C404A6B2F}" type="datetimeFigureOut">
               <a:rPr lang="en-US" smtClean="0"/>
-              <a:t>9/13/2023</a:t>
+              <a:t>9/14/2023</a:t>
             </a:fld>
             <a:endParaRPr lang="en-US"/>
           </a:p>
@@ -28857,7 +28857,7 @@
           <a:p>
             <a:fld id="{D1ACE2F4-E882-4A93-B606-CA9C404A6B2F}" type="datetimeFigureOut">
               <a:rPr lang="en-US" smtClean="0"/>
-              <a:t>9/13/2023</a:t>
+              <a:t>9/14/2023</a:t>
             </a:fld>
             <a:endParaRPr lang="en-US"/>
           </a:p>
@@ -29145,7 +29145,7 @@
           <a:p>
             <a:fld id="{D1ACE2F4-E882-4A93-B606-CA9C404A6B2F}" type="datetimeFigureOut">
               <a:rPr lang="en-US" smtClean="0"/>
-              <a:t>9/13/2023</a:t>
+              <a:t>9/14/2023</a:t>
             </a:fld>
             <a:endParaRPr lang="en-US"/>
           </a:p>
@@ -29386,7 +29386,7 @@
           <a:p>
             <a:fld id="{D1ACE2F4-E882-4A93-B606-CA9C404A6B2F}" type="datetimeFigureOut">
               <a:rPr lang="en-US" smtClean="0"/>
-              <a:t>9/13/2023</a:t>
+              <a:t>9/14/2023</a:t>
             </a:fld>
             <a:endParaRPr lang="en-US"/>
           </a:p>
@@ -29877,6 +29877,179 @@
 </file>
 
 <file path=ppt/slides/slide10.xml><?xml version="1.0" encoding="utf-8"?>
+<p:sld xmlns:a="http://schemas.openxmlformats.org/drawingml/2006/main" xmlns:r="http://schemas.openxmlformats.org/officeDocument/2006/relationships" xmlns:p="http://schemas.openxmlformats.org/presentationml/2006/main">
+  <p:cSld>
+    <p:spTree>
+      <p:nvGrpSpPr>
+        <p:cNvPr id="1" name=""/>
+        <p:cNvGrpSpPr/>
+        <p:nvPr/>
+      </p:nvGrpSpPr>
+      <p:grpSpPr>
+        <a:xfrm>
+          <a:off x="0" y="0"/>
+          <a:ext cx="0" cy="0"/>
+          <a:chOff x="0" y="0"/>
+          <a:chExt cx="0" cy="0"/>
+        </a:xfrm>
+      </p:grpSpPr>
+      <p:sp>
+        <p:nvSpPr>
+          <p:cNvPr id="3" name="Content Placeholder 2">
+            <a:extLst>
+              <a:ext uri="{FF2B5EF4-FFF2-40B4-BE49-F238E27FC236}">
+                <a16:creationId xmlns:a16="http://schemas.microsoft.com/office/drawing/2014/main" id="{5B18889C-6465-A9C2-B84F-23F386FF46FA}"/>
+              </a:ext>
+            </a:extLst>
+          </p:cNvPr>
+          <p:cNvSpPr>
+            <a:spLocks noGrp="1"/>
+          </p:cNvSpPr>
+          <p:nvPr>
+            <p:ph idx="1"/>
+          </p:nvPr>
+        </p:nvSpPr>
+        <p:spPr>
+          <a:xfrm>
+            <a:off x="467264" y="212485"/>
+            <a:ext cx="5257800" cy="2064889"/>
+          </a:xfrm>
+        </p:spPr>
+        <p:txBody>
+          <a:bodyPr>
+            <a:normAutofit fontScale="92500" lnSpcReduction="20000"/>
+          </a:bodyPr>
+          <a:lstStyle/>
+          <a:p>
+            <a:r>
+              <a:rPr lang="en-US" sz="2400" dirty="0"/>
+              <a:t>Plot highest int value of the bottom 99% pixels vs slice in image array</a:t>
+            </a:r>
+          </a:p>
+          <a:p>
+            <a:r>
+              <a:rPr lang="en-US" sz="2400" dirty="0"/>
+              <a:t>Also plot 1/highest pixel</a:t>
+            </a:r>
+          </a:p>
+          <a:p>
+            <a:r>
+              <a:rPr lang="en-US" sz="2400" dirty="0"/>
+              <a:t>Plot z slices 7-22 and fit reciprocal to quadratic equation</a:t>
+            </a:r>
+          </a:p>
+          <a:p>
+            <a:r>
+              <a:rPr lang="en-US" sz="2400" dirty="0"/>
+              <a:t>Fits very well!</a:t>
+            </a:r>
+          </a:p>
+        </p:txBody>
+      </p:sp>
+      <p:pic>
+        <p:nvPicPr>
+          <p:cNvPr id="5" name="Picture 4">
+            <a:extLst>
+              <a:ext uri="{FF2B5EF4-FFF2-40B4-BE49-F238E27FC236}">
+                <a16:creationId xmlns:a16="http://schemas.microsoft.com/office/drawing/2014/main" id="{9AD830A9-975E-AD27-323A-E0A64D2E4E68}"/>
+              </a:ext>
+            </a:extLst>
+          </p:cNvPr>
+          <p:cNvPicPr>
+            <a:picLocks noChangeAspect="1"/>
+          </p:cNvPicPr>
+          <p:nvPr/>
+        </p:nvPicPr>
+        <p:blipFill>
+          <a:blip r:embed="rId2"/>
+          <a:stretch>
+            <a:fillRect/>
+          </a:stretch>
+        </p:blipFill>
+        <p:spPr>
+          <a:xfrm>
+            <a:off x="7763773" y="0"/>
+            <a:ext cx="4094155" cy="3067050"/>
+          </a:xfrm>
+          <a:prstGeom prst="rect">
+            <a:avLst/>
+          </a:prstGeom>
+        </p:spPr>
+      </p:pic>
+      <p:pic>
+        <p:nvPicPr>
+          <p:cNvPr id="7" name="Picture 6">
+            <a:extLst>
+              <a:ext uri="{FF2B5EF4-FFF2-40B4-BE49-F238E27FC236}">
+                <a16:creationId xmlns:a16="http://schemas.microsoft.com/office/drawing/2014/main" id="{A64DD040-DF48-E692-1486-1565D7707009}"/>
+              </a:ext>
+            </a:extLst>
+          </p:cNvPr>
+          <p:cNvPicPr>
+            <a:picLocks noChangeAspect="1"/>
+          </p:cNvPicPr>
+          <p:nvPr/>
+        </p:nvPicPr>
+        <p:blipFill>
+          <a:blip r:embed="rId3"/>
+          <a:stretch>
+            <a:fillRect/>
+          </a:stretch>
+        </p:blipFill>
+        <p:spPr>
+          <a:xfrm>
+            <a:off x="7408962" y="3091656"/>
+            <a:ext cx="4783038" cy="3509632"/>
+          </a:xfrm>
+          <a:prstGeom prst="rect">
+            <a:avLst/>
+          </a:prstGeom>
+        </p:spPr>
+      </p:pic>
+      <p:graphicFrame>
+        <p:nvGraphicFramePr>
+          <p:cNvPr id="8" name="Chart 7">
+            <a:extLst>
+              <a:ext uri="{FF2B5EF4-FFF2-40B4-BE49-F238E27FC236}">
+                <a16:creationId xmlns:a16="http://schemas.microsoft.com/office/drawing/2014/main" id="{EC79F243-0B64-7A6D-27B4-8AC6439051CE}"/>
+              </a:ext>
+            </a:extLst>
+          </p:cNvPr>
+          <p:cNvGraphicFramePr>
+            <a:graphicFrameLocks/>
+          </p:cNvGraphicFramePr>
+          <p:nvPr>
+            <p:extLst>
+              <p:ext uri="{D42A27DB-BD31-4B8C-83A1-F6EECF244321}">
+                <p14:modId xmlns:p14="http://schemas.microsoft.com/office/powerpoint/2010/main" val="1606580720"/>
+              </p:ext>
+            </p:extLst>
+          </p:nvPr>
+        </p:nvGraphicFramePr>
+        <p:xfrm>
+          <a:off x="548225" y="3267703"/>
+          <a:ext cx="4867275" cy="3157537"/>
+        </p:xfrm>
+        <a:graphic>
+          <a:graphicData uri="http://schemas.openxmlformats.org/drawingml/2006/chart">
+            <c:chart xmlns:c="http://schemas.openxmlformats.org/drawingml/2006/chart" xmlns:r="http://schemas.openxmlformats.org/officeDocument/2006/relationships" r:id="rId4"/>
+          </a:graphicData>
+        </a:graphic>
+      </p:graphicFrame>
+    </p:spTree>
+    <p:extLst>
+      <p:ext uri="{BB962C8B-B14F-4D97-AF65-F5344CB8AC3E}">
+        <p14:creationId xmlns:p14="http://schemas.microsoft.com/office/powerpoint/2010/main" val="1956327543"/>
+      </p:ext>
+    </p:extLst>
+  </p:cSld>
+  <p:clrMapOvr>
+    <a:masterClrMapping/>
+  </p:clrMapOvr>
+</p:sld>
+</file>
+
+<file path=ppt/slides/slide11.xml><?xml version="1.0" encoding="utf-8"?>
 <p:sld xmlns:a="http://schemas.openxmlformats.org/drawingml/2006/main" xmlns:r="http://schemas.openxmlformats.org/officeDocument/2006/relationships" xmlns:p="http://schemas.openxmlformats.org/presentationml/2006/main">
   <p:cSld>
     <p:spTree>
@@ -30599,342 +30772,6 @@
     <p:extLst>
       <p:ext uri="{BB962C8B-B14F-4D97-AF65-F5344CB8AC3E}">
         <p14:creationId xmlns:p14="http://schemas.microsoft.com/office/powerpoint/2010/main" val="1934016666"/>
-      </p:ext>
-    </p:extLst>
-  </p:cSld>
-  <p:clrMapOvr>
-    <a:masterClrMapping/>
-  </p:clrMapOvr>
-</p:sld>
-</file>
-
-<file path=ppt/slides/slide11.xml><?xml version="1.0" encoding="utf-8"?>
-<p:sld xmlns:a="http://schemas.openxmlformats.org/drawingml/2006/main" xmlns:r="http://schemas.openxmlformats.org/officeDocument/2006/relationships" xmlns:p="http://schemas.openxmlformats.org/presentationml/2006/main">
-  <p:cSld>
-    <p:spTree>
-      <p:nvGrpSpPr>
-        <p:cNvPr id="1" name=""/>
-        <p:cNvGrpSpPr/>
-        <p:nvPr/>
-      </p:nvGrpSpPr>
-      <p:grpSpPr>
-        <a:xfrm>
-          <a:off x="0" y="0"/>
-          <a:ext cx="0" cy="0"/>
-          <a:chOff x="0" y="0"/>
-          <a:chExt cx="0" cy="0"/>
-        </a:xfrm>
-      </p:grpSpPr>
-      <p:sp>
-        <p:nvSpPr>
-          <p:cNvPr id="2" name="Title 1">
-            <a:extLst>
-              <a:ext uri="{FF2B5EF4-FFF2-40B4-BE49-F238E27FC236}">
-                <a16:creationId xmlns:a16="http://schemas.microsoft.com/office/drawing/2014/main" id="{20222172-5DFD-5AA7-7B8D-98D22B4CE7DC}"/>
-              </a:ext>
-            </a:extLst>
-          </p:cNvPr>
-          <p:cNvSpPr>
-            <a:spLocks noGrp="1"/>
-          </p:cNvSpPr>
-          <p:nvPr>
-            <p:ph type="title"/>
-          </p:nvPr>
-        </p:nvSpPr>
-        <p:spPr>
-          <a:xfrm>
-            <a:off x="838200" y="97707"/>
-            <a:ext cx="10515600" cy="394000"/>
-          </a:xfrm>
-        </p:spPr>
-        <p:txBody>
-          <a:bodyPr>
-            <a:noAutofit/>
-          </a:bodyPr>
-          <a:lstStyle/>
-          <a:p>
-            <a:r>
-              <a:rPr lang="en-US" sz="3200" dirty="0"/>
-              <a:t>Auto Exposure Algorithm</a:t>
-            </a:r>
-          </a:p>
-        </p:txBody>
-      </p:sp>
-      <p:sp>
-        <p:nvSpPr>
-          <p:cNvPr id="3" name="Content Placeholder 2">
-            <a:extLst>
-              <a:ext uri="{FF2B5EF4-FFF2-40B4-BE49-F238E27FC236}">
-                <a16:creationId xmlns:a16="http://schemas.microsoft.com/office/drawing/2014/main" id="{F000C6BB-811A-082E-3989-A0BEBA965D1E}"/>
-              </a:ext>
-            </a:extLst>
-          </p:cNvPr>
-          <p:cNvSpPr>
-            <a:spLocks noGrp="1"/>
-          </p:cNvSpPr>
-          <p:nvPr>
-            <p:ph idx="1"/>
-          </p:nvPr>
-        </p:nvSpPr>
-        <p:spPr>
-          <a:xfrm>
-            <a:off x="838200" y="879894"/>
-            <a:ext cx="10515600" cy="5702061"/>
-          </a:xfrm>
-        </p:spPr>
-        <p:txBody>
-          <a:bodyPr>
-            <a:normAutofit fontScale="92500" lnSpcReduction="20000"/>
-          </a:bodyPr>
-          <a:lstStyle/>
-          <a:p>
-            <a:pPr marL="342900" indent="-342900">
-              <a:buFont typeface="+mj-lt"/>
-              <a:buAutoNum type="arabicPeriod"/>
-            </a:pPr>
-            <a:r>
-              <a:rPr lang="en-US" sz="1800" dirty="0"/>
-              <a:t>Start from 100ms exp time</a:t>
-            </a:r>
-          </a:p>
-          <a:p>
-            <a:pPr marL="342900" indent="-342900">
-              <a:buFont typeface="+mj-lt"/>
-              <a:buAutoNum type="arabicPeriod"/>
-            </a:pPr>
-            <a:r>
-              <a:rPr lang="en-US" sz="1800" dirty="0"/>
-              <a:t>Go to XY tile position</a:t>
-            </a:r>
-          </a:p>
-          <a:p>
-            <a:pPr marL="800100" lvl="1" indent="-342900">
-              <a:buFont typeface="+mj-lt"/>
-              <a:buAutoNum type="arabicPeriod"/>
-            </a:pPr>
-            <a:r>
-              <a:rPr lang="en-US" sz="1400" dirty="0"/>
-              <a:t>Take image with given channel</a:t>
-            </a:r>
-          </a:p>
-          <a:p>
-            <a:pPr marL="800100" lvl="1" indent="-342900">
-              <a:buFont typeface="+mj-lt"/>
-              <a:buAutoNum type="arabicPeriod"/>
-            </a:pPr>
-            <a:r>
-              <a:rPr lang="en-US" sz="1400" dirty="0"/>
-              <a:t>Check if image is within bounds at the 99% percentile pixel</a:t>
-            </a:r>
-          </a:p>
-          <a:p>
-            <a:pPr marL="1257300" lvl="2" indent="-342900">
-              <a:buFont typeface="+mj-lt"/>
-              <a:buAutoNum type="arabicPeriod"/>
-            </a:pPr>
-            <a:r>
-              <a:rPr lang="en-US" sz="1000" dirty="0"/>
-              <a:t>If saturated</a:t>
-            </a:r>
-          </a:p>
-          <a:p>
-            <a:pPr marL="1714500" lvl="3" indent="-342900">
-              <a:buFont typeface="+mj-lt"/>
-              <a:buAutoNum type="arabicPeriod"/>
-            </a:pPr>
-            <a:r>
-              <a:rPr lang="en-US" sz="800" dirty="0"/>
-              <a:t>reduce exp time by 10x</a:t>
-            </a:r>
-          </a:p>
-          <a:p>
-            <a:pPr marL="1714500" lvl="3" indent="-342900">
-              <a:buFont typeface="+mj-lt"/>
-              <a:buAutoNum type="arabicPeriod"/>
-            </a:pPr>
-            <a:r>
-              <a:rPr lang="en-US" sz="800" dirty="0"/>
-              <a:t>retake image and recheck if still saturated.</a:t>
-            </a:r>
-          </a:p>
-          <a:p>
-            <a:pPr marL="1714500" lvl="3" indent="-342900">
-              <a:buFont typeface="+mj-lt"/>
-              <a:buAutoNum type="arabicPeriod"/>
-            </a:pPr>
-            <a:r>
-              <a:rPr lang="en-US" sz="800" dirty="0"/>
-              <a:t>Repeat 1-2 until not saturated anymore</a:t>
-            </a:r>
-          </a:p>
-          <a:p>
-            <a:pPr marL="1714500" lvl="3" indent="-342900">
-              <a:buFont typeface="+mj-lt"/>
-              <a:buAutoNum type="arabicPeriod"/>
-            </a:pPr>
-            <a:r>
-              <a:rPr lang="en-US" sz="800" dirty="0"/>
-              <a:t>Scale exp to give 10% dynamic range intensity</a:t>
-            </a:r>
-          </a:p>
-          <a:p>
-            <a:pPr marL="1257300" lvl="2" indent="-342900">
-              <a:buFont typeface="+mj-lt"/>
-              <a:buAutoNum type="arabicPeriod"/>
-            </a:pPr>
-            <a:r>
-              <a:rPr lang="en-US" sz="1000" dirty="0"/>
-              <a:t>If too low</a:t>
-            </a:r>
-          </a:p>
-          <a:p>
-            <a:pPr marL="1714500" lvl="3" indent="-342900">
-              <a:buFont typeface="+mj-lt"/>
-              <a:buAutoNum type="arabicPeriod"/>
-            </a:pPr>
-            <a:r>
-              <a:rPr lang="en-US" sz="800" dirty="0"/>
-              <a:t>Scale exp to give 10% dynamic range intensity or 1000ms, which ever one that is lower exposure time</a:t>
-            </a:r>
-          </a:p>
-          <a:p>
-            <a:pPr marL="1257300" lvl="2" indent="-342900">
-              <a:buFont typeface="+mj-lt"/>
-              <a:buAutoNum type="arabicPeriod"/>
-            </a:pPr>
-            <a:endParaRPr lang="en-US" sz="1000" dirty="0"/>
-          </a:p>
-          <a:p>
-            <a:pPr marL="800100" lvl="1" indent="-342900">
-              <a:buFont typeface="+mj-lt"/>
-              <a:buAutoNum type="arabicPeriod"/>
-            </a:pPr>
-            <a:r>
-              <a:rPr lang="en-US" sz="1400" dirty="0"/>
-              <a:t>If not saturated add to </a:t>
-            </a:r>
-            <a:r>
-              <a:rPr lang="en-US" sz="1400" dirty="0" err="1"/>
-              <a:t>exp_calc_array</a:t>
-            </a:r>
-            <a:r>
-              <a:rPr lang="en-US" sz="1400" dirty="0"/>
-              <a:t> and move to next z point</a:t>
-            </a:r>
-          </a:p>
-          <a:p>
-            <a:pPr marL="800100" lvl="1" indent="-342900">
-              <a:buFont typeface="+mj-lt"/>
-              <a:buAutoNum type="arabicPeriod"/>
-            </a:pPr>
-            <a:r>
-              <a:rPr lang="en-US" sz="1400" dirty="0"/>
-              <a:t>Repeat steps 1-4 until all 3 z points are acquired w/ same exp time. Must retake images if needed</a:t>
-            </a:r>
-          </a:p>
-          <a:p>
-            <a:pPr marL="800100" lvl="1" indent="-342900">
-              <a:buFont typeface="+mj-lt"/>
-              <a:buAutoNum type="arabicPeriod"/>
-            </a:pPr>
-            <a:r>
-              <a:rPr lang="en-US" sz="1400" dirty="0"/>
-              <a:t>Repeat steps 1-5 until all 4 channels are set</a:t>
-            </a:r>
-          </a:p>
-          <a:p>
-            <a:pPr marL="342900" indent="-342900">
-              <a:buFont typeface="+mj-lt"/>
-              <a:buAutoNum type="arabicPeriod"/>
-            </a:pPr>
-            <a:r>
-              <a:rPr lang="en-US" sz="1800" dirty="0"/>
-              <a:t>Repeat for all XY position with starting exp time being rolled over from previous XY position</a:t>
-            </a:r>
-          </a:p>
-          <a:p>
-            <a:pPr marL="342900" indent="-342900">
-              <a:buFont typeface="+mj-lt"/>
-              <a:buAutoNum type="arabicPeriod"/>
-            </a:pPr>
-            <a:r>
-              <a:rPr lang="en-US" sz="1800" dirty="0"/>
-              <a:t>Solve quadratic equation for all three intensity points via gauss Jordan reduction method to solve for all coefficients. </a:t>
-            </a:r>
-          </a:p>
-          <a:p>
-            <a:pPr marL="342900" indent="-342900">
-              <a:buFont typeface="+mj-lt"/>
-              <a:buAutoNum type="arabicPeriod"/>
-            </a:pPr>
-            <a:r>
-              <a:rPr lang="en-US" sz="1800" dirty="0"/>
-              <a:t>Find intensity that is predicted via derivative of quad equation set to zero and subbed back in. </a:t>
-            </a:r>
-          </a:p>
-          <a:p>
-            <a:pPr marL="342900" indent="-342900">
-              <a:buFont typeface="+mj-lt"/>
-              <a:buAutoNum type="arabicPeriod"/>
-            </a:pPr>
-            <a:r>
-              <a:rPr lang="en-US" sz="1800" dirty="0"/>
-              <a:t>Cycle through all results as a function of XY position to find the highest predicted intensity after being scaled by exp time. </a:t>
-            </a:r>
-          </a:p>
-          <a:p>
-            <a:pPr marL="342900" indent="-342900">
-              <a:buFont typeface="+mj-lt"/>
-              <a:buAutoNum type="arabicPeriod"/>
-            </a:pPr>
-            <a:r>
-              <a:rPr lang="en-US" sz="1800" dirty="0"/>
-              <a:t>Take desired intensity/highest intensity to make a scale factor</a:t>
-            </a:r>
-          </a:p>
-          <a:p>
-            <a:pPr marL="342900" indent="-342900">
-              <a:buFont typeface="+mj-lt"/>
-              <a:buAutoNum type="arabicPeriod"/>
-            </a:pPr>
-            <a:r>
-              <a:rPr lang="en-US" sz="1800" dirty="0"/>
-              <a:t>Take acquired exp time and multiply by new scale factor. </a:t>
-            </a:r>
-          </a:p>
-          <a:p>
-            <a:pPr marL="800100" lvl="1" indent="-342900">
-              <a:buFont typeface="+mj-lt"/>
-              <a:buAutoNum type="arabicPeriod"/>
-            </a:pPr>
-            <a:r>
-              <a:rPr lang="en-US" sz="1400" dirty="0"/>
-              <a:t>If new exp time &gt; 2000ms, make = 2000</a:t>
-            </a:r>
-          </a:p>
-          <a:p>
-            <a:pPr marL="800100" lvl="1" indent="-342900">
-              <a:buFont typeface="+mj-lt"/>
-              <a:buAutoNum type="arabicPeriod"/>
-            </a:pPr>
-            <a:r>
-              <a:rPr lang="en-US" sz="1400" dirty="0"/>
-              <a:t>If less than 2000ms, don’t alter new exp time</a:t>
-            </a:r>
-          </a:p>
-          <a:p>
-            <a:pPr marL="800100" lvl="1" indent="-342900">
-              <a:buFont typeface="+mj-lt"/>
-              <a:buAutoNum type="arabicPeriod"/>
-            </a:pPr>
-            <a:endParaRPr lang="en-US" sz="1400" dirty="0"/>
-          </a:p>
-        </p:txBody>
-      </p:sp>
-    </p:spTree>
-    <p:extLst>
-      <p:ext uri="{BB962C8B-B14F-4D97-AF65-F5344CB8AC3E}">
-        <p14:creationId xmlns:p14="http://schemas.microsoft.com/office/powerpoint/2010/main" val="2091702953"/>
       </p:ext>
     </p:extLst>
   </p:cSld>
@@ -31669,6 +31506,342 @@
           <p:cNvPr id="2" name="Title 1">
             <a:extLst>
               <a:ext uri="{FF2B5EF4-FFF2-40B4-BE49-F238E27FC236}">
+                <a16:creationId xmlns:a16="http://schemas.microsoft.com/office/drawing/2014/main" id="{20222172-5DFD-5AA7-7B8D-98D22B4CE7DC}"/>
+              </a:ext>
+            </a:extLst>
+          </p:cNvPr>
+          <p:cNvSpPr>
+            <a:spLocks noGrp="1"/>
+          </p:cNvSpPr>
+          <p:nvPr>
+            <p:ph type="title"/>
+          </p:nvPr>
+        </p:nvSpPr>
+        <p:spPr>
+          <a:xfrm>
+            <a:off x="838200" y="97707"/>
+            <a:ext cx="10515600" cy="394000"/>
+          </a:xfrm>
+        </p:spPr>
+        <p:txBody>
+          <a:bodyPr>
+            <a:noAutofit/>
+          </a:bodyPr>
+          <a:lstStyle/>
+          <a:p>
+            <a:r>
+              <a:rPr lang="en-US" sz="3200" dirty="0"/>
+              <a:t>Auto Exposure Algorithm</a:t>
+            </a:r>
+          </a:p>
+        </p:txBody>
+      </p:sp>
+      <p:sp>
+        <p:nvSpPr>
+          <p:cNvPr id="3" name="Content Placeholder 2">
+            <a:extLst>
+              <a:ext uri="{FF2B5EF4-FFF2-40B4-BE49-F238E27FC236}">
+                <a16:creationId xmlns:a16="http://schemas.microsoft.com/office/drawing/2014/main" id="{F000C6BB-811A-082E-3989-A0BEBA965D1E}"/>
+              </a:ext>
+            </a:extLst>
+          </p:cNvPr>
+          <p:cNvSpPr>
+            <a:spLocks noGrp="1"/>
+          </p:cNvSpPr>
+          <p:nvPr>
+            <p:ph idx="1"/>
+          </p:nvPr>
+        </p:nvSpPr>
+        <p:spPr>
+          <a:xfrm>
+            <a:off x="838200" y="879894"/>
+            <a:ext cx="10515600" cy="5702061"/>
+          </a:xfrm>
+        </p:spPr>
+        <p:txBody>
+          <a:bodyPr>
+            <a:normAutofit fontScale="92500" lnSpcReduction="20000"/>
+          </a:bodyPr>
+          <a:lstStyle/>
+          <a:p>
+            <a:pPr marL="342900" indent="-342900">
+              <a:buFont typeface="+mj-lt"/>
+              <a:buAutoNum type="arabicPeriod"/>
+            </a:pPr>
+            <a:r>
+              <a:rPr lang="en-US" sz="1800" dirty="0"/>
+              <a:t>Start from 100ms exp time</a:t>
+            </a:r>
+          </a:p>
+          <a:p>
+            <a:pPr marL="342900" indent="-342900">
+              <a:buFont typeface="+mj-lt"/>
+              <a:buAutoNum type="arabicPeriod"/>
+            </a:pPr>
+            <a:r>
+              <a:rPr lang="en-US" sz="1800" dirty="0"/>
+              <a:t>Go to XY tile position</a:t>
+            </a:r>
+          </a:p>
+          <a:p>
+            <a:pPr marL="800100" lvl="1" indent="-342900">
+              <a:buFont typeface="+mj-lt"/>
+              <a:buAutoNum type="arabicPeriod"/>
+            </a:pPr>
+            <a:r>
+              <a:rPr lang="en-US" sz="1400" dirty="0"/>
+              <a:t>Take image with given channel</a:t>
+            </a:r>
+          </a:p>
+          <a:p>
+            <a:pPr marL="800100" lvl="1" indent="-342900">
+              <a:buFont typeface="+mj-lt"/>
+              <a:buAutoNum type="arabicPeriod"/>
+            </a:pPr>
+            <a:r>
+              <a:rPr lang="en-US" sz="1400" dirty="0"/>
+              <a:t>Check if image is within bounds at the 99% percentile pixel</a:t>
+            </a:r>
+          </a:p>
+          <a:p>
+            <a:pPr marL="1257300" lvl="2" indent="-342900">
+              <a:buFont typeface="+mj-lt"/>
+              <a:buAutoNum type="arabicPeriod"/>
+            </a:pPr>
+            <a:r>
+              <a:rPr lang="en-US" sz="1000" dirty="0"/>
+              <a:t>If saturated</a:t>
+            </a:r>
+          </a:p>
+          <a:p>
+            <a:pPr marL="1714500" lvl="3" indent="-342900">
+              <a:buFont typeface="+mj-lt"/>
+              <a:buAutoNum type="arabicPeriod"/>
+            </a:pPr>
+            <a:r>
+              <a:rPr lang="en-US" sz="800" dirty="0"/>
+              <a:t>reduce exp time by 10x</a:t>
+            </a:r>
+          </a:p>
+          <a:p>
+            <a:pPr marL="1714500" lvl="3" indent="-342900">
+              <a:buFont typeface="+mj-lt"/>
+              <a:buAutoNum type="arabicPeriod"/>
+            </a:pPr>
+            <a:r>
+              <a:rPr lang="en-US" sz="800" dirty="0"/>
+              <a:t>retake image and recheck if still saturated.</a:t>
+            </a:r>
+          </a:p>
+          <a:p>
+            <a:pPr marL="1714500" lvl="3" indent="-342900">
+              <a:buFont typeface="+mj-lt"/>
+              <a:buAutoNum type="arabicPeriod"/>
+            </a:pPr>
+            <a:r>
+              <a:rPr lang="en-US" sz="800" dirty="0"/>
+              <a:t>Repeat 1-2 until not saturated anymore</a:t>
+            </a:r>
+          </a:p>
+          <a:p>
+            <a:pPr marL="1714500" lvl="3" indent="-342900">
+              <a:buFont typeface="+mj-lt"/>
+              <a:buAutoNum type="arabicPeriod"/>
+            </a:pPr>
+            <a:r>
+              <a:rPr lang="en-US" sz="800" dirty="0"/>
+              <a:t>Scale exp to give 10% dynamic range intensity</a:t>
+            </a:r>
+          </a:p>
+          <a:p>
+            <a:pPr marL="1257300" lvl="2" indent="-342900">
+              <a:buFont typeface="+mj-lt"/>
+              <a:buAutoNum type="arabicPeriod"/>
+            </a:pPr>
+            <a:r>
+              <a:rPr lang="en-US" sz="1000" dirty="0"/>
+              <a:t>If too low</a:t>
+            </a:r>
+          </a:p>
+          <a:p>
+            <a:pPr marL="1714500" lvl="3" indent="-342900">
+              <a:buFont typeface="+mj-lt"/>
+              <a:buAutoNum type="arabicPeriod"/>
+            </a:pPr>
+            <a:r>
+              <a:rPr lang="en-US" sz="800" dirty="0"/>
+              <a:t>Scale exp to give 10% dynamic range intensity or 1000ms, which ever one that is lower exposure time</a:t>
+            </a:r>
+          </a:p>
+          <a:p>
+            <a:pPr marL="1257300" lvl="2" indent="-342900">
+              <a:buFont typeface="+mj-lt"/>
+              <a:buAutoNum type="arabicPeriod"/>
+            </a:pPr>
+            <a:endParaRPr lang="en-US" sz="1000" dirty="0"/>
+          </a:p>
+          <a:p>
+            <a:pPr marL="800100" lvl="1" indent="-342900">
+              <a:buFont typeface="+mj-lt"/>
+              <a:buAutoNum type="arabicPeriod"/>
+            </a:pPr>
+            <a:r>
+              <a:rPr lang="en-US" sz="1400" dirty="0"/>
+              <a:t>If not saturated add to </a:t>
+            </a:r>
+            <a:r>
+              <a:rPr lang="en-US" sz="1400" dirty="0" err="1"/>
+              <a:t>exp_calc_array</a:t>
+            </a:r>
+            <a:r>
+              <a:rPr lang="en-US" sz="1400" dirty="0"/>
+              <a:t> and move to next z point</a:t>
+            </a:r>
+          </a:p>
+          <a:p>
+            <a:pPr marL="800100" lvl="1" indent="-342900">
+              <a:buFont typeface="+mj-lt"/>
+              <a:buAutoNum type="arabicPeriod"/>
+            </a:pPr>
+            <a:r>
+              <a:rPr lang="en-US" sz="1400" dirty="0"/>
+              <a:t>Repeat steps 1-4 until all 3 z points are acquired w/ same exp time. Must retake images if needed</a:t>
+            </a:r>
+          </a:p>
+          <a:p>
+            <a:pPr marL="800100" lvl="1" indent="-342900">
+              <a:buFont typeface="+mj-lt"/>
+              <a:buAutoNum type="arabicPeriod"/>
+            </a:pPr>
+            <a:r>
+              <a:rPr lang="en-US" sz="1400" dirty="0"/>
+              <a:t>Repeat steps 1-5 until all 4 channels are set</a:t>
+            </a:r>
+          </a:p>
+          <a:p>
+            <a:pPr marL="342900" indent="-342900">
+              <a:buFont typeface="+mj-lt"/>
+              <a:buAutoNum type="arabicPeriod"/>
+            </a:pPr>
+            <a:r>
+              <a:rPr lang="en-US" sz="1800" dirty="0"/>
+              <a:t>Repeat for all XY position with starting exp time being rolled over from previous XY position</a:t>
+            </a:r>
+          </a:p>
+          <a:p>
+            <a:pPr marL="342900" indent="-342900">
+              <a:buFont typeface="+mj-lt"/>
+              <a:buAutoNum type="arabicPeriod"/>
+            </a:pPr>
+            <a:r>
+              <a:rPr lang="en-US" sz="1800" dirty="0"/>
+              <a:t>Solve quadratic equation for all three intensity points via gauss Jordan reduction method to solve for all coefficients. </a:t>
+            </a:r>
+          </a:p>
+          <a:p>
+            <a:pPr marL="342900" indent="-342900">
+              <a:buFont typeface="+mj-lt"/>
+              <a:buAutoNum type="arabicPeriod"/>
+            </a:pPr>
+            <a:r>
+              <a:rPr lang="en-US" sz="1800" dirty="0"/>
+              <a:t>Find intensity that is predicted via derivative of quad equation set to zero and subbed back in. </a:t>
+            </a:r>
+          </a:p>
+          <a:p>
+            <a:pPr marL="342900" indent="-342900">
+              <a:buFont typeface="+mj-lt"/>
+              <a:buAutoNum type="arabicPeriod"/>
+            </a:pPr>
+            <a:r>
+              <a:rPr lang="en-US" sz="1800" dirty="0"/>
+              <a:t>Cycle through all results as a function of XY position to find the highest predicted intensity after being scaled by exp time. </a:t>
+            </a:r>
+          </a:p>
+          <a:p>
+            <a:pPr marL="342900" indent="-342900">
+              <a:buFont typeface="+mj-lt"/>
+              <a:buAutoNum type="arabicPeriod"/>
+            </a:pPr>
+            <a:r>
+              <a:rPr lang="en-US" sz="1800" dirty="0"/>
+              <a:t>Take desired intensity/highest intensity to make a scale factor</a:t>
+            </a:r>
+          </a:p>
+          <a:p>
+            <a:pPr marL="342900" indent="-342900">
+              <a:buFont typeface="+mj-lt"/>
+              <a:buAutoNum type="arabicPeriod"/>
+            </a:pPr>
+            <a:r>
+              <a:rPr lang="en-US" sz="1800" dirty="0"/>
+              <a:t>Take acquired exp time and multiply by new scale factor. </a:t>
+            </a:r>
+          </a:p>
+          <a:p>
+            <a:pPr marL="800100" lvl="1" indent="-342900">
+              <a:buFont typeface="+mj-lt"/>
+              <a:buAutoNum type="arabicPeriod"/>
+            </a:pPr>
+            <a:r>
+              <a:rPr lang="en-US" sz="1400" dirty="0"/>
+              <a:t>If new exp time &gt; 2000ms, make = 2000</a:t>
+            </a:r>
+          </a:p>
+          <a:p>
+            <a:pPr marL="800100" lvl="1" indent="-342900">
+              <a:buFont typeface="+mj-lt"/>
+              <a:buAutoNum type="arabicPeriod"/>
+            </a:pPr>
+            <a:r>
+              <a:rPr lang="en-US" sz="1400" dirty="0"/>
+              <a:t>If less than 2000ms, don’t alter new exp time</a:t>
+            </a:r>
+          </a:p>
+          <a:p>
+            <a:pPr marL="800100" lvl="1" indent="-342900">
+              <a:buFont typeface="+mj-lt"/>
+              <a:buAutoNum type="arabicPeriod"/>
+            </a:pPr>
+            <a:endParaRPr lang="en-US" sz="1400" dirty="0"/>
+          </a:p>
+        </p:txBody>
+      </p:sp>
+    </p:spTree>
+    <p:extLst>
+      <p:ext uri="{BB962C8B-B14F-4D97-AF65-F5344CB8AC3E}">
+        <p14:creationId xmlns:p14="http://schemas.microsoft.com/office/powerpoint/2010/main" val="2091702953"/>
+      </p:ext>
+    </p:extLst>
+  </p:cSld>
+  <p:clrMapOvr>
+    <a:masterClrMapping/>
+  </p:clrMapOvr>
+</p:sld>
+</file>
+
+<file path=ppt/slides/slide7.xml><?xml version="1.0" encoding="utf-8"?>
+<p:sld xmlns:a="http://schemas.openxmlformats.org/drawingml/2006/main" xmlns:r="http://schemas.openxmlformats.org/officeDocument/2006/relationships" xmlns:p="http://schemas.openxmlformats.org/presentationml/2006/main">
+  <p:cSld>
+    <p:spTree>
+      <p:nvGrpSpPr>
+        <p:cNvPr id="1" name=""/>
+        <p:cNvGrpSpPr/>
+        <p:nvPr/>
+      </p:nvGrpSpPr>
+      <p:grpSpPr>
+        <a:xfrm>
+          <a:off x="0" y="0"/>
+          <a:ext cx="0" cy="0"/>
+          <a:chOff x="0" y="0"/>
+          <a:chExt cx="0" cy="0"/>
+        </a:xfrm>
+      </p:grpSpPr>
+      <p:sp>
+        <p:nvSpPr>
+          <p:cNvPr id="2" name="Title 1">
+            <a:extLst>
+              <a:ext uri="{FF2B5EF4-FFF2-40B4-BE49-F238E27FC236}">
                 <a16:creationId xmlns:a16="http://schemas.microsoft.com/office/drawing/2014/main" id="{B3DDDBD1-D552-A278-D009-D8104EFAC7EC}"/>
               </a:ext>
             </a:extLst>
@@ -32056,7 +32229,7 @@
 </p:sld>
 </file>
 
-<file path=ppt/slides/slide7.xml><?xml version="1.0" encoding="utf-8"?>
+<file path=ppt/slides/slide8.xml><?xml version="1.0" encoding="utf-8"?>
 <p:sld xmlns:a="http://schemas.openxmlformats.org/drawingml/2006/main" xmlns:r="http://schemas.openxmlformats.org/officeDocument/2006/relationships" xmlns:p="http://schemas.openxmlformats.org/presentationml/2006/main">
   <p:cSld>
     <p:spTree>
@@ -32204,7 +32377,7 @@
 </p:sld>
 </file>
 
-<file path=ppt/slides/slide8.xml><?xml version="1.0" encoding="utf-8"?>
+<file path=ppt/slides/slide9.xml><?xml version="1.0" encoding="utf-8"?>
 <p:sld xmlns:a="http://schemas.openxmlformats.org/drawingml/2006/main" xmlns:r="http://schemas.openxmlformats.org/officeDocument/2006/relationships" xmlns:p="http://schemas.openxmlformats.org/presentationml/2006/main">
   <p:cSld>
     <p:spTree>
@@ -32283,179 +32456,6 @@
     <p:extLst>
       <p:ext uri="{BB962C8B-B14F-4D97-AF65-F5344CB8AC3E}">
         <p14:creationId xmlns:p14="http://schemas.microsoft.com/office/powerpoint/2010/main" val="2359189546"/>
-      </p:ext>
-    </p:extLst>
-  </p:cSld>
-  <p:clrMapOvr>
-    <a:masterClrMapping/>
-  </p:clrMapOvr>
-</p:sld>
-</file>
-
-<file path=ppt/slides/slide9.xml><?xml version="1.0" encoding="utf-8"?>
-<p:sld xmlns:a="http://schemas.openxmlformats.org/drawingml/2006/main" xmlns:r="http://schemas.openxmlformats.org/officeDocument/2006/relationships" xmlns:p="http://schemas.openxmlformats.org/presentationml/2006/main">
-  <p:cSld>
-    <p:spTree>
-      <p:nvGrpSpPr>
-        <p:cNvPr id="1" name=""/>
-        <p:cNvGrpSpPr/>
-        <p:nvPr/>
-      </p:nvGrpSpPr>
-      <p:grpSpPr>
-        <a:xfrm>
-          <a:off x="0" y="0"/>
-          <a:ext cx="0" cy="0"/>
-          <a:chOff x="0" y="0"/>
-          <a:chExt cx="0" cy="0"/>
-        </a:xfrm>
-      </p:grpSpPr>
-      <p:sp>
-        <p:nvSpPr>
-          <p:cNvPr id="3" name="Content Placeholder 2">
-            <a:extLst>
-              <a:ext uri="{FF2B5EF4-FFF2-40B4-BE49-F238E27FC236}">
-                <a16:creationId xmlns:a16="http://schemas.microsoft.com/office/drawing/2014/main" id="{5B18889C-6465-A9C2-B84F-23F386FF46FA}"/>
-              </a:ext>
-            </a:extLst>
-          </p:cNvPr>
-          <p:cNvSpPr>
-            <a:spLocks noGrp="1"/>
-          </p:cNvSpPr>
-          <p:nvPr>
-            <p:ph idx="1"/>
-          </p:nvPr>
-        </p:nvSpPr>
-        <p:spPr>
-          <a:xfrm>
-            <a:off x="467264" y="212485"/>
-            <a:ext cx="5257800" cy="2064889"/>
-          </a:xfrm>
-        </p:spPr>
-        <p:txBody>
-          <a:bodyPr>
-            <a:normAutofit fontScale="92500" lnSpcReduction="20000"/>
-          </a:bodyPr>
-          <a:lstStyle/>
-          <a:p>
-            <a:r>
-              <a:rPr lang="en-US" sz="2400" dirty="0"/>
-              <a:t>Plot highest int value of the bottom 99% pixels vs slice in image array</a:t>
-            </a:r>
-          </a:p>
-          <a:p>
-            <a:r>
-              <a:rPr lang="en-US" sz="2400" dirty="0"/>
-              <a:t>Also plot 1/highest pixel</a:t>
-            </a:r>
-          </a:p>
-          <a:p>
-            <a:r>
-              <a:rPr lang="en-US" sz="2400" dirty="0"/>
-              <a:t>Plot z slices 7-22 and fit reciprocal to quadratic equation</a:t>
-            </a:r>
-          </a:p>
-          <a:p>
-            <a:r>
-              <a:rPr lang="en-US" sz="2400" dirty="0"/>
-              <a:t>Fits very well!</a:t>
-            </a:r>
-          </a:p>
-        </p:txBody>
-      </p:sp>
-      <p:pic>
-        <p:nvPicPr>
-          <p:cNvPr id="5" name="Picture 4">
-            <a:extLst>
-              <a:ext uri="{FF2B5EF4-FFF2-40B4-BE49-F238E27FC236}">
-                <a16:creationId xmlns:a16="http://schemas.microsoft.com/office/drawing/2014/main" id="{9AD830A9-975E-AD27-323A-E0A64D2E4E68}"/>
-              </a:ext>
-            </a:extLst>
-          </p:cNvPr>
-          <p:cNvPicPr>
-            <a:picLocks noChangeAspect="1"/>
-          </p:cNvPicPr>
-          <p:nvPr/>
-        </p:nvPicPr>
-        <p:blipFill>
-          <a:blip r:embed="rId2"/>
-          <a:stretch>
-            <a:fillRect/>
-          </a:stretch>
-        </p:blipFill>
-        <p:spPr>
-          <a:xfrm>
-            <a:off x="7763773" y="0"/>
-            <a:ext cx="4094155" cy="3067050"/>
-          </a:xfrm>
-          <a:prstGeom prst="rect">
-            <a:avLst/>
-          </a:prstGeom>
-        </p:spPr>
-      </p:pic>
-      <p:pic>
-        <p:nvPicPr>
-          <p:cNvPr id="7" name="Picture 6">
-            <a:extLst>
-              <a:ext uri="{FF2B5EF4-FFF2-40B4-BE49-F238E27FC236}">
-                <a16:creationId xmlns:a16="http://schemas.microsoft.com/office/drawing/2014/main" id="{A64DD040-DF48-E692-1486-1565D7707009}"/>
-              </a:ext>
-            </a:extLst>
-          </p:cNvPr>
-          <p:cNvPicPr>
-            <a:picLocks noChangeAspect="1"/>
-          </p:cNvPicPr>
-          <p:nvPr/>
-        </p:nvPicPr>
-        <p:blipFill>
-          <a:blip r:embed="rId3"/>
-          <a:stretch>
-            <a:fillRect/>
-          </a:stretch>
-        </p:blipFill>
-        <p:spPr>
-          <a:xfrm>
-            <a:off x="7408962" y="3091656"/>
-            <a:ext cx="4783038" cy="3509632"/>
-          </a:xfrm>
-          <a:prstGeom prst="rect">
-            <a:avLst/>
-          </a:prstGeom>
-        </p:spPr>
-      </p:pic>
-      <p:graphicFrame>
-        <p:nvGraphicFramePr>
-          <p:cNvPr id="8" name="Chart 7">
-            <a:extLst>
-              <a:ext uri="{FF2B5EF4-FFF2-40B4-BE49-F238E27FC236}">
-                <a16:creationId xmlns:a16="http://schemas.microsoft.com/office/drawing/2014/main" id="{EC79F243-0B64-7A6D-27B4-8AC6439051CE}"/>
-              </a:ext>
-            </a:extLst>
-          </p:cNvPr>
-          <p:cNvGraphicFramePr>
-            <a:graphicFrameLocks/>
-          </p:cNvGraphicFramePr>
-          <p:nvPr>
-            <p:extLst>
-              <p:ext uri="{D42A27DB-BD31-4B8C-83A1-F6EECF244321}">
-                <p14:modId xmlns:p14="http://schemas.microsoft.com/office/powerpoint/2010/main" val="1606580720"/>
-              </p:ext>
-            </p:extLst>
-          </p:nvPr>
-        </p:nvGraphicFramePr>
-        <p:xfrm>
-          <a:off x="548225" y="3267703"/>
-          <a:ext cx="4867275" cy="3157537"/>
-        </p:xfrm>
-        <a:graphic>
-          <a:graphicData uri="http://schemas.openxmlformats.org/drawingml/2006/chart">
-            <c:chart xmlns:c="http://schemas.openxmlformats.org/drawingml/2006/chart" xmlns:r="http://schemas.openxmlformats.org/officeDocument/2006/relationships" r:id="rId4"/>
-          </a:graphicData>
-        </a:graphic>
-      </p:graphicFrame>
-    </p:spTree>
-    <p:extLst>
-      <p:ext uri="{BB962C8B-B14F-4D97-AF65-F5344CB8AC3E}">
-        <p14:creationId xmlns:p14="http://schemas.microsoft.com/office/powerpoint/2010/main" val="1956327543"/>
       </p:ext>
     </p:extLst>
   </p:cSld>

--- a/Presentation/Auto Focus Network.pptx
+++ b/Presentation/Auto Focus Network.pptx
@@ -10,12 +10,16 @@
     <p:sldId id="258" r:id="rId4"/>
     <p:sldId id="259" r:id="rId5"/>
     <p:sldId id="260" r:id="rId6"/>
-    <p:sldId id="266" r:id="rId7"/>
-    <p:sldId id="265" r:id="rId8"/>
-    <p:sldId id="261" r:id="rId9"/>
-    <p:sldId id="262" r:id="rId10"/>
-    <p:sldId id="263" r:id="rId11"/>
-    <p:sldId id="264" r:id="rId12"/>
+    <p:sldId id="267" r:id="rId7"/>
+    <p:sldId id="268" r:id="rId8"/>
+    <p:sldId id="269" r:id="rId9"/>
+    <p:sldId id="270" r:id="rId10"/>
+    <p:sldId id="266" r:id="rId11"/>
+    <p:sldId id="265" r:id="rId12"/>
+    <p:sldId id="261" r:id="rId13"/>
+    <p:sldId id="262" r:id="rId14"/>
+    <p:sldId id="263" r:id="rId15"/>
+    <p:sldId id="264" r:id="rId16"/>
   </p:sldIdLst>
   <p:sldSz cx="12192000" cy="6858000"/>
   <p:notesSz cx="6858000" cy="9144000"/>
@@ -26736,7 +26740,7 @@
           <a:p>
             <a:fld id="{D1ACE2F4-E882-4A93-B606-CA9C404A6B2F}" type="datetimeFigureOut">
               <a:rPr lang="en-US" smtClean="0"/>
-              <a:t>9/14/2023</a:t>
+              <a:t>9/29/2023</a:t>
             </a:fld>
             <a:endParaRPr lang="en-US"/>
           </a:p>
@@ -26934,7 +26938,7 @@
           <a:p>
             <a:fld id="{D1ACE2F4-E882-4A93-B606-CA9C404A6B2F}" type="datetimeFigureOut">
               <a:rPr lang="en-US" smtClean="0"/>
-              <a:t>9/14/2023</a:t>
+              <a:t>9/29/2023</a:t>
             </a:fld>
             <a:endParaRPr lang="en-US"/>
           </a:p>
@@ -27142,7 +27146,7 @@
           <a:p>
             <a:fld id="{D1ACE2F4-E882-4A93-B606-CA9C404A6B2F}" type="datetimeFigureOut">
               <a:rPr lang="en-US" smtClean="0"/>
-              <a:t>9/14/2023</a:t>
+              <a:t>9/29/2023</a:t>
             </a:fld>
             <a:endParaRPr lang="en-US"/>
           </a:p>
@@ -27340,7 +27344,7 @@
           <a:p>
             <a:fld id="{D1ACE2F4-E882-4A93-B606-CA9C404A6B2F}" type="datetimeFigureOut">
               <a:rPr lang="en-US" smtClean="0"/>
-              <a:t>9/14/2023</a:t>
+              <a:t>9/29/2023</a:t>
             </a:fld>
             <a:endParaRPr lang="en-US"/>
           </a:p>
@@ -27615,7 +27619,7 @@
           <a:p>
             <a:fld id="{D1ACE2F4-E882-4A93-B606-CA9C404A6B2F}" type="datetimeFigureOut">
               <a:rPr lang="en-US" smtClean="0"/>
-              <a:t>9/14/2023</a:t>
+              <a:t>9/29/2023</a:t>
             </a:fld>
             <a:endParaRPr lang="en-US"/>
           </a:p>
@@ -27880,7 +27884,7 @@
           <a:p>
             <a:fld id="{D1ACE2F4-E882-4A93-B606-CA9C404A6B2F}" type="datetimeFigureOut">
               <a:rPr lang="en-US" smtClean="0"/>
-              <a:t>9/14/2023</a:t>
+              <a:t>9/29/2023</a:t>
             </a:fld>
             <a:endParaRPr lang="en-US"/>
           </a:p>
@@ -28292,7 +28296,7 @@
           <a:p>
             <a:fld id="{D1ACE2F4-E882-4A93-B606-CA9C404A6B2F}" type="datetimeFigureOut">
               <a:rPr lang="en-US" smtClean="0"/>
-              <a:t>9/14/2023</a:t>
+              <a:t>9/29/2023</a:t>
             </a:fld>
             <a:endParaRPr lang="en-US"/>
           </a:p>
@@ -28433,7 +28437,7 @@
           <a:p>
             <a:fld id="{D1ACE2F4-E882-4A93-B606-CA9C404A6B2F}" type="datetimeFigureOut">
               <a:rPr lang="en-US" smtClean="0"/>
-              <a:t>9/14/2023</a:t>
+              <a:t>9/29/2023</a:t>
             </a:fld>
             <a:endParaRPr lang="en-US"/>
           </a:p>
@@ -28546,7 +28550,7 @@
           <a:p>
             <a:fld id="{D1ACE2F4-E882-4A93-B606-CA9C404A6B2F}" type="datetimeFigureOut">
               <a:rPr lang="en-US" smtClean="0"/>
-              <a:t>9/14/2023</a:t>
+              <a:t>9/29/2023</a:t>
             </a:fld>
             <a:endParaRPr lang="en-US"/>
           </a:p>
@@ -28857,7 +28861,7 @@
           <a:p>
             <a:fld id="{D1ACE2F4-E882-4A93-B606-CA9C404A6B2F}" type="datetimeFigureOut">
               <a:rPr lang="en-US" smtClean="0"/>
-              <a:t>9/14/2023</a:t>
+              <a:t>9/29/2023</a:t>
             </a:fld>
             <a:endParaRPr lang="en-US"/>
           </a:p>
@@ -29145,7 +29149,7 @@
           <a:p>
             <a:fld id="{D1ACE2F4-E882-4A93-B606-CA9C404A6B2F}" type="datetimeFigureOut">
               <a:rPr lang="en-US" smtClean="0"/>
-              <a:t>9/14/2023</a:t>
+              <a:t>9/29/2023</a:t>
             </a:fld>
             <a:endParaRPr lang="en-US"/>
           </a:p>
@@ -29386,7 +29390,7 @@
           <a:p>
             <a:fld id="{D1ACE2F4-E882-4A93-B606-CA9C404A6B2F}" type="datetimeFigureOut">
               <a:rPr lang="en-US" smtClean="0"/>
-              <a:t>9/14/2023</a:t>
+              <a:t>9/29/2023</a:t>
             </a:fld>
             <a:endParaRPr lang="en-US"/>
           </a:p>
@@ -29895,6 +29899,987 @@
       </p:grpSpPr>
       <p:sp>
         <p:nvSpPr>
+          <p:cNvPr id="2" name="Title 1">
+            <a:extLst>
+              <a:ext uri="{FF2B5EF4-FFF2-40B4-BE49-F238E27FC236}">
+                <a16:creationId xmlns:a16="http://schemas.microsoft.com/office/drawing/2014/main" id="{20222172-5DFD-5AA7-7B8D-98D22B4CE7DC}"/>
+              </a:ext>
+            </a:extLst>
+          </p:cNvPr>
+          <p:cNvSpPr>
+            <a:spLocks noGrp="1"/>
+          </p:cNvSpPr>
+          <p:nvPr>
+            <p:ph type="title"/>
+          </p:nvPr>
+        </p:nvSpPr>
+        <p:spPr>
+          <a:xfrm>
+            <a:off x="838200" y="97707"/>
+            <a:ext cx="10515600" cy="394000"/>
+          </a:xfrm>
+        </p:spPr>
+        <p:txBody>
+          <a:bodyPr>
+            <a:noAutofit/>
+          </a:bodyPr>
+          <a:lstStyle/>
+          <a:p>
+            <a:r>
+              <a:rPr lang="en-US" sz="3200" dirty="0"/>
+              <a:t>Auto Exposure Algorithm</a:t>
+            </a:r>
+          </a:p>
+        </p:txBody>
+      </p:sp>
+      <p:sp>
+        <p:nvSpPr>
+          <p:cNvPr id="3" name="Content Placeholder 2">
+            <a:extLst>
+              <a:ext uri="{FF2B5EF4-FFF2-40B4-BE49-F238E27FC236}">
+                <a16:creationId xmlns:a16="http://schemas.microsoft.com/office/drawing/2014/main" id="{F000C6BB-811A-082E-3989-A0BEBA965D1E}"/>
+              </a:ext>
+            </a:extLst>
+          </p:cNvPr>
+          <p:cNvSpPr>
+            <a:spLocks noGrp="1"/>
+          </p:cNvSpPr>
+          <p:nvPr>
+            <p:ph idx="1"/>
+          </p:nvPr>
+        </p:nvSpPr>
+        <p:spPr>
+          <a:xfrm>
+            <a:off x="838200" y="879894"/>
+            <a:ext cx="10515600" cy="5702061"/>
+          </a:xfrm>
+        </p:spPr>
+        <p:txBody>
+          <a:bodyPr>
+            <a:normAutofit fontScale="92500" lnSpcReduction="20000"/>
+          </a:bodyPr>
+          <a:lstStyle/>
+          <a:p>
+            <a:pPr marL="342900" indent="-342900">
+              <a:buFont typeface="+mj-lt"/>
+              <a:buAutoNum type="arabicPeriod"/>
+            </a:pPr>
+            <a:r>
+              <a:rPr lang="en-US" sz="1800" dirty="0"/>
+              <a:t>Start from 100ms exp time</a:t>
+            </a:r>
+          </a:p>
+          <a:p>
+            <a:pPr marL="342900" indent="-342900">
+              <a:buFont typeface="+mj-lt"/>
+              <a:buAutoNum type="arabicPeriod"/>
+            </a:pPr>
+            <a:r>
+              <a:rPr lang="en-US" sz="1800" dirty="0"/>
+              <a:t>Go to XY tile position</a:t>
+            </a:r>
+          </a:p>
+          <a:p>
+            <a:pPr marL="800100" lvl="1" indent="-342900">
+              <a:buFont typeface="+mj-lt"/>
+              <a:buAutoNum type="arabicPeriod"/>
+            </a:pPr>
+            <a:r>
+              <a:rPr lang="en-US" sz="1400" dirty="0"/>
+              <a:t>Take image with given channel</a:t>
+            </a:r>
+          </a:p>
+          <a:p>
+            <a:pPr marL="800100" lvl="1" indent="-342900">
+              <a:buFont typeface="+mj-lt"/>
+              <a:buAutoNum type="arabicPeriod"/>
+            </a:pPr>
+            <a:r>
+              <a:rPr lang="en-US" sz="1400" dirty="0"/>
+              <a:t>Check if image is within bounds at the 99% percentile pixel</a:t>
+            </a:r>
+          </a:p>
+          <a:p>
+            <a:pPr marL="1257300" lvl="2" indent="-342900">
+              <a:buFont typeface="+mj-lt"/>
+              <a:buAutoNum type="arabicPeriod"/>
+            </a:pPr>
+            <a:r>
+              <a:rPr lang="en-US" sz="1000" dirty="0"/>
+              <a:t>If saturated</a:t>
+            </a:r>
+          </a:p>
+          <a:p>
+            <a:pPr marL="1714500" lvl="3" indent="-342900">
+              <a:buFont typeface="+mj-lt"/>
+              <a:buAutoNum type="arabicPeriod"/>
+            </a:pPr>
+            <a:r>
+              <a:rPr lang="en-US" sz="800" dirty="0"/>
+              <a:t>reduce exp time by 10x</a:t>
+            </a:r>
+          </a:p>
+          <a:p>
+            <a:pPr marL="1714500" lvl="3" indent="-342900">
+              <a:buFont typeface="+mj-lt"/>
+              <a:buAutoNum type="arabicPeriod"/>
+            </a:pPr>
+            <a:r>
+              <a:rPr lang="en-US" sz="800" dirty="0"/>
+              <a:t>retake image and recheck if still saturated.</a:t>
+            </a:r>
+          </a:p>
+          <a:p>
+            <a:pPr marL="1714500" lvl="3" indent="-342900">
+              <a:buFont typeface="+mj-lt"/>
+              <a:buAutoNum type="arabicPeriod"/>
+            </a:pPr>
+            <a:r>
+              <a:rPr lang="en-US" sz="800" dirty="0"/>
+              <a:t>Repeat 1-2 until not saturated anymore</a:t>
+            </a:r>
+          </a:p>
+          <a:p>
+            <a:pPr marL="1714500" lvl="3" indent="-342900">
+              <a:buFont typeface="+mj-lt"/>
+              <a:buAutoNum type="arabicPeriod"/>
+            </a:pPr>
+            <a:r>
+              <a:rPr lang="en-US" sz="800" dirty="0"/>
+              <a:t>Scale exp to give 10% dynamic range intensity</a:t>
+            </a:r>
+          </a:p>
+          <a:p>
+            <a:pPr marL="1257300" lvl="2" indent="-342900">
+              <a:buFont typeface="+mj-lt"/>
+              <a:buAutoNum type="arabicPeriod"/>
+            </a:pPr>
+            <a:r>
+              <a:rPr lang="en-US" sz="1000" dirty="0"/>
+              <a:t>If too low</a:t>
+            </a:r>
+          </a:p>
+          <a:p>
+            <a:pPr marL="1714500" lvl="3" indent="-342900">
+              <a:buFont typeface="+mj-lt"/>
+              <a:buAutoNum type="arabicPeriod"/>
+            </a:pPr>
+            <a:r>
+              <a:rPr lang="en-US" sz="800" dirty="0"/>
+              <a:t>Scale exp to give 10% dynamic range intensity or 1000ms, which ever one that is lower exposure time</a:t>
+            </a:r>
+          </a:p>
+          <a:p>
+            <a:pPr marL="1257300" lvl="2" indent="-342900">
+              <a:buFont typeface="+mj-lt"/>
+              <a:buAutoNum type="arabicPeriod"/>
+            </a:pPr>
+            <a:endParaRPr lang="en-US" sz="1000" dirty="0"/>
+          </a:p>
+          <a:p>
+            <a:pPr marL="800100" lvl="1" indent="-342900">
+              <a:buFont typeface="+mj-lt"/>
+              <a:buAutoNum type="arabicPeriod"/>
+            </a:pPr>
+            <a:r>
+              <a:rPr lang="en-US" sz="1400" dirty="0"/>
+              <a:t>If not saturated add to </a:t>
+            </a:r>
+            <a:r>
+              <a:rPr lang="en-US" sz="1400" dirty="0" err="1"/>
+              <a:t>exp_calc_array</a:t>
+            </a:r>
+            <a:r>
+              <a:rPr lang="en-US" sz="1400" dirty="0"/>
+              <a:t> and move to next z point</a:t>
+            </a:r>
+          </a:p>
+          <a:p>
+            <a:pPr marL="800100" lvl="1" indent="-342900">
+              <a:buFont typeface="+mj-lt"/>
+              <a:buAutoNum type="arabicPeriod"/>
+            </a:pPr>
+            <a:r>
+              <a:rPr lang="en-US" sz="1400" dirty="0"/>
+              <a:t>Repeat steps 1-4 until all 3 z points are acquired w/ same exp time. Must retake images if needed</a:t>
+            </a:r>
+          </a:p>
+          <a:p>
+            <a:pPr marL="800100" lvl="1" indent="-342900">
+              <a:buFont typeface="+mj-lt"/>
+              <a:buAutoNum type="arabicPeriod"/>
+            </a:pPr>
+            <a:r>
+              <a:rPr lang="en-US" sz="1400" dirty="0"/>
+              <a:t>Repeat steps 1-5 until all 4 channels are set</a:t>
+            </a:r>
+          </a:p>
+          <a:p>
+            <a:pPr marL="342900" indent="-342900">
+              <a:buFont typeface="+mj-lt"/>
+              <a:buAutoNum type="arabicPeriod"/>
+            </a:pPr>
+            <a:r>
+              <a:rPr lang="en-US" sz="1800" dirty="0"/>
+              <a:t>Repeat for all XY position with starting exp time being rolled over from previous XY position</a:t>
+            </a:r>
+          </a:p>
+          <a:p>
+            <a:pPr marL="342900" indent="-342900">
+              <a:buFont typeface="+mj-lt"/>
+              <a:buAutoNum type="arabicPeriod"/>
+            </a:pPr>
+            <a:r>
+              <a:rPr lang="en-US" sz="1800" dirty="0"/>
+              <a:t>Solve quadratic equation for all three intensity points via gauss Jordan reduction method to solve for all coefficients. </a:t>
+            </a:r>
+          </a:p>
+          <a:p>
+            <a:pPr marL="342900" indent="-342900">
+              <a:buFont typeface="+mj-lt"/>
+              <a:buAutoNum type="arabicPeriod"/>
+            </a:pPr>
+            <a:r>
+              <a:rPr lang="en-US" sz="1800" dirty="0"/>
+              <a:t>Find intensity that is predicted via derivative of quad equation set to zero and subbed back in. </a:t>
+            </a:r>
+          </a:p>
+          <a:p>
+            <a:pPr marL="342900" indent="-342900">
+              <a:buFont typeface="+mj-lt"/>
+              <a:buAutoNum type="arabicPeriod"/>
+            </a:pPr>
+            <a:r>
+              <a:rPr lang="en-US" sz="1800" dirty="0"/>
+              <a:t>Cycle through all results as a function of XY position to find the highest predicted intensity after being scaled by exp time. </a:t>
+            </a:r>
+          </a:p>
+          <a:p>
+            <a:pPr marL="342900" indent="-342900">
+              <a:buFont typeface="+mj-lt"/>
+              <a:buAutoNum type="arabicPeriod"/>
+            </a:pPr>
+            <a:r>
+              <a:rPr lang="en-US" sz="1800" dirty="0"/>
+              <a:t>Take desired intensity/highest intensity to make a scale factor</a:t>
+            </a:r>
+          </a:p>
+          <a:p>
+            <a:pPr marL="342900" indent="-342900">
+              <a:buFont typeface="+mj-lt"/>
+              <a:buAutoNum type="arabicPeriod"/>
+            </a:pPr>
+            <a:r>
+              <a:rPr lang="en-US" sz="1800" dirty="0"/>
+              <a:t>Take acquired exp time and multiply by new scale factor. </a:t>
+            </a:r>
+          </a:p>
+          <a:p>
+            <a:pPr marL="800100" lvl="1" indent="-342900">
+              <a:buFont typeface="+mj-lt"/>
+              <a:buAutoNum type="arabicPeriod"/>
+            </a:pPr>
+            <a:r>
+              <a:rPr lang="en-US" sz="1400" dirty="0"/>
+              <a:t>If new exp time &gt; 2000ms, make = 2000</a:t>
+            </a:r>
+          </a:p>
+          <a:p>
+            <a:pPr marL="800100" lvl="1" indent="-342900">
+              <a:buFont typeface="+mj-lt"/>
+              <a:buAutoNum type="arabicPeriod"/>
+            </a:pPr>
+            <a:r>
+              <a:rPr lang="en-US" sz="1400" dirty="0"/>
+              <a:t>If less than 2000ms, don’t alter new exp time</a:t>
+            </a:r>
+          </a:p>
+          <a:p>
+            <a:pPr marL="800100" lvl="1" indent="-342900">
+              <a:buFont typeface="+mj-lt"/>
+              <a:buAutoNum type="arabicPeriod"/>
+            </a:pPr>
+            <a:endParaRPr lang="en-US" sz="1400" dirty="0"/>
+          </a:p>
+        </p:txBody>
+      </p:sp>
+    </p:spTree>
+    <p:extLst>
+      <p:ext uri="{BB962C8B-B14F-4D97-AF65-F5344CB8AC3E}">
+        <p14:creationId xmlns:p14="http://schemas.microsoft.com/office/powerpoint/2010/main" val="2091702953"/>
+      </p:ext>
+    </p:extLst>
+  </p:cSld>
+  <p:clrMapOvr>
+    <a:masterClrMapping/>
+  </p:clrMapOvr>
+</p:sld>
+</file>
+
+<file path=ppt/slides/slide11.xml><?xml version="1.0" encoding="utf-8"?>
+<p:sld xmlns:a="http://schemas.openxmlformats.org/drawingml/2006/main" xmlns:r="http://schemas.openxmlformats.org/officeDocument/2006/relationships" xmlns:p="http://schemas.openxmlformats.org/presentationml/2006/main">
+  <p:cSld>
+    <p:spTree>
+      <p:nvGrpSpPr>
+        <p:cNvPr id="1" name=""/>
+        <p:cNvGrpSpPr/>
+        <p:nvPr/>
+      </p:nvGrpSpPr>
+      <p:grpSpPr>
+        <a:xfrm>
+          <a:off x="0" y="0"/>
+          <a:ext cx="0" cy="0"/>
+          <a:chOff x="0" y="0"/>
+          <a:chExt cx="0" cy="0"/>
+        </a:xfrm>
+      </p:grpSpPr>
+      <p:sp>
+        <p:nvSpPr>
+          <p:cNvPr id="2" name="Title 1">
+            <a:extLst>
+              <a:ext uri="{FF2B5EF4-FFF2-40B4-BE49-F238E27FC236}">
+                <a16:creationId xmlns:a16="http://schemas.microsoft.com/office/drawing/2014/main" id="{B3DDDBD1-D552-A278-D009-D8104EFAC7EC}"/>
+              </a:ext>
+            </a:extLst>
+          </p:cNvPr>
+          <p:cNvSpPr>
+            <a:spLocks noGrp="1"/>
+          </p:cNvSpPr>
+          <p:nvPr>
+            <p:ph type="title"/>
+          </p:nvPr>
+        </p:nvSpPr>
+        <p:spPr>
+          <a:xfrm>
+            <a:off x="0" y="-146288"/>
+            <a:ext cx="10515600" cy="747683"/>
+          </a:xfrm>
+        </p:spPr>
+        <p:txBody>
+          <a:bodyPr>
+            <a:normAutofit/>
+          </a:bodyPr>
+          <a:lstStyle/>
+          <a:p>
+            <a:r>
+              <a:rPr lang="en-US" sz="3200" dirty="0"/>
+              <a:t>Auto Expose Array Construction</a:t>
+            </a:r>
+          </a:p>
+        </p:txBody>
+      </p:sp>
+      <p:graphicFrame>
+        <p:nvGraphicFramePr>
+          <p:cNvPr id="4" name="Content Placeholder 3">
+            <a:extLst>
+              <a:ext uri="{FF2B5EF4-FFF2-40B4-BE49-F238E27FC236}">
+                <a16:creationId xmlns:a16="http://schemas.microsoft.com/office/drawing/2014/main" id="{DFEBF3D2-C6CD-7087-BA87-F5B2F684F440}"/>
+              </a:ext>
+            </a:extLst>
+          </p:cNvPr>
+          <p:cNvGraphicFramePr>
+            <a:graphicFrameLocks noGrp="1"/>
+          </p:cNvGraphicFramePr>
+          <p:nvPr>
+            <p:ph idx="1"/>
+            <p:extLst>
+              <p:ext uri="{D42A27DB-BD31-4B8C-83A1-F6EECF244321}">
+                <p14:modId xmlns:p14="http://schemas.microsoft.com/office/powerpoint/2010/main" val="2870609108"/>
+              </p:ext>
+            </p:extLst>
+          </p:nvPr>
+        </p:nvGraphicFramePr>
+        <p:xfrm>
+          <a:off x="54636" y="1780342"/>
+          <a:ext cx="2993366" cy="3807064"/>
+        </p:xfrm>
+        <a:graphic>
+          <a:graphicData uri="http://schemas.openxmlformats.org/drawingml/2006/diagram">
+            <dgm:relIds xmlns:dgm="http://schemas.openxmlformats.org/drawingml/2006/diagram" xmlns:r="http://schemas.openxmlformats.org/officeDocument/2006/relationships" r:dm="rId2" r:lo="rId3" r:qs="rId4" r:cs="rId5"/>
+          </a:graphicData>
+        </a:graphic>
+      </p:graphicFrame>
+      <p:sp>
+        <p:nvSpPr>
+          <p:cNvPr id="5" name="TextBox 4">
+            <a:extLst>
+              <a:ext uri="{FF2B5EF4-FFF2-40B4-BE49-F238E27FC236}">
+                <a16:creationId xmlns:a16="http://schemas.microsoft.com/office/drawing/2014/main" id="{614E6B01-BC13-EA58-8D20-9BAF9101568F}"/>
+              </a:ext>
+            </a:extLst>
+          </p:cNvPr>
+          <p:cNvSpPr txBox="1"/>
+          <p:nvPr/>
+        </p:nvSpPr>
+        <p:spPr>
+          <a:xfrm>
+            <a:off x="300487" y="511632"/>
+            <a:ext cx="11809562" cy="923330"/>
+          </a:xfrm>
+          <a:prstGeom prst="rect">
+            <a:avLst/>
+          </a:prstGeom>
+          <a:noFill/>
+        </p:spPr>
+        <p:txBody>
+          <a:bodyPr wrap="square" rtlCol="0">
+            <a:spAutoFit/>
+          </a:bodyPr>
+          <a:lstStyle/>
+          <a:p>
+            <a:pPr marL="285750" indent="-285750">
+              <a:buFont typeface="Arial" panose="020B0604020202020204" pitchFamily="34" charset="0"/>
+              <a:buChar char="•"/>
+            </a:pPr>
+            <a:r>
+              <a:rPr lang="en-US" dirty="0"/>
+              <a:t>1 Array per channel, delineated by index and not file name</a:t>
+            </a:r>
+          </a:p>
+          <a:p>
+            <a:pPr marL="285750" indent="-285750">
+              <a:buFont typeface="Arial" panose="020B0604020202020204" pitchFamily="34" charset="0"/>
+              <a:buChar char="•"/>
+            </a:pPr>
+            <a:r>
+              <a:rPr lang="en-US" dirty="0" err="1"/>
+              <a:t>Numpy</a:t>
+            </a:r>
+            <a:r>
+              <a:rPr lang="en-US" dirty="0"/>
+              <a:t> array with dimensions (4 (channels), </a:t>
+            </a:r>
+            <a:r>
+              <a:rPr lang="en-US" dirty="0" err="1"/>
+              <a:t>y_tiles</a:t>
+            </a:r>
+            <a:r>
+              <a:rPr lang="en-US" dirty="0"/>
+              <a:t>, </a:t>
+            </a:r>
+            <a:r>
+              <a:rPr lang="en-US" dirty="0" err="1"/>
+              <a:t>x_tiles</a:t>
+            </a:r>
+            <a:r>
+              <a:rPr lang="en-US" dirty="0"/>
+              <a:t>, 4, 3). </a:t>
+            </a:r>
+          </a:p>
+          <a:p>
+            <a:pPr marL="285750" indent="-285750">
+              <a:buFont typeface="Arial" panose="020B0604020202020204" pitchFamily="34" charset="0"/>
+              <a:buChar char="•"/>
+            </a:pPr>
+            <a:r>
+              <a:rPr lang="en-US" dirty="0" err="1"/>
+              <a:t>Dtype</a:t>
+            </a:r>
+            <a:r>
+              <a:rPr lang="en-US" dirty="0"/>
+              <a:t> = Int16</a:t>
+            </a:r>
+          </a:p>
+        </p:txBody>
+      </p:sp>
+      <p:graphicFrame>
+        <p:nvGraphicFramePr>
+          <p:cNvPr id="6" name="Content Placeholder 3">
+            <a:extLst>
+              <a:ext uri="{FF2B5EF4-FFF2-40B4-BE49-F238E27FC236}">
+                <a16:creationId xmlns:a16="http://schemas.microsoft.com/office/drawing/2014/main" id="{8D1C2DA3-4798-149B-099D-AAA42ABD79E5}"/>
+              </a:ext>
+            </a:extLst>
+          </p:cNvPr>
+          <p:cNvGraphicFramePr>
+            <a:graphicFrameLocks/>
+          </p:cNvGraphicFramePr>
+          <p:nvPr>
+            <p:extLst>
+              <p:ext uri="{D42A27DB-BD31-4B8C-83A1-F6EECF244321}">
+                <p14:modId xmlns:p14="http://schemas.microsoft.com/office/powerpoint/2010/main" val="79994776"/>
+              </p:ext>
+            </p:extLst>
+          </p:nvPr>
+        </p:nvGraphicFramePr>
+        <p:xfrm>
+          <a:off x="3102635" y="1817301"/>
+          <a:ext cx="2993366" cy="3807064"/>
+        </p:xfrm>
+        <a:graphic>
+          <a:graphicData uri="http://schemas.openxmlformats.org/drawingml/2006/diagram">
+            <dgm:relIds xmlns:dgm="http://schemas.openxmlformats.org/drawingml/2006/diagram" xmlns:r="http://schemas.openxmlformats.org/officeDocument/2006/relationships" r:dm="rId7" r:lo="rId8" r:qs="rId9" r:cs="rId10"/>
+          </a:graphicData>
+        </a:graphic>
+      </p:graphicFrame>
+      <p:graphicFrame>
+        <p:nvGraphicFramePr>
+          <p:cNvPr id="7" name="Content Placeholder 3">
+            <a:extLst>
+              <a:ext uri="{FF2B5EF4-FFF2-40B4-BE49-F238E27FC236}">
+                <a16:creationId xmlns:a16="http://schemas.microsoft.com/office/drawing/2014/main" id="{BD35BF17-2408-6916-6303-6130C77032CE}"/>
+              </a:ext>
+            </a:extLst>
+          </p:cNvPr>
+          <p:cNvGraphicFramePr>
+            <a:graphicFrameLocks/>
+          </p:cNvGraphicFramePr>
+          <p:nvPr>
+            <p:extLst>
+              <p:ext uri="{D42A27DB-BD31-4B8C-83A1-F6EECF244321}">
+                <p14:modId xmlns:p14="http://schemas.microsoft.com/office/powerpoint/2010/main" val="3837538893"/>
+              </p:ext>
+            </p:extLst>
+          </p:nvPr>
+        </p:nvGraphicFramePr>
+        <p:xfrm>
+          <a:off x="6205268" y="1817301"/>
+          <a:ext cx="2993366" cy="3807064"/>
+        </p:xfrm>
+        <a:graphic>
+          <a:graphicData uri="http://schemas.openxmlformats.org/drawingml/2006/diagram">
+            <dgm:relIds xmlns:dgm="http://schemas.openxmlformats.org/drawingml/2006/diagram" xmlns:r="http://schemas.openxmlformats.org/officeDocument/2006/relationships" r:dm="rId12" r:lo="rId13" r:qs="rId14" r:cs="rId15"/>
+          </a:graphicData>
+        </a:graphic>
+      </p:graphicFrame>
+      <p:graphicFrame>
+        <p:nvGraphicFramePr>
+          <p:cNvPr id="8" name="Content Placeholder 3">
+            <a:extLst>
+              <a:ext uri="{FF2B5EF4-FFF2-40B4-BE49-F238E27FC236}">
+                <a16:creationId xmlns:a16="http://schemas.microsoft.com/office/drawing/2014/main" id="{6A21CF0A-1A98-416C-658E-729D43C879D8}"/>
+              </a:ext>
+            </a:extLst>
+          </p:cNvPr>
+          <p:cNvGraphicFramePr>
+            <a:graphicFrameLocks/>
+          </p:cNvGraphicFramePr>
+          <p:nvPr>
+            <p:extLst>
+              <p:ext uri="{D42A27DB-BD31-4B8C-83A1-F6EECF244321}">
+                <p14:modId xmlns:p14="http://schemas.microsoft.com/office/powerpoint/2010/main" val="3139472214"/>
+              </p:ext>
+            </p:extLst>
+          </p:nvPr>
+        </p:nvGraphicFramePr>
+        <p:xfrm>
+          <a:off x="9198634" y="1780342"/>
+          <a:ext cx="2993366" cy="3807064"/>
+        </p:xfrm>
+        <a:graphic>
+          <a:graphicData uri="http://schemas.openxmlformats.org/drawingml/2006/diagram">
+            <dgm:relIds xmlns:dgm="http://schemas.openxmlformats.org/drawingml/2006/diagram" xmlns:r="http://schemas.openxmlformats.org/officeDocument/2006/relationships" r:dm="rId17" r:lo="rId18" r:qs="rId19" r:cs="rId20"/>
+          </a:graphicData>
+        </a:graphic>
+      </p:graphicFrame>
+      <p:sp>
+        <p:nvSpPr>
+          <p:cNvPr id="9" name="TextBox 8">
+            <a:extLst>
+              <a:ext uri="{FF2B5EF4-FFF2-40B4-BE49-F238E27FC236}">
+                <a16:creationId xmlns:a16="http://schemas.microsoft.com/office/drawing/2014/main" id="{F8652756-8C5E-EED1-E5F6-FB3CD9BFD6E5}"/>
+              </a:ext>
+            </a:extLst>
+          </p:cNvPr>
+          <p:cNvSpPr txBox="1"/>
+          <p:nvPr/>
+        </p:nvSpPr>
+        <p:spPr>
+          <a:xfrm>
+            <a:off x="563593" y="5805578"/>
+            <a:ext cx="1532343" cy="369332"/>
+          </a:xfrm>
+          <a:prstGeom prst="rect">
+            <a:avLst/>
+          </a:prstGeom>
+          <a:noFill/>
+        </p:spPr>
+        <p:txBody>
+          <a:bodyPr wrap="none" rtlCol="0">
+            <a:spAutoFit/>
+          </a:bodyPr>
+          <a:lstStyle/>
+          <a:p>
+            <a:r>
+              <a:rPr lang="en-US" dirty="0"/>
+              <a:t>DAPI = index 0</a:t>
+            </a:r>
+          </a:p>
+        </p:txBody>
+      </p:sp>
+      <p:sp>
+        <p:nvSpPr>
+          <p:cNvPr id="10" name="TextBox 9">
+            <a:extLst>
+              <a:ext uri="{FF2B5EF4-FFF2-40B4-BE49-F238E27FC236}">
+                <a16:creationId xmlns:a16="http://schemas.microsoft.com/office/drawing/2014/main" id="{9D03AF22-678C-2921-3F3F-92E5E154099B}"/>
+              </a:ext>
+            </a:extLst>
+          </p:cNvPr>
+          <p:cNvSpPr txBox="1"/>
+          <p:nvPr/>
+        </p:nvSpPr>
+        <p:spPr>
+          <a:xfrm>
+            <a:off x="3994031" y="5858245"/>
+            <a:ext cx="1567801" cy="369332"/>
+          </a:xfrm>
+          <a:prstGeom prst="rect">
+            <a:avLst/>
+          </a:prstGeom>
+          <a:noFill/>
+        </p:spPr>
+        <p:txBody>
+          <a:bodyPr wrap="none" rtlCol="0">
+            <a:spAutoFit/>
+          </a:bodyPr>
+          <a:lstStyle/>
+          <a:p>
+            <a:r>
+              <a:rPr lang="en-US" dirty="0"/>
+              <a:t>A488 = index 1</a:t>
+            </a:r>
+          </a:p>
+        </p:txBody>
+      </p:sp>
+      <p:sp>
+        <p:nvSpPr>
+          <p:cNvPr id="11" name="TextBox 10">
+            <a:extLst>
+              <a:ext uri="{FF2B5EF4-FFF2-40B4-BE49-F238E27FC236}">
+                <a16:creationId xmlns:a16="http://schemas.microsoft.com/office/drawing/2014/main" id="{B3340A7C-7869-C595-D67E-0F14EBF3B605}"/>
+              </a:ext>
+            </a:extLst>
+          </p:cNvPr>
+          <p:cNvSpPr txBox="1"/>
+          <p:nvPr/>
+        </p:nvSpPr>
+        <p:spPr>
+          <a:xfrm>
+            <a:off x="7424469" y="5858245"/>
+            <a:ext cx="1567801" cy="369332"/>
+          </a:xfrm>
+          <a:prstGeom prst="rect">
+            <a:avLst/>
+          </a:prstGeom>
+          <a:noFill/>
+        </p:spPr>
+        <p:txBody>
+          <a:bodyPr wrap="none" rtlCol="0">
+            <a:spAutoFit/>
+          </a:bodyPr>
+          <a:lstStyle/>
+          <a:p>
+            <a:r>
+              <a:rPr lang="en-US" dirty="0"/>
+              <a:t>A555 = index 2</a:t>
+            </a:r>
+          </a:p>
+        </p:txBody>
+      </p:sp>
+      <p:sp>
+        <p:nvSpPr>
+          <p:cNvPr id="12" name="TextBox 11">
+            <a:extLst>
+              <a:ext uri="{FF2B5EF4-FFF2-40B4-BE49-F238E27FC236}">
+                <a16:creationId xmlns:a16="http://schemas.microsoft.com/office/drawing/2014/main" id="{E4A10262-021F-A9CC-DF21-E9F9EABB1E3E}"/>
+              </a:ext>
+            </a:extLst>
+          </p:cNvPr>
+          <p:cNvSpPr txBox="1"/>
+          <p:nvPr/>
+        </p:nvSpPr>
+        <p:spPr>
+          <a:xfrm>
+            <a:off x="9929145" y="5805578"/>
+            <a:ext cx="1567801" cy="369332"/>
+          </a:xfrm>
+          <a:prstGeom prst="rect">
+            <a:avLst/>
+          </a:prstGeom>
+          <a:noFill/>
+        </p:spPr>
+        <p:txBody>
+          <a:bodyPr wrap="none" rtlCol="0">
+            <a:spAutoFit/>
+          </a:bodyPr>
+          <a:lstStyle/>
+          <a:p>
+            <a:r>
+              <a:rPr lang="en-US" dirty="0"/>
+              <a:t>A647 = index 3</a:t>
+            </a:r>
+          </a:p>
+        </p:txBody>
+      </p:sp>
+    </p:spTree>
+    <p:extLst>
+      <p:ext uri="{BB962C8B-B14F-4D97-AF65-F5344CB8AC3E}">
+        <p14:creationId xmlns:p14="http://schemas.microsoft.com/office/powerpoint/2010/main" val="453542188"/>
+      </p:ext>
+    </p:extLst>
+  </p:cSld>
+  <p:clrMapOvr>
+    <a:masterClrMapping/>
+  </p:clrMapOvr>
+</p:sld>
+</file>
+
+<file path=ppt/slides/slide12.xml><?xml version="1.0" encoding="utf-8"?>
+<p:sld xmlns:a="http://schemas.openxmlformats.org/drawingml/2006/main" xmlns:r="http://schemas.openxmlformats.org/officeDocument/2006/relationships" xmlns:p="http://schemas.openxmlformats.org/presentationml/2006/main">
+  <p:cSld>
+    <p:spTree>
+      <p:nvGrpSpPr>
+        <p:cNvPr id="1" name=""/>
+        <p:cNvGrpSpPr/>
+        <p:nvPr/>
+      </p:nvGrpSpPr>
+      <p:grpSpPr>
+        <a:xfrm>
+          <a:off x="0" y="0"/>
+          <a:ext cx="0" cy="0"/>
+          <a:chOff x="0" y="0"/>
+          <a:chExt cx="0" cy="0"/>
+        </a:xfrm>
+      </p:grpSpPr>
+      <p:sp>
+        <p:nvSpPr>
+          <p:cNvPr id="2" name="Title 1">
+            <a:extLst>
+              <a:ext uri="{FF2B5EF4-FFF2-40B4-BE49-F238E27FC236}">
+                <a16:creationId xmlns:a16="http://schemas.microsoft.com/office/drawing/2014/main" id="{2FB10F0E-10B9-2188-5F34-8D11EC01CB32}"/>
+              </a:ext>
+            </a:extLst>
+          </p:cNvPr>
+          <p:cNvSpPr>
+            <a:spLocks noGrp="1"/>
+          </p:cNvSpPr>
+          <p:nvPr>
+            <p:ph type="title"/>
+          </p:nvPr>
+        </p:nvSpPr>
+        <p:spPr/>
+        <p:txBody>
+          <a:bodyPr/>
+          <a:lstStyle/>
+          <a:p>
+            <a:endParaRPr lang="en-US"/>
+          </a:p>
+        </p:txBody>
+      </p:sp>
+      <p:sp>
+        <p:nvSpPr>
+          <p:cNvPr id="3" name="Content Placeholder 2">
+            <a:extLst>
+              <a:ext uri="{FF2B5EF4-FFF2-40B4-BE49-F238E27FC236}">
+                <a16:creationId xmlns:a16="http://schemas.microsoft.com/office/drawing/2014/main" id="{226FEC0D-53C2-9E59-704C-735A210AEFB5}"/>
+              </a:ext>
+            </a:extLst>
+          </p:cNvPr>
+          <p:cNvSpPr>
+            <a:spLocks noGrp="1"/>
+          </p:cNvSpPr>
+          <p:nvPr>
+            <p:ph idx="1"/>
+          </p:nvPr>
+        </p:nvSpPr>
+        <p:spPr>
+          <a:xfrm>
+            <a:off x="838200" y="5447211"/>
+            <a:ext cx="10515600" cy="729752"/>
+          </a:xfrm>
+        </p:spPr>
+        <p:txBody>
+          <a:bodyPr/>
+          <a:lstStyle/>
+          <a:p>
+            <a:r>
+              <a:rPr lang="en-US" dirty="0"/>
+              <a:t>5.6 seconds for all processing with 12 tiles</a:t>
+            </a:r>
+          </a:p>
+        </p:txBody>
+      </p:sp>
+      <p:pic>
+        <p:nvPicPr>
+          <p:cNvPr id="5" name="Picture 4">
+            <a:extLst>
+              <a:ext uri="{FF2B5EF4-FFF2-40B4-BE49-F238E27FC236}">
+                <a16:creationId xmlns:a16="http://schemas.microsoft.com/office/drawing/2014/main" id="{52A7F6DD-E77F-FE19-CB08-C7B31D982E24}"/>
+              </a:ext>
+            </a:extLst>
+          </p:cNvPr>
+          <p:cNvPicPr>
+            <a:picLocks noChangeAspect="1"/>
+          </p:cNvPicPr>
+          <p:nvPr/>
+        </p:nvPicPr>
+        <p:blipFill>
+          <a:blip r:embed="rId2"/>
+          <a:stretch>
+            <a:fillRect/>
+          </a:stretch>
+        </p:blipFill>
+        <p:spPr>
+          <a:xfrm>
+            <a:off x="-336932" y="130851"/>
+            <a:ext cx="6125430" cy="4610743"/>
+          </a:xfrm>
+          <a:prstGeom prst="rect">
+            <a:avLst/>
+          </a:prstGeom>
+        </p:spPr>
+      </p:pic>
+      <p:pic>
+        <p:nvPicPr>
+          <p:cNvPr id="7" name="Picture 6">
+            <a:extLst>
+              <a:ext uri="{FF2B5EF4-FFF2-40B4-BE49-F238E27FC236}">
+                <a16:creationId xmlns:a16="http://schemas.microsoft.com/office/drawing/2014/main" id="{CDA35EA9-ADBB-E566-217E-CBB4C005A342}"/>
+              </a:ext>
+            </a:extLst>
+          </p:cNvPr>
+          <p:cNvPicPr>
+            <a:picLocks noChangeAspect="1"/>
+          </p:cNvPicPr>
+          <p:nvPr/>
+        </p:nvPicPr>
+        <p:blipFill>
+          <a:blip r:embed="rId3"/>
+          <a:stretch>
+            <a:fillRect/>
+          </a:stretch>
+        </p:blipFill>
+        <p:spPr>
+          <a:xfrm>
+            <a:off x="6447623" y="230188"/>
+            <a:ext cx="5744377" cy="4153480"/>
+          </a:xfrm>
+          <a:prstGeom prst="rect">
+            <a:avLst/>
+          </a:prstGeom>
+        </p:spPr>
+      </p:pic>
+    </p:spTree>
+    <p:extLst>
+      <p:ext uri="{BB962C8B-B14F-4D97-AF65-F5344CB8AC3E}">
+        <p14:creationId xmlns:p14="http://schemas.microsoft.com/office/powerpoint/2010/main" val="4092181180"/>
+      </p:ext>
+    </p:extLst>
+  </p:cSld>
+  <p:clrMapOvr>
+    <a:masterClrMapping/>
+  </p:clrMapOvr>
+</p:sld>
+</file>
+
+<file path=ppt/slides/slide13.xml><?xml version="1.0" encoding="utf-8"?>
+<p:sld xmlns:a="http://schemas.openxmlformats.org/drawingml/2006/main" xmlns:r="http://schemas.openxmlformats.org/officeDocument/2006/relationships" xmlns:p="http://schemas.openxmlformats.org/presentationml/2006/main">
+  <p:cSld>
+    <p:spTree>
+      <p:nvGrpSpPr>
+        <p:cNvPr id="1" name=""/>
+        <p:cNvGrpSpPr/>
+        <p:nvPr/>
+      </p:nvGrpSpPr>
+      <p:grpSpPr>
+        <a:xfrm>
+          <a:off x="0" y="0"/>
+          <a:ext cx="0" cy="0"/>
+          <a:chOff x="0" y="0"/>
+          <a:chExt cx="0" cy="0"/>
+        </a:xfrm>
+      </p:grpSpPr>
+      <p:sp>
+        <p:nvSpPr>
+          <p:cNvPr id="2" name="Title 1">
+            <a:extLst>
+              <a:ext uri="{FF2B5EF4-FFF2-40B4-BE49-F238E27FC236}">
+                <a16:creationId xmlns:a16="http://schemas.microsoft.com/office/drawing/2014/main" id="{25AC64EB-8B78-A2AB-EDA6-5C75B9C359DF}"/>
+              </a:ext>
+            </a:extLst>
+          </p:cNvPr>
+          <p:cNvSpPr>
+            <a:spLocks noGrp="1"/>
+          </p:cNvSpPr>
+          <p:nvPr>
+            <p:ph type="title"/>
+          </p:nvPr>
+        </p:nvSpPr>
+        <p:spPr/>
+        <p:txBody>
+          <a:bodyPr/>
+          <a:lstStyle/>
+          <a:p>
+            <a:r>
+              <a:rPr lang="en-US" dirty="0"/>
+              <a:t>Autofocus</a:t>
+            </a:r>
+          </a:p>
+        </p:txBody>
+      </p:sp>
+      <p:sp>
+        <p:nvSpPr>
+          <p:cNvPr id="3" name="Content Placeholder 2">
+            <a:extLst>
+              <a:ext uri="{FF2B5EF4-FFF2-40B4-BE49-F238E27FC236}">
+                <a16:creationId xmlns:a16="http://schemas.microsoft.com/office/drawing/2014/main" id="{5938146E-745D-AA38-F760-3DBABE4446DB}"/>
+              </a:ext>
+            </a:extLst>
+          </p:cNvPr>
+          <p:cNvSpPr>
+            <a:spLocks noGrp="1"/>
+          </p:cNvSpPr>
+          <p:nvPr>
+            <p:ph idx="1"/>
+          </p:nvPr>
+        </p:nvSpPr>
+        <p:spPr/>
+        <p:txBody>
+          <a:bodyPr>
+            <a:normAutofit/>
+          </a:bodyPr>
+          <a:lstStyle/>
+          <a:p>
+            <a:r>
+              <a:rPr lang="en-US" sz="1800" dirty="0"/>
+              <a:t>New auto focus will utilize the 3 images from autofocus and project out what the approximate ideal exposure would be. </a:t>
+            </a:r>
+          </a:p>
+        </p:txBody>
+      </p:sp>
+    </p:spTree>
+    <p:extLst>
+      <p:ext uri="{BB962C8B-B14F-4D97-AF65-F5344CB8AC3E}">
+        <p14:creationId xmlns:p14="http://schemas.microsoft.com/office/powerpoint/2010/main" val="2359189546"/>
+      </p:ext>
+    </p:extLst>
+  </p:cSld>
+  <p:clrMapOvr>
+    <a:masterClrMapping/>
+  </p:clrMapOvr>
+</p:sld>
+</file>
+
+<file path=ppt/slides/slide14.xml><?xml version="1.0" encoding="utf-8"?>
+<p:sld xmlns:a="http://schemas.openxmlformats.org/drawingml/2006/main" xmlns:r="http://schemas.openxmlformats.org/officeDocument/2006/relationships" xmlns:p="http://schemas.openxmlformats.org/presentationml/2006/main">
+  <p:cSld>
+    <p:spTree>
+      <p:nvGrpSpPr>
+        <p:cNvPr id="1" name=""/>
+        <p:cNvGrpSpPr/>
+        <p:nvPr/>
+      </p:nvGrpSpPr>
+      <p:grpSpPr>
+        <a:xfrm>
+          <a:off x="0" y="0"/>
+          <a:ext cx="0" cy="0"/>
+          <a:chOff x="0" y="0"/>
+          <a:chExt cx="0" cy="0"/>
+        </a:xfrm>
+      </p:grpSpPr>
+      <p:sp>
+        <p:nvSpPr>
           <p:cNvPr id="3" name="Content Placeholder 2">
             <a:extLst>
               <a:ext uri="{FF2B5EF4-FFF2-40B4-BE49-F238E27FC236}">
@@ -30049,7 +31034,7 @@
 </p:sld>
 </file>
 
-<file path=ppt/slides/slide11.xml><?xml version="1.0" encoding="utf-8"?>
+<file path=ppt/slides/slide15.xml><?xml version="1.0" encoding="utf-8"?>
 <p:sld xmlns:a="http://schemas.openxmlformats.org/drawingml/2006/main" xmlns:r="http://schemas.openxmlformats.org/officeDocument/2006/relationships" xmlns:p="http://schemas.openxmlformats.org/presentationml/2006/main">
   <p:cSld>
     <p:spTree>
@@ -31506,7 +32491,7 @@
           <p:cNvPr id="2" name="Title 1">
             <a:extLst>
               <a:ext uri="{FF2B5EF4-FFF2-40B4-BE49-F238E27FC236}">
-                <a16:creationId xmlns:a16="http://schemas.microsoft.com/office/drawing/2014/main" id="{20222172-5DFD-5AA7-7B8D-98D22B4CE7DC}"/>
+                <a16:creationId xmlns:a16="http://schemas.microsoft.com/office/drawing/2014/main" id="{155BFE89-F8C2-0238-ED63-2733A053E20F}"/>
               </a:ext>
             </a:extLst>
           </p:cNvPr>
@@ -31519,298 +32504,334 @@
         </p:nvSpPr>
         <p:spPr>
           <a:xfrm>
-            <a:off x="838200" y="97707"/>
-            <a:ext cx="10515600" cy="394000"/>
+            <a:off x="148087" y="8626"/>
+            <a:ext cx="10515600" cy="557901"/>
           </a:xfrm>
         </p:spPr>
         <p:txBody>
           <a:bodyPr>
-            <a:noAutofit/>
+            <a:normAutofit fontScale="90000"/>
           </a:bodyPr>
           <a:lstStyle/>
           <a:p>
             <a:r>
-              <a:rPr lang="en-US" sz="3200" dirty="0"/>
-              <a:t>Auto Exposure Algorithm</a:t>
+              <a:rPr lang="en-US" dirty="0"/>
+              <a:t>Setting Optimal Derivative Step Size (DAPI)</a:t>
+            </a:r>
+          </a:p>
+        </p:txBody>
+      </p:sp>
+      <p:pic>
+        <p:nvPicPr>
+          <p:cNvPr id="5" name="Picture 4">
+            <a:extLst>
+              <a:ext uri="{FF2B5EF4-FFF2-40B4-BE49-F238E27FC236}">
+                <a16:creationId xmlns:a16="http://schemas.microsoft.com/office/drawing/2014/main" id="{4B68109E-ABEA-FAA0-25E6-023851DDF12C}"/>
+              </a:ext>
+            </a:extLst>
+          </p:cNvPr>
+          <p:cNvPicPr>
+            <a:picLocks noChangeAspect="1"/>
+          </p:cNvPicPr>
+          <p:nvPr/>
+        </p:nvPicPr>
+        <p:blipFill>
+          <a:blip r:embed="rId2"/>
+          <a:stretch>
+            <a:fillRect/>
+          </a:stretch>
+        </p:blipFill>
+        <p:spPr>
+          <a:xfrm>
+            <a:off x="724588" y="862641"/>
+            <a:ext cx="4031611" cy="3037421"/>
+          </a:xfrm>
+          <a:prstGeom prst="rect">
+            <a:avLst/>
+          </a:prstGeom>
+        </p:spPr>
+      </p:pic>
+      <p:pic>
+        <p:nvPicPr>
+          <p:cNvPr id="7" name="Picture 6">
+            <a:extLst>
+              <a:ext uri="{FF2B5EF4-FFF2-40B4-BE49-F238E27FC236}">
+                <a16:creationId xmlns:a16="http://schemas.microsoft.com/office/drawing/2014/main" id="{85B5DD2A-C496-1F2B-E711-CB52A8BBD683}"/>
+              </a:ext>
+            </a:extLst>
+          </p:cNvPr>
+          <p:cNvPicPr>
+            <a:picLocks noChangeAspect="1"/>
+          </p:cNvPicPr>
+          <p:nvPr/>
+        </p:nvPicPr>
+        <p:blipFill>
+          <a:blip r:embed="rId3"/>
+          <a:stretch>
+            <a:fillRect/>
+          </a:stretch>
+        </p:blipFill>
+        <p:spPr>
+          <a:xfrm>
+            <a:off x="7560523" y="700718"/>
+            <a:ext cx="4184127" cy="3026816"/>
+          </a:xfrm>
+          <a:prstGeom prst="rect">
+            <a:avLst/>
+          </a:prstGeom>
+        </p:spPr>
+      </p:pic>
+      <p:pic>
+        <p:nvPicPr>
+          <p:cNvPr id="9" name="Picture 8">
+            <a:extLst>
+              <a:ext uri="{FF2B5EF4-FFF2-40B4-BE49-F238E27FC236}">
+                <a16:creationId xmlns:a16="http://schemas.microsoft.com/office/drawing/2014/main" id="{4BB56ACC-9FFB-31A0-0519-1E455BFE5FAF}"/>
+              </a:ext>
+            </a:extLst>
+          </p:cNvPr>
+          <p:cNvPicPr>
+            <a:picLocks noChangeAspect="1"/>
+          </p:cNvPicPr>
+          <p:nvPr/>
+        </p:nvPicPr>
+        <p:blipFill>
+          <a:blip r:embed="rId4"/>
+          <a:stretch>
+            <a:fillRect/>
+          </a:stretch>
+        </p:blipFill>
+        <p:spPr>
+          <a:xfrm>
+            <a:off x="7560523" y="3831184"/>
+            <a:ext cx="4103017" cy="3026816"/>
+          </a:xfrm>
+          <a:prstGeom prst="rect">
+            <a:avLst/>
+          </a:prstGeom>
+        </p:spPr>
+      </p:pic>
+      <p:sp>
+        <p:nvSpPr>
+          <p:cNvPr id="11" name="TextBox 10">
+            <a:extLst>
+              <a:ext uri="{FF2B5EF4-FFF2-40B4-BE49-F238E27FC236}">
+                <a16:creationId xmlns:a16="http://schemas.microsoft.com/office/drawing/2014/main" id="{B9446050-C160-A2D0-BF98-6655AC9F52CB}"/>
+              </a:ext>
+            </a:extLst>
+          </p:cNvPr>
+          <p:cNvSpPr txBox="1"/>
+          <p:nvPr/>
+        </p:nvSpPr>
+        <p:spPr>
+          <a:xfrm>
+            <a:off x="5404628" y="2237143"/>
+            <a:ext cx="1507466" cy="923330"/>
+          </a:xfrm>
+          <a:prstGeom prst="rect">
+            <a:avLst/>
+          </a:prstGeom>
+          <a:noFill/>
+        </p:spPr>
+        <p:txBody>
+          <a:bodyPr wrap="square">
+            <a:spAutoFit/>
+          </a:bodyPr>
+          <a:lstStyle/>
+          <a:p>
+            <a:r>
+              <a:rPr lang="en-US" dirty="0"/>
+              <a:t>average 40 </a:t>
+            </a:r>
+          </a:p>
+          <a:p>
+            <a:r>
+              <a:rPr lang="en-US" dirty="0"/>
+              <a:t>median: 35 </a:t>
+            </a:r>
+          </a:p>
+          <a:p>
+            <a:r>
+              <a:rPr lang="en-US" dirty="0"/>
+              <a:t>std dev: 18</a:t>
+            </a:r>
+          </a:p>
+        </p:txBody>
+      </p:sp>
+      <p:pic>
+        <p:nvPicPr>
+          <p:cNvPr id="13" name="Picture 12">
+            <a:extLst>
+              <a:ext uri="{FF2B5EF4-FFF2-40B4-BE49-F238E27FC236}">
+                <a16:creationId xmlns:a16="http://schemas.microsoft.com/office/drawing/2014/main" id="{010255C3-BC08-8DDD-3466-9133CA399BDC}"/>
+              </a:ext>
+            </a:extLst>
+          </p:cNvPr>
+          <p:cNvPicPr>
+            <a:picLocks noChangeAspect="1"/>
+          </p:cNvPicPr>
+          <p:nvPr/>
+        </p:nvPicPr>
+        <p:blipFill>
+          <a:blip r:embed="rId5"/>
+          <a:stretch>
+            <a:fillRect/>
+          </a:stretch>
+        </p:blipFill>
+        <p:spPr>
+          <a:xfrm>
+            <a:off x="724588" y="4245187"/>
+            <a:ext cx="4352635" cy="2541054"/>
+          </a:xfrm>
+          <a:prstGeom prst="rect">
+            <a:avLst/>
+          </a:prstGeom>
+        </p:spPr>
+      </p:pic>
+      <p:sp>
+        <p:nvSpPr>
+          <p:cNvPr id="14" name="TextBox 13">
+            <a:extLst>
+              <a:ext uri="{FF2B5EF4-FFF2-40B4-BE49-F238E27FC236}">
+                <a16:creationId xmlns:a16="http://schemas.microsoft.com/office/drawing/2014/main" id="{6A0CC695-A625-D077-EF8E-B28286535321}"/>
+              </a:ext>
+            </a:extLst>
+          </p:cNvPr>
+          <p:cNvSpPr txBox="1"/>
+          <p:nvPr/>
+        </p:nvSpPr>
+        <p:spPr>
+          <a:xfrm>
+            <a:off x="1138687" y="757783"/>
+            <a:ext cx="2983894" cy="369332"/>
+          </a:xfrm>
+          <a:prstGeom prst="rect">
+            <a:avLst/>
+          </a:prstGeom>
+          <a:noFill/>
+        </p:spPr>
+        <p:txBody>
+          <a:bodyPr wrap="none" rtlCol="0">
+            <a:spAutoFit/>
+          </a:bodyPr>
+          <a:lstStyle/>
+          <a:p>
+            <a:r>
+              <a:rPr lang="en-US" dirty="0"/>
+              <a:t>Max Derv Step Size Histogram</a:t>
             </a:r>
           </a:p>
         </p:txBody>
       </p:sp>
       <p:sp>
         <p:nvSpPr>
-          <p:cNvPr id="3" name="Content Placeholder 2">
+          <p:cNvPr id="15" name="TextBox 14">
             <a:extLst>
               <a:ext uri="{FF2B5EF4-FFF2-40B4-BE49-F238E27FC236}">
-                <a16:creationId xmlns:a16="http://schemas.microsoft.com/office/drawing/2014/main" id="{F000C6BB-811A-082E-3989-A0BEBA965D1E}"/>
+                <a16:creationId xmlns:a16="http://schemas.microsoft.com/office/drawing/2014/main" id="{BEACFB18-16CC-653F-DFFD-3E2BD624100D}"/>
               </a:ext>
             </a:extLst>
           </p:cNvPr>
-          <p:cNvSpPr>
-            <a:spLocks noGrp="1"/>
-          </p:cNvSpPr>
-          <p:nvPr>
-            <p:ph idx="1"/>
-          </p:nvPr>
+          <p:cNvSpPr txBox="1"/>
+          <p:nvPr/>
         </p:nvSpPr>
         <p:spPr>
           <a:xfrm>
-            <a:off x="838200" y="879894"/>
-            <a:ext cx="10515600" cy="5702061"/>
+            <a:off x="1837426" y="3893699"/>
+            <a:ext cx="583814" cy="369332"/>
           </a:xfrm>
+          <a:prstGeom prst="rect">
+            <a:avLst/>
+          </a:prstGeom>
+          <a:noFill/>
         </p:spPr>
         <p:txBody>
-          <a:bodyPr>
-            <a:normAutofit fontScale="92500" lnSpcReduction="20000"/>
+          <a:bodyPr wrap="none" rtlCol="0">
+            <a:spAutoFit/>
           </a:bodyPr>
           <a:lstStyle/>
           <a:p>
-            <a:pPr marL="342900" indent="-342900">
-              <a:buFont typeface="+mj-lt"/>
-              <a:buAutoNum type="arabicPeriod"/>
-            </a:pPr>
             <a:r>
-              <a:rPr lang="en-US" sz="1800" dirty="0"/>
-              <a:t>Start from 100ms exp time</a:t>
+              <a:rPr lang="en-US" dirty="0"/>
+              <a:t>Raw</a:t>
             </a:r>
           </a:p>
+        </p:txBody>
+      </p:sp>
+      <p:sp>
+        <p:nvSpPr>
+          <p:cNvPr id="16" name="TextBox 15">
+            <a:extLst>
+              <a:ext uri="{FF2B5EF4-FFF2-40B4-BE49-F238E27FC236}">
+                <a16:creationId xmlns:a16="http://schemas.microsoft.com/office/drawing/2014/main" id="{4C6994C6-C8C1-53DD-70CE-BAD0F55F8BE1}"/>
+              </a:ext>
+            </a:extLst>
+          </p:cNvPr>
+          <p:cNvSpPr txBox="1"/>
+          <p:nvPr/>
+        </p:nvSpPr>
+        <p:spPr>
+          <a:xfrm>
+            <a:off x="8576749" y="529918"/>
+            <a:ext cx="2890663" cy="369332"/>
+          </a:xfrm>
+          <a:prstGeom prst="rect">
+            <a:avLst/>
+          </a:prstGeom>
+          <a:noFill/>
+        </p:spPr>
+        <p:txBody>
+          <a:bodyPr wrap="none" rtlCol="0">
+            <a:spAutoFit/>
+          </a:bodyPr>
+          <a:lstStyle/>
           <a:p>
-            <a:pPr marL="342900" indent="-342900">
-              <a:buFont typeface="+mj-lt"/>
-              <a:buAutoNum type="arabicPeriod"/>
-            </a:pPr>
             <a:r>
-              <a:rPr lang="en-US" sz="1800" dirty="0"/>
-              <a:t>Go to XY tile position</a:t>
+              <a:rPr lang="en-US" dirty="0"/>
+              <a:t>Super Pixel Image well depth</a:t>
             </a:r>
           </a:p>
+        </p:txBody>
+      </p:sp>
+      <p:sp>
+        <p:nvSpPr>
+          <p:cNvPr id="17" name="TextBox 16">
+            <a:extLst>
+              <a:ext uri="{FF2B5EF4-FFF2-40B4-BE49-F238E27FC236}">
+                <a16:creationId xmlns:a16="http://schemas.microsoft.com/office/drawing/2014/main" id="{4D591FB4-4D18-D736-C096-D927FD67CC3B}"/>
+              </a:ext>
+            </a:extLst>
+          </p:cNvPr>
+          <p:cNvSpPr txBox="1"/>
+          <p:nvPr/>
+        </p:nvSpPr>
+        <p:spPr>
+          <a:xfrm>
+            <a:off x="7773024" y="3594693"/>
+            <a:ext cx="3169329" cy="369332"/>
+          </a:xfrm>
+          <a:prstGeom prst="rect">
+            <a:avLst/>
+          </a:prstGeom>
+          <a:noFill/>
+        </p:spPr>
+        <p:txBody>
+          <a:bodyPr wrap="none" rtlCol="0">
+            <a:spAutoFit/>
+          </a:bodyPr>
+          <a:lstStyle/>
           <a:p>
-            <a:pPr marL="800100" lvl="1" indent="-342900">
-              <a:buFont typeface="+mj-lt"/>
-              <a:buAutoNum type="arabicPeriod"/>
-            </a:pPr>
             <a:r>
-              <a:rPr lang="en-US" sz="1400" dirty="0"/>
-              <a:t>Take image with given channel</a:t>
+              <a:rPr lang="en-US" dirty="0"/>
+              <a:t>Super Pixel Image derv step size</a:t>
             </a:r>
-          </a:p>
-          <a:p>
-            <a:pPr marL="800100" lvl="1" indent="-342900">
-              <a:buFont typeface="+mj-lt"/>
-              <a:buAutoNum type="arabicPeriod"/>
-            </a:pPr>
-            <a:r>
-              <a:rPr lang="en-US" sz="1400" dirty="0"/>
-              <a:t>Check if image is within bounds at the 99% percentile pixel</a:t>
-            </a:r>
-          </a:p>
-          <a:p>
-            <a:pPr marL="1257300" lvl="2" indent="-342900">
-              <a:buFont typeface="+mj-lt"/>
-              <a:buAutoNum type="arabicPeriod"/>
-            </a:pPr>
-            <a:r>
-              <a:rPr lang="en-US" sz="1000" dirty="0"/>
-              <a:t>If saturated</a:t>
-            </a:r>
-          </a:p>
-          <a:p>
-            <a:pPr marL="1714500" lvl="3" indent="-342900">
-              <a:buFont typeface="+mj-lt"/>
-              <a:buAutoNum type="arabicPeriod"/>
-            </a:pPr>
-            <a:r>
-              <a:rPr lang="en-US" sz="800" dirty="0"/>
-              <a:t>reduce exp time by 10x</a:t>
-            </a:r>
-          </a:p>
-          <a:p>
-            <a:pPr marL="1714500" lvl="3" indent="-342900">
-              <a:buFont typeface="+mj-lt"/>
-              <a:buAutoNum type="arabicPeriod"/>
-            </a:pPr>
-            <a:r>
-              <a:rPr lang="en-US" sz="800" dirty="0"/>
-              <a:t>retake image and recheck if still saturated.</a:t>
-            </a:r>
-          </a:p>
-          <a:p>
-            <a:pPr marL="1714500" lvl="3" indent="-342900">
-              <a:buFont typeface="+mj-lt"/>
-              <a:buAutoNum type="arabicPeriod"/>
-            </a:pPr>
-            <a:r>
-              <a:rPr lang="en-US" sz="800" dirty="0"/>
-              <a:t>Repeat 1-2 until not saturated anymore</a:t>
-            </a:r>
-          </a:p>
-          <a:p>
-            <a:pPr marL="1714500" lvl="3" indent="-342900">
-              <a:buFont typeface="+mj-lt"/>
-              <a:buAutoNum type="arabicPeriod"/>
-            </a:pPr>
-            <a:r>
-              <a:rPr lang="en-US" sz="800" dirty="0"/>
-              <a:t>Scale exp to give 10% dynamic range intensity</a:t>
-            </a:r>
-          </a:p>
-          <a:p>
-            <a:pPr marL="1257300" lvl="2" indent="-342900">
-              <a:buFont typeface="+mj-lt"/>
-              <a:buAutoNum type="arabicPeriod"/>
-            </a:pPr>
-            <a:r>
-              <a:rPr lang="en-US" sz="1000" dirty="0"/>
-              <a:t>If too low</a:t>
-            </a:r>
-          </a:p>
-          <a:p>
-            <a:pPr marL="1714500" lvl="3" indent="-342900">
-              <a:buFont typeface="+mj-lt"/>
-              <a:buAutoNum type="arabicPeriod"/>
-            </a:pPr>
-            <a:r>
-              <a:rPr lang="en-US" sz="800" dirty="0"/>
-              <a:t>Scale exp to give 10% dynamic range intensity or 1000ms, which ever one that is lower exposure time</a:t>
-            </a:r>
-          </a:p>
-          <a:p>
-            <a:pPr marL="1257300" lvl="2" indent="-342900">
-              <a:buFont typeface="+mj-lt"/>
-              <a:buAutoNum type="arabicPeriod"/>
-            </a:pPr>
-            <a:endParaRPr lang="en-US" sz="1000" dirty="0"/>
-          </a:p>
-          <a:p>
-            <a:pPr marL="800100" lvl="1" indent="-342900">
-              <a:buFont typeface="+mj-lt"/>
-              <a:buAutoNum type="arabicPeriod"/>
-            </a:pPr>
-            <a:r>
-              <a:rPr lang="en-US" sz="1400" dirty="0"/>
-              <a:t>If not saturated add to </a:t>
-            </a:r>
-            <a:r>
-              <a:rPr lang="en-US" sz="1400" dirty="0" err="1"/>
-              <a:t>exp_calc_array</a:t>
-            </a:r>
-            <a:r>
-              <a:rPr lang="en-US" sz="1400" dirty="0"/>
-              <a:t> and move to next z point</a:t>
-            </a:r>
-          </a:p>
-          <a:p>
-            <a:pPr marL="800100" lvl="1" indent="-342900">
-              <a:buFont typeface="+mj-lt"/>
-              <a:buAutoNum type="arabicPeriod"/>
-            </a:pPr>
-            <a:r>
-              <a:rPr lang="en-US" sz="1400" dirty="0"/>
-              <a:t>Repeat steps 1-4 until all 3 z points are acquired w/ same exp time. Must retake images if needed</a:t>
-            </a:r>
-          </a:p>
-          <a:p>
-            <a:pPr marL="800100" lvl="1" indent="-342900">
-              <a:buFont typeface="+mj-lt"/>
-              <a:buAutoNum type="arabicPeriod"/>
-            </a:pPr>
-            <a:r>
-              <a:rPr lang="en-US" sz="1400" dirty="0"/>
-              <a:t>Repeat steps 1-5 until all 4 channels are set</a:t>
-            </a:r>
-          </a:p>
-          <a:p>
-            <a:pPr marL="342900" indent="-342900">
-              <a:buFont typeface="+mj-lt"/>
-              <a:buAutoNum type="arabicPeriod"/>
-            </a:pPr>
-            <a:r>
-              <a:rPr lang="en-US" sz="1800" dirty="0"/>
-              <a:t>Repeat for all XY position with starting exp time being rolled over from previous XY position</a:t>
-            </a:r>
-          </a:p>
-          <a:p>
-            <a:pPr marL="342900" indent="-342900">
-              <a:buFont typeface="+mj-lt"/>
-              <a:buAutoNum type="arabicPeriod"/>
-            </a:pPr>
-            <a:r>
-              <a:rPr lang="en-US" sz="1800" dirty="0"/>
-              <a:t>Solve quadratic equation for all three intensity points via gauss Jordan reduction method to solve for all coefficients. </a:t>
-            </a:r>
-          </a:p>
-          <a:p>
-            <a:pPr marL="342900" indent="-342900">
-              <a:buFont typeface="+mj-lt"/>
-              <a:buAutoNum type="arabicPeriod"/>
-            </a:pPr>
-            <a:r>
-              <a:rPr lang="en-US" sz="1800" dirty="0"/>
-              <a:t>Find intensity that is predicted via derivative of quad equation set to zero and subbed back in. </a:t>
-            </a:r>
-          </a:p>
-          <a:p>
-            <a:pPr marL="342900" indent="-342900">
-              <a:buFont typeface="+mj-lt"/>
-              <a:buAutoNum type="arabicPeriod"/>
-            </a:pPr>
-            <a:r>
-              <a:rPr lang="en-US" sz="1800" dirty="0"/>
-              <a:t>Cycle through all results as a function of XY position to find the highest predicted intensity after being scaled by exp time. </a:t>
-            </a:r>
-          </a:p>
-          <a:p>
-            <a:pPr marL="342900" indent="-342900">
-              <a:buFont typeface="+mj-lt"/>
-              <a:buAutoNum type="arabicPeriod"/>
-            </a:pPr>
-            <a:r>
-              <a:rPr lang="en-US" sz="1800" dirty="0"/>
-              <a:t>Take desired intensity/highest intensity to make a scale factor</a:t>
-            </a:r>
-          </a:p>
-          <a:p>
-            <a:pPr marL="342900" indent="-342900">
-              <a:buFont typeface="+mj-lt"/>
-              <a:buAutoNum type="arabicPeriod"/>
-            </a:pPr>
-            <a:r>
-              <a:rPr lang="en-US" sz="1800" dirty="0"/>
-              <a:t>Take acquired exp time and multiply by new scale factor. </a:t>
-            </a:r>
-          </a:p>
-          <a:p>
-            <a:pPr marL="800100" lvl="1" indent="-342900">
-              <a:buFont typeface="+mj-lt"/>
-              <a:buAutoNum type="arabicPeriod"/>
-            </a:pPr>
-            <a:r>
-              <a:rPr lang="en-US" sz="1400" dirty="0"/>
-              <a:t>If new exp time &gt; 2000ms, make = 2000</a:t>
-            </a:r>
-          </a:p>
-          <a:p>
-            <a:pPr marL="800100" lvl="1" indent="-342900">
-              <a:buFont typeface="+mj-lt"/>
-              <a:buAutoNum type="arabicPeriod"/>
-            </a:pPr>
-            <a:r>
-              <a:rPr lang="en-US" sz="1400" dirty="0"/>
-              <a:t>If less than 2000ms, don’t alter new exp time</a:t>
-            </a:r>
-          </a:p>
-          <a:p>
-            <a:pPr marL="800100" lvl="1" indent="-342900">
-              <a:buFont typeface="+mj-lt"/>
-              <a:buAutoNum type="arabicPeriod"/>
-            </a:pPr>
-            <a:endParaRPr lang="en-US" sz="1400" dirty="0"/>
           </a:p>
         </p:txBody>
       </p:sp>
     </p:spTree>
     <p:extLst>
       <p:ext uri="{BB962C8B-B14F-4D97-AF65-F5344CB8AC3E}">
-        <p14:creationId xmlns:p14="http://schemas.microsoft.com/office/powerpoint/2010/main" val="2091702953"/>
+        <p14:creationId xmlns:p14="http://schemas.microsoft.com/office/powerpoint/2010/main" val="2141334609"/>
       </p:ext>
     </p:extLst>
   </p:cSld>
@@ -31842,7 +32863,7 @@
           <p:cNvPr id="2" name="Title 1">
             <a:extLst>
               <a:ext uri="{FF2B5EF4-FFF2-40B4-BE49-F238E27FC236}">
-                <a16:creationId xmlns:a16="http://schemas.microsoft.com/office/drawing/2014/main" id="{B3DDDBD1-D552-A278-D009-D8104EFAC7EC}"/>
+                <a16:creationId xmlns:a16="http://schemas.microsoft.com/office/drawing/2014/main" id="{155BFE89-F8C2-0238-ED63-2733A053E20F}"/>
               </a:ext>
             </a:extLst>
           </p:cNvPr>
@@ -31855,60 +32876,37 @@
         </p:nvSpPr>
         <p:spPr>
           <a:xfrm>
-            <a:off x="0" y="-146288"/>
-            <a:ext cx="10515600" cy="747683"/>
+            <a:off x="148087" y="8626"/>
+            <a:ext cx="10515600" cy="557901"/>
           </a:xfrm>
         </p:spPr>
         <p:txBody>
           <a:bodyPr>
-            <a:normAutofit/>
+            <a:noAutofit/>
           </a:bodyPr>
           <a:lstStyle/>
           <a:p>
             <a:r>
               <a:rPr lang="en-US" sz="3200" dirty="0"/>
-              <a:t>Auto Expose Array Construction</a:t>
+              <a:t>Setting Optimal Derivative Step Size (DAPI) 2</a:t>
+            </a:r>
+            <a:r>
+              <a:rPr lang="en-US" sz="3200" baseline="30000" dirty="0"/>
+              <a:t>nd</a:t>
+            </a:r>
+            <a:r>
+              <a:rPr lang="en-US" sz="3200" dirty="0"/>
+              <a:t> image</a:t>
             </a:r>
           </a:p>
         </p:txBody>
       </p:sp>
-      <p:graphicFrame>
-        <p:nvGraphicFramePr>
-          <p:cNvPr id="4" name="Content Placeholder 3">
+      <p:sp>
+        <p:nvSpPr>
+          <p:cNvPr id="11" name="TextBox 10">
             <a:extLst>
               <a:ext uri="{FF2B5EF4-FFF2-40B4-BE49-F238E27FC236}">
-                <a16:creationId xmlns:a16="http://schemas.microsoft.com/office/drawing/2014/main" id="{DFEBF3D2-C6CD-7087-BA87-F5B2F684F440}"/>
-              </a:ext>
-            </a:extLst>
-          </p:cNvPr>
-          <p:cNvGraphicFramePr>
-            <a:graphicFrameLocks noGrp="1"/>
-          </p:cNvGraphicFramePr>
-          <p:nvPr>
-            <p:ph idx="1"/>
-            <p:extLst>
-              <p:ext uri="{D42A27DB-BD31-4B8C-83A1-F6EECF244321}">
-                <p14:modId xmlns:p14="http://schemas.microsoft.com/office/powerpoint/2010/main" val="2870609108"/>
-              </p:ext>
-            </p:extLst>
-          </p:nvPr>
-        </p:nvGraphicFramePr>
-        <p:xfrm>
-          <a:off x="54636" y="1780342"/>
-          <a:ext cx="2993366" cy="3807064"/>
-        </p:xfrm>
-        <a:graphic>
-          <a:graphicData uri="http://schemas.openxmlformats.org/drawingml/2006/diagram">
-            <dgm:relIds xmlns:dgm="http://schemas.openxmlformats.org/drawingml/2006/diagram" xmlns:r="http://schemas.openxmlformats.org/officeDocument/2006/relationships" r:dm="rId2" r:lo="rId3" r:qs="rId4" r:cs="rId5"/>
-          </a:graphicData>
-        </a:graphic>
-      </p:graphicFrame>
-      <p:sp>
-        <p:nvSpPr>
-          <p:cNvPr id="5" name="TextBox 4">
-            <a:extLst>
-              <a:ext uri="{FF2B5EF4-FFF2-40B4-BE49-F238E27FC236}">
-                <a16:creationId xmlns:a16="http://schemas.microsoft.com/office/drawing/2014/main" id="{614E6B01-BC13-EA58-8D20-9BAF9101568F}"/>
+                <a16:creationId xmlns:a16="http://schemas.microsoft.com/office/drawing/2014/main" id="{B9446050-C160-A2D0-BF98-6655AC9F52CB}"/>
               </a:ext>
             </a:extLst>
           </p:cNvPr>
@@ -31917,8 +32915,8 @@
         </p:nvSpPr>
         <p:spPr>
           <a:xfrm>
-            <a:off x="300487" y="511632"/>
-            <a:ext cx="11809562" cy="923330"/>
+            <a:off x="5404628" y="2237143"/>
+            <a:ext cx="1507466" cy="923330"/>
           </a:xfrm>
           <a:prstGeom prst="rect">
             <a:avLst/>
@@ -31926,162 +32924,36 @@
           <a:noFill/>
         </p:spPr>
         <p:txBody>
-          <a:bodyPr wrap="square" rtlCol="0">
+          <a:bodyPr wrap="square">
             <a:spAutoFit/>
           </a:bodyPr>
           <a:lstStyle/>
           <a:p>
-            <a:pPr marL="285750" indent="-285750">
-              <a:buFont typeface="Arial" panose="020B0604020202020204" pitchFamily="34" charset="0"/>
-              <a:buChar char="•"/>
-            </a:pPr>
             <a:r>
               <a:rPr lang="en-US" dirty="0"/>
-              <a:t>1 Array per channel, delineated by index and not file name</a:t>
+              <a:t>average 32 </a:t>
             </a:r>
           </a:p>
           <a:p>
-            <a:pPr marL="285750" indent="-285750">
-              <a:buFont typeface="Arial" panose="020B0604020202020204" pitchFamily="34" charset="0"/>
-              <a:buChar char="•"/>
-            </a:pPr>
-            <a:r>
-              <a:rPr lang="en-US" dirty="0" err="1"/>
-              <a:t>Numpy</a:t>
-            </a:r>
             <a:r>
               <a:rPr lang="en-US" dirty="0"/>
-              <a:t> array with dimensions (4 (channels), </a:t>
-            </a:r>
-            <a:r>
-              <a:rPr lang="en-US" dirty="0" err="1"/>
-              <a:t>y_tiles</a:t>
-            </a:r>
-            <a:r>
-              <a:rPr lang="en-US" dirty="0"/>
-              <a:t>, </a:t>
-            </a:r>
-            <a:r>
-              <a:rPr lang="en-US" dirty="0" err="1"/>
-              <a:t>x_tiles</a:t>
-            </a:r>
-            <a:r>
-              <a:rPr lang="en-US" dirty="0"/>
-              <a:t>, 4, 3). </a:t>
+              <a:t>median: 29 </a:t>
             </a:r>
           </a:p>
           <a:p>
-            <a:pPr marL="285750" indent="-285750">
-              <a:buFont typeface="Arial" panose="020B0604020202020204" pitchFamily="34" charset="0"/>
-              <a:buChar char="•"/>
-            </a:pPr>
-            <a:r>
-              <a:rPr lang="en-US" dirty="0" err="1"/>
-              <a:t>Dtype</a:t>
-            </a:r>
             <a:r>
               <a:rPr lang="en-US" dirty="0"/>
-              <a:t> = Int16</a:t>
+              <a:t>std dev: 13</a:t>
             </a:r>
           </a:p>
         </p:txBody>
       </p:sp>
-      <p:graphicFrame>
-        <p:nvGraphicFramePr>
-          <p:cNvPr id="6" name="Content Placeholder 3">
+      <p:sp>
+        <p:nvSpPr>
+          <p:cNvPr id="14" name="TextBox 13">
             <a:extLst>
               <a:ext uri="{FF2B5EF4-FFF2-40B4-BE49-F238E27FC236}">
-                <a16:creationId xmlns:a16="http://schemas.microsoft.com/office/drawing/2014/main" id="{8D1C2DA3-4798-149B-099D-AAA42ABD79E5}"/>
-              </a:ext>
-            </a:extLst>
-          </p:cNvPr>
-          <p:cNvGraphicFramePr>
-            <a:graphicFrameLocks/>
-          </p:cNvGraphicFramePr>
-          <p:nvPr>
-            <p:extLst>
-              <p:ext uri="{D42A27DB-BD31-4B8C-83A1-F6EECF244321}">
-                <p14:modId xmlns:p14="http://schemas.microsoft.com/office/powerpoint/2010/main" val="79994776"/>
-              </p:ext>
-            </p:extLst>
-          </p:nvPr>
-        </p:nvGraphicFramePr>
-        <p:xfrm>
-          <a:off x="3102635" y="1817301"/>
-          <a:ext cx="2993366" cy="3807064"/>
-        </p:xfrm>
-        <a:graphic>
-          <a:graphicData uri="http://schemas.openxmlformats.org/drawingml/2006/diagram">
-            <dgm:relIds xmlns:dgm="http://schemas.openxmlformats.org/drawingml/2006/diagram" xmlns:r="http://schemas.openxmlformats.org/officeDocument/2006/relationships" r:dm="rId7" r:lo="rId8" r:qs="rId9" r:cs="rId10"/>
-          </a:graphicData>
-        </a:graphic>
-      </p:graphicFrame>
-      <p:graphicFrame>
-        <p:nvGraphicFramePr>
-          <p:cNvPr id="7" name="Content Placeholder 3">
-            <a:extLst>
-              <a:ext uri="{FF2B5EF4-FFF2-40B4-BE49-F238E27FC236}">
-                <a16:creationId xmlns:a16="http://schemas.microsoft.com/office/drawing/2014/main" id="{BD35BF17-2408-6916-6303-6130C77032CE}"/>
-              </a:ext>
-            </a:extLst>
-          </p:cNvPr>
-          <p:cNvGraphicFramePr>
-            <a:graphicFrameLocks/>
-          </p:cNvGraphicFramePr>
-          <p:nvPr>
-            <p:extLst>
-              <p:ext uri="{D42A27DB-BD31-4B8C-83A1-F6EECF244321}">
-                <p14:modId xmlns:p14="http://schemas.microsoft.com/office/powerpoint/2010/main" val="3837538893"/>
-              </p:ext>
-            </p:extLst>
-          </p:nvPr>
-        </p:nvGraphicFramePr>
-        <p:xfrm>
-          <a:off x="6205268" y="1817301"/>
-          <a:ext cx="2993366" cy="3807064"/>
-        </p:xfrm>
-        <a:graphic>
-          <a:graphicData uri="http://schemas.openxmlformats.org/drawingml/2006/diagram">
-            <dgm:relIds xmlns:dgm="http://schemas.openxmlformats.org/drawingml/2006/diagram" xmlns:r="http://schemas.openxmlformats.org/officeDocument/2006/relationships" r:dm="rId12" r:lo="rId13" r:qs="rId14" r:cs="rId15"/>
-          </a:graphicData>
-        </a:graphic>
-      </p:graphicFrame>
-      <p:graphicFrame>
-        <p:nvGraphicFramePr>
-          <p:cNvPr id="8" name="Content Placeholder 3">
-            <a:extLst>
-              <a:ext uri="{FF2B5EF4-FFF2-40B4-BE49-F238E27FC236}">
-                <a16:creationId xmlns:a16="http://schemas.microsoft.com/office/drawing/2014/main" id="{6A21CF0A-1A98-416C-658E-729D43C879D8}"/>
-              </a:ext>
-            </a:extLst>
-          </p:cNvPr>
-          <p:cNvGraphicFramePr>
-            <a:graphicFrameLocks/>
-          </p:cNvGraphicFramePr>
-          <p:nvPr>
-            <p:extLst>
-              <p:ext uri="{D42A27DB-BD31-4B8C-83A1-F6EECF244321}">
-                <p14:modId xmlns:p14="http://schemas.microsoft.com/office/powerpoint/2010/main" val="3139472214"/>
-              </p:ext>
-            </p:extLst>
-          </p:nvPr>
-        </p:nvGraphicFramePr>
-        <p:xfrm>
-          <a:off x="9198634" y="1780342"/>
-          <a:ext cx="2993366" cy="3807064"/>
-        </p:xfrm>
-        <a:graphic>
-          <a:graphicData uri="http://schemas.openxmlformats.org/drawingml/2006/diagram">
-            <dgm:relIds xmlns:dgm="http://schemas.openxmlformats.org/drawingml/2006/diagram" xmlns:r="http://schemas.openxmlformats.org/officeDocument/2006/relationships" r:dm="rId17" r:lo="rId18" r:qs="rId19" r:cs="rId20"/>
-          </a:graphicData>
-        </a:graphic>
-      </p:graphicFrame>
-      <p:sp>
-        <p:nvSpPr>
-          <p:cNvPr id="9" name="TextBox 8">
-            <a:extLst>
-              <a:ext uri="{FF2B5EF4-FFF2-40B4-BE49-F238E27FC236}">
-                <a16:creationId xmlns:a16="http://schemas.microsoft.com/office/drawing/2014/main" id="{F8652756-8C5E-EED1-E5F6-FB3CD9BFD6E5}"/>
+                <a16:creationId xmlns:a16="http://schemas.microsoft.com/office/drawing/2014/main" id="{6A0CC695-A625-D077-EF8E-B28286535321}"/>
               </a:ext>
             </a:extLst>
           </p:cNvPr>
@@ -32090,8 +32962,8 @@
         </p:nvSpPr>
         <p:spPr>
           <a:xfrm>
-            <a:off x="563593" y="5805578"/>
-            <a:ext cx="1532343" cy="369332"/>
+            <a:off x="1138687" y="757783"/>
+            <a:ext cx="2983894" cy="369332"/>
           </a:xfrm>
           <a:prstGeom prst="rect">
             <a:avLst/>
@@ -32106,17 +32978,17 @@
           <a:p>
             <a:r>
               <a:rPr lang="en-US" dirty="0"/>
-              <a:t>DAPI = index 0</a:t>
+              <a:t>Max Derv Step Size Histogram</a:t>
             </a:r>
           </a:p>
         </p:txBody>
       </p:sp>
       <p:sp>
         <p:nvSpPr>
-          <p:cNvPr id="10" name="TextBox 9">
+          <p:cNvPr id="15" name="TextBox 14">
             <a:extLst>
               <a:ext uri="{FF2B5EF4-FFF2-40B4-BE49-F238E27FC236}">
-                <a16:creationId xmlns:a16="http://schemas.microsoft.com/office/drawing/2014/main" id="{9D03AF22-678C-2921-3F3F-92E5E154099B}"/>
+                <a16:creationId xmlns:a16="http://schemas.microsoft.com/office/drawing/2014/main" id="{BEACFB18-16CC-653F-DFFD-3E2BD624100D}"/>
               </a:ext>
             </a:extLst>
           </p:cNvPr>
@@ -32125,8 +32997,8 @@
         </p:nvSpPr>
         <p:spPr>
           <a:xfrm>
-            <a:off x="3994031" y="5858245"/>
-            <a:ext cx="1567801" cy="369332"/>
+            <a:off x="1837426" y="3893699"/>
+            <a:ext cx="583814" cy="369332"/>
           </a:xfrm>
           <a:prstGeom prst="rect">
             <a:avLst/>
@@ -32141,17 +33013,17 @@
           <a:p>
             <a:r>
               <a:rPr lang="en-US" dirty="0"/>
-              <a:t>A488 = index 1</a:t>
+              <a:t>Raw</a:t>
             </a:r>
           </a:p>
         </p:txBody>
       </p:sp>
       <p:sp>
         <p:nvSpPr>
-          <p:cNvPr id="11" name="TextBox 10">
+          <p:cNvPr id="16" name="TextBox 15">
             <a:extLst>
               <a:ext uri="{FF2B5EF4-FFF2-40B4-BE49-F238E27FC236}">
-                <a16:creationId xmlns:a16="http://schemas.microsoft.com/office/drawing/2014/main" id="{B3340A7C-7869-C595-D67E-0F14EBF3B605}"/>
+                <a16:creationId xmlns:a16="http://schemas.microsoft.com/office/drawing/2014/main" id="{4C6994C6-C8C1-53DD-70CE-BAD0F55F8BE1}"/>
               </a:ext>
             </a:extLst>
           </p:cNvPr>
@@ -32160,8 +33032,8 @@
         </p:nvSpPr>
         <p:spPr>
           <a:xfrm>
-            <a:off x="7424469" y="5858245"/>
-            <a:ext cx="1567801" cy="369332"/>
+            <a:off x="8576749" y="529918"/>
+            <a:ext cx="2890663" cy="369332"/>
           </a:xfrm>
           <a:prstGeom prst="rect">
             <a:avLst/>
@@ -32176,17 +33048,17 @@
           <a:p>
             <a:r>
               <a:rPr lang="en-US" dirty="0"/>
-              <a:t>A555 = index 2</a:t>
+              <a:t>Super Pixel Image well depth</a:t>
             </a:r>
           </a:p>
         </p:txBody>
       </p:sp>
       <p:sp>
         <p:nvSpPr>
-          <p:cNvPr id="12" name="TextBox 11">
+          <p:cNvPr id="17" name="TextBox 16">
             <a:extLst>
               <a:ext uri="{FF2B5EF4-FFF2-40B4-BE49-F238E27FC236}">
-                <a16:creationId xmlns:a16="http://schemas.microsoft.com/office/drawing/2014/main" id="{E4A10262-021F-A9CC-DF21-E9F9EABB1E3E}"/>
+                <a16:creationId xmlns:a16="http://schemas.microsoft.com/office/drawing/2014/main" id="{4D591FB4-4D18-D736-C096-D927FD67CC3B}"/>
               </a:ext>
             </a:extLst>
           </p:cNvPr>
@@ -32195,8 +33067,8 @@
         </p:nvSpPr>
         <p:spPr>
           <a:xfrm>
-            <a:off x="9929145" y="5805578"/>
-            <a:ext cx="1567801" cy="369332"/>
+            <a:off x="7773024" y="3594693"/>
+            <a:ext cx="3169329" cy="369332"/>
           </a:xfrm>
           <a:prstGeom prst="rect">
             <a:avLst/>
@@ -32211,15 +33083,135 @@
           <a:p>
             <a:r>
               <a:rPr lang="en-US" dirty="0"/>
-              <a:t>A647 = index 3</a:t>
+              <a:t>Super Pixel Image derv step size</a:t>
             </a:r>
           </a:p>
         </p:txBody>
       </p:sp>
+      <p:pic>
+        <p:nvPicPr>
+          <p:cNvPr id="4" name="Picture 3">
+            <a:extLst>
+              <a:ext uri="{FF2B5EF4-FFF2-40B4-BE49-F238E27FC236}">
+                <a16:creationId xmlns:a16="http://schemas.microsoft.com/office/drawing/2014/main" id="{D6A96A28-999F-0DBF-B6AC-3B6E9E43B67E}"/>
+              </a:ext>
+            </a:extLst>
+          </p:cNvPr>
+          <p:cNvPicPr>
+            <a:picLocks noChangeAspect="1"/>
+          </p:cNvPicPr>
+          <p:nvPr/>
+        </p:nvPicPr>
+        <p:blipFill>
+          <a:blip r:embed="rId2"/>
+          <a:stretch>
+            <a:fillRect/>
+          </a:stretch>
+        </p:blipFill>
+        <p:spPr>
+          <a:xfrm>
+            <a:off x="894008" y="1195446"/>
+            <a:ext cx="3524969" cy="2733265"/>
+          </a:xfrm>
+          <a:prstGeom prst="rect">
+            <a:avLst/>
+          </a:prstGeom>
+        </p:spPr>
+      </p:pic>
+      <p:pic>
+        <p:nvPicPr>
+          <p:cNvPr id="8" name="Picture 7">
+            <a:extLst>
+              <a:ext uri="{FF2B5EF4-FFF2-40B4-BE49-F238E27FC236}">
+                <a16:creationId xmlns:a16="http://schemas.microsoft.com/office/drawing/2014/main" id="{F4E7A914-A83B-D81E-9C89-161EA30C1E05}"/>
+              </a:ext>
+            </a:extLst>
+          </p:cNvPr>
+          <p:cNvPicPr>
+            <a:picLocks noChangeAspect="1"/>
+          </p:cNvPicPr>
+          <p:nvPr/>
+        </p:nvPicPr>
+        <p:blipFill>
+          <a:blip r:embed="rId3"/>
+          <a:stretch>
+            <a:fillRect/>
+          </a:stretch>
+        </p:blipFill>
+        <p:spPr>
+          <a:xfrm>
+            <a:off x="7684890" y="933083"/>
+            <a:ext cx="3854282" cy="2733265"/>
+          </a:xfrm>
+          <a:prstGeom prst="rect">
+            <a:avLst/>
+          </a:prstGeom>
+        </p:spPr>
+      </p:pic>
+      <p:pic>
+        <p:nvPicPr>
+          <p:cNvPr id="12" name="Picture 11">
+            <a:extLst>
+              <a:ext uri="{FF2B5EF4-FFF2-40B4-BE49-F238E27FC236}">
+                <a16:creationId xmlns:a16="http://schemas.microsoft.com/office/drawing/2014/main" id="{31562AD4-1FE4-08DD-975E-D7DDE0F272F9}"/>
+              </a:ext>
+            </a:extLst>
+          </p:cNvPr>
+          <p:cNvPicPr>
+            <a:picLocks noChangeAspect="1"/>
+          </p:cNvPicPr>
+          <p:nvPr/>
+        </p:nvPicPr>
+        <p:blipFill>
+          <a:blip r:embed="rId4"/>
+          <a:stretch>
+            <a:fillRect/>
+          </a:stretch>
+        </p:blipFill>
+        <p:spPr>
+          <a:xfrm>
+            <a:off x="7663366" y="3994344"/>
+            <a:ext cx="3804046" cy="2760403"/>
+          </a:xfrm>
+          <a:prstGeom prst="rect">
+            <a:avLst/>
+          </a:prstGeom>
+        </p:spPr>
+      </p:pic>
+      <p:pic>
+        <p:nvPicPr>
+          <p:cNvPr id="21" name="Picture 20">
+            <a:extLst>
+              <a:ext uri="{FF2B5EF4-FFF2-40B4-BE49-F238E27FC236}">
+                <a16:creationId xmlns:a16="http://schemas.microsoft.com/office/drawing/2014/main" id="{22EDBB1D-97E1-CC44-FE47-604636AA7CF7}"/>
+              </a:ext>
+            </a:extLst>
+          </p:cNvPr>
+          <p:cNvPicPr>
+            <a:picLocks noChangeAspect="1"/>
+          </p:cNvPicPr>
+          <p:nvPr/>
+        </p:nvPicPr>
+        <p:blipFill>
+          <a:blip r:embed="rId5"/>
+          <a:stretch>
+            <a:fillRect/>
+          </a:stretch>
+        </p:blipFill>
+        <p:spPr>
+          <a:xfrm>
+            <a:off x="301824" y="4263031"/>
+            <a:ext cx="4477210" cy="2603112"/>
+          </a:xfrm>
+          <a:prstGeom prst="rect">
+            <a:avLst/>
+          </a:prstGeom>
+        </p:spPr>
+      </p:pic>
     </p:spTree>
     <p:extLst>
       <p:ext uri="{BB962C8B-B14F-4D97-AF65-F5344CB8AC3E}">
-        <p14:creationId xmlns:p14="http://schemas.microsoft.com/office/powerpoint/2010/main" val="453542188"/>
+        <p14:creationId xmlns:p14="http://schemas.microsoft.com/office/powerpoint/2010/main" val="996178569"/>
       </p:ext>
     </p:extLst>
   </p:cSld>
@@ -32251,7 +33243,7 @@
           <p:cNvPr id="2" name="Title 1">
             <a:extLst>
               <a:ext uri="{FF2B5EF4-FFF2-40B4-BE49-F238E27FC236}">
-                <a16:creationId xmlns:a16="http://schemas.microsoft.com/office/drawing/2014/main" id="{2FB10F0E-10B9-2188-5F34-8D11EC01CB32}"/>
+                <a16:creationId xmlns:a16="http://schemas.microsoft.com/office/drawing/2014/main" id="{155BFE89-F8C2-0238-ED63-2733A053E20F}"/>
               </a:ext>
             </a:extLst>
           </p:cNvPr>
@@ -32262,54 +33254,218 @@
             <p:ph type="title"/>
           </p:nvPr>
         </p:nvSpPr>
-        <p:spPr/>
+        <p:spPr>
+          <a:xfrm>
+            <a:off x="148087" y="8626"/>
+            <a:ext cx="10515600" cy="557901"/>
+          </a:xfrm>
+        </p:spPr>
         <p:txBody>
-          <a:bodyPr/>
+          <a:bodyPr>
+            <a:normAutofit fontScale="90000"/>
+          </a:bodyPr>
           <a:lstStyle/>
           <a:p>
-            <a:endParaRPr lang="en-US"/>
+            <a:r>
+              <a:rPr lang="en-US" dirty="0"/>
+              <a:t>Setting Optimal Derivative Step Size (A488 Ezrin)</a:t>
+            </a:r>
           </a:p>
         </p:txBody>
       </p:sp>
       <p:sp>
         <p:nvSpPr>
-          <p:cNvPr id="3" name="Content Placeholder 2">
+          <p:cNvPr id="11" name="TextBox 10">
             <a:extLst>
               <a:ext uri="{FF2B5EF4-FFF2-40B4-BE49-F238E27FC236}">
-                <a16:creationId xmlns:a16="http://schemas.microsoft.com/office/drawing/2014/main" id="{226FEC0D-53C2-9E59-704C-735A210AEFB5}"/>
+                <a16:creationId xmlns:a16="http://schemas.microsoft.com/office/drawing/2014/main" id="{B9446050-C160-A2D0-BF98-6655AC9F52CB}"/>
               </a:ext>
             </a:extLst>
           </p:cNvPr>
-          <p:cNvSpPr>
-            <a:spLocks noGrp="1"/>
-          </p:cNvSpPr>
-          <p:nvPr>
-            <p:ph idx="1"/>
-          </p:nvPr>
+          <p:cNvSpPr txBox="1"/>
+          <p:nvPr/>
         </p:nvSpPr>
         <p:spPr>
           <a:xfrm>
-            <a:off x="838200" y="5447211"/>
-            <a:ext cx="10515600" cy="729752"/>
+            <a:off x="5404628" y="2237143"/>
+            <a:ext cx="1507466" cy="923330"/>
           </a:xfrm>
+          <a:prstGeom prst="rect">
+            <a:avLst/>
+          </a:prstGeom>
+          <a:noFill/>
         </p:spPr>
         <p:txBody>
-          <a:bodyPr/>
+          <a:bodyPr wrap="square">
+            <a:spAutoFit/>
+          </a:bodyPr>
           <a:lstStyle/>
           <a:p>
             <a:r>
               <a:rPr lang="en-US" dirty="0"/>
-              <a:t>5.6 seconds for all processing with 12 tiles</a:t>
+              <a:t>average 32 </a:t>
+            </a:r>
+          </a:p>
+          <a:p>
+            <a:r>
+              <a:rPr lang="en-US" dirty="0"/>
+              <a:t>median: 29 </a:t>
+            </a:r>
+          </a:p>
+          <a:p>
+            <a:r>
+              <a:rPr lang="en-US" dirty="0"/>
+              <a:t>std dev: 15</a:t>
+            </a:r>
+          </a:p>
+        </p:txBody>
+      </p:sp>
+      <p:sp>
+        <p:nvSpPr>
+          <p:cNvPr id="14" name="TextBox 13">
+            <a:extLst>
+              <a:ext uri="{FF2B5EF4-FFF2-40B4-BE49-F238E27FC236}">
+                <a16:creationId xmlns:a16="http://schemas.microsoft.com/office/drawing/2014/main" id="{6A0CC695-A625-D077-EF8E-B28286535321}"/>
+              </a:ext>
+            </a:extLst>
+          </p:cNvPr>
+          <p:cNvSpPr txBox="1"/>
+          <p:nvPr/>
+        </p:nvSpPr>
+        <p:spPr>
+          <a:xfrm>
+            <a:off x="1138687" y="757783"/>
+            <a:ext cx="2983894" cy="369332"/>
+          </a:xfrm>
+          <a:prstGeom prst="rect">
+            <a:avLst/>
+          </a:prstGeom>
+          <a:noFill/>
+        </p:spPr>
+        <p:txBody>
+          <a:bodyPr wrap="none" rtlCol="0">
+            <a:spAutoFit/>
+          </a:bodyPr>
+          <a:lstStyle/>
+          <a:p>
+            <a:r>
+              <a:rPr lang="en-US" dirty="0"/>
+              <a:t>Max Derv Step Size Histogram</a:t>
+            </a:r>
+          </a:p>
+        </p:txBody>
+      </p:sp>
+      <p:sp>
+        <p:nvSpPr>
+          <p:cNvPr id="15" name="TextBox 14">
+            <a:extLst>
+              <a:ext uri="{FF2B5EF4-FFF2-40B4-BE49-F238E27FC236}">
+                <a16:creationId xmlns:a16="http://schemas.microsoft.com/office/drawing/2014/main" id="{BEACFB18-16CC-653F-DFFD-3E2BD624100D}"/>
+              </a:ext>
+            </a:extLst>
+          </p:cNvPr>
+          <p:cNvSpPr txBox="1"/>
+          <p:nvPr/>
+        </p:nvSpPr>
+        <p:spPr>
+          <a:xfrm>
+            <a:off x="1837426" y="3893699"/>
+            <a:ext cx="583814" cy="369332"/>
+          </a:xfrm>
+          <a:prstGeom prst="rect">
+            <a:avLst/>
+          </a:prstGeom>
+          <a:noFill/>
+        </p:spPr>
+        <p:txBody>
+          <a:bodyPr wrap="none" rtlCol="0">
+            <a:spAutoFit/>
+          </a:bodyPr>
+          <a:lstStyle/>
+          <a:p>
+            <a:r>
+              <a:rPr lang="en-US" dirty="0"/>
+              <a:t>Raw</a:t>
+            </a:r>
+          </a:p>
+        </p:txBody>
+      </p:sp>
+      <p:sp>
+        <p:nvSpPr>
+          <p:cNvPr id="16" name="TextBox 15">
+            <a:extLst>
+              <a:ext uri="{FF2B5EF4-FFF2-40B4-BE49-F238E27FC236}">
+                <a16:creationId xmlns:a16="http://schemas.microsoft.com/office/drawing/2014/main" id="{4C6994C6-C8C1-53DD-70CE-BAD0F55F8BE1}"/>
+              </a:ext>
+            </a:extLst>
+          </p:cNvPr>
+          <p:cNvSpPr txBox="1"/>
+          <p:nvPr/>
+        </p:nvSpPr>
+        <p:spPr>
+          <a:xfrm>
+            <a:off x="8576749" y="529918"/>
+            <a:ext cx="2890663" cy="369332"/>
+          </a:xfrm>
+          <a:prstGeom prst="rect">
+            <a:avLst/>
+          </a:prstGeom>
+          <a:noFill/>
+        </p:spPr>
+        <p:txBody>
+          <a:bodyPr wrap="none" rtlCol="0">
+            <a:spAutoFit/>
+          </a:bodyPr>
+          <a:lstStyle/>
+          <a:p>
+            <a:r>
+              <a:rPr lang="en-US" dirty="0"/>
+              <a:t>Super Pixel Image well depth</a:t>
+            </a:r>
+          </a:p>
+        </p:txBody>
+      </p:sp>
+      <p:sp>
+        <p:nvSpPr>
+          <p:cNvPr id="17" name="TextBox 16">
+            <a:extLst>
+              <a:ext uri="{FF2B5EF4-FFF2-40B4-BE49-F238E27FC236}">
+                <a16:creationId xmlns:a16="http://schemas.microsoft.com/office/drawing/2014/main" id="{4D591FB4-4D18-D736-C096-D927FD67CC3B}"/>
+              </a:ext>
+            </a:extLst>
+          </p:cNvPr>
+          <p:cNvSpPr txBox="1"/>
+          <p:nvPr/>
+        </p:nvSpPr>
+        <p:spPr>
+          <a:xfrm>
+            <a:off x="7773024" y="3594693"/>
+            <a:ext cx="3169329" cy="369332"/>
+          </a:xfrm>
+          <a:prstGeom prst="rect">
+            <a:avLst/>
+          </a:prstGeom>
+          <a:noFill/>
+        </p:spPr>
+        <p:txBody>
+          <a:bodyPr wrap="none" rtlCol="0">
+            <a:spAutoFit/>
+          </a:bodyPr>
+          <a:lstStyle/>
+          <a:p>
+            <a:r>
+              <a:rPr lang="en-US" dirty="0"/>
+              <a:t>Super Pixel Image derv step size</a:t>
             </a:r>
           </a:p>
         </p:txBody>
       </p:sp>
       <p:pic>
         <p:nvPicPr>
-          <p:cNvPr id="5" name="Picture 4">
+          <p:cNvPr id="19" name="Picture 18">
             <a:extLst>
               <a:ext uri="{FF2B5EF4-FFF2-40B4-BE49-F238E27FC236}">
-                <a16:creationId xmlns:a16="http://schemas.microsoft.com/office/drawing/2014/main" id="{52A7F6DD-E77F-FE19-CB08-C7B31D982E24}"/>
+                <a16:creationId xmlns:a16="http://schemas.microsoft.com/office/drawing/2014/main" id="{A6A3BEF7-11B4-79EB-C49C-024CC3FB8D2A}"/>
               </a:ext>
             </a:extLst>
           </p:cNvPr>
@@ -32326,8 +33482,8 @@
         </p:blipFill>
         <p:spPr>
           <a:xfrm>
-            <a:off x="-336932" y="130851"/>
-            <a:ext cx="6125430" cy="4610743"/>
+            <a:off x="315417" y="4258936"/>
+            <a:ext cx="4381481" cy="2599063"/>
           </a:xfrm>
           <a:prstGeom prst="rect">
             <a:avLst/>
@@ -32336,10 +33492,10 @@
       </p:pic>
       <p:pic>
         <p:nvPicPr>
-          <p:cNvPr id="7" name="Picture 6">
+          <p:cNvPr id="21" name="Picture 20">
             <a:extLst>
               <a:ext uri="{FF2B5EF4-FFF2-40B4-BE49-F238E27FC236}">
-                <a16:creationId xmlns:a16="http://schemas.microsoft.com/office/drawing/2014/main" id="{CDA35EA9-ADBB-E566-217E-CBB4C005A342}"/>
+                <a16:creationId xmlns:a16="http://schemas.microsoft.com/office/drawing/2014/main" id="{1FAD7A8D-4690-AB50-3D36-7F2C4EAE8641}"/>
               </a:ext>
             </a:extLst>
           </p:cNvPr>
@@ -32356,8 +33512,68 @@
         </p:blipFill>
         <p:spPr>
           <a:xfrm>
-            <a:off x="6447623" y="230188"/>
-            <a:ext cx="5744377" cy="4153480"/>
+            <a:off x="780225" y="1318371"/>
+            <a:ext cx="3282029" cy="2636192"/>
+          </a:xfrm>
+          <a:prstGeom prst="rect">
+            <a:avLst/>
+          </a:prstGeom>
+        </p:spPr>
+      </p:pic>
+      <p:pic>
+        <p:nvPicPr>
+          <p:cNvPr id="23" name="Picture 22">
+            <a:extLst>
+              <a:ext uri="{FF2B5EF4-FFF2-40B4-BE49-F238E27FC236}">
+                <a16:creationId xmlns:a16="http://schemas.microsoft.com/office/drawing/2014/main" id="{7678737A-BA87-44A3-7F04-C6DC02EA0974}"/>
+              </a:ext>
+            </a:extLst>
+          </p:cNvPr>
+          <p:cNvPicPr>
+            <a:picLocks noChangeAspect="1"/>
+          </p:cNvPicPr>
+          <p:nvPr/>
+        </p:nvPicPr>
+        <p:blipFill>
+          <a:blip r:embed="rId4"/>
+          <a:stretch>
+            <a:fillRect/>
+          </a:stretch>
+        </p:blipFill>
+        <p:spPr>
+          <a:xfrm>
+            <a:off x="7569140" y="848167"/>
+            <a:ext cx="3898272" cy="2867159"/>
+          </a:xfrm>
+          <a:prstGeom prst="rect">
+            <a:avLst/>
+          </a:prstGeom>
+        </p:spPr>
+      </p:pic>
+      <p:pic>
+        <p:nvPicPr>
+          <p:cNvPr id="25" name="Picture 24">
+            <a:extLst>
+              <a:ext uri="{FF2B5EF4-FFF2-40B4-BE49-F238E27FC236}">
+                <a16:creationId xmlns:a16="http://schemas.microsoft.com/office/drawing/2014/main" id="{6ABBFF22-8441-E66F-1C50-39FB87BBDA8C}"/>
+              </a:ext>
+            </a:extLst>
+          </p:cNvPr>
+          <p:cNvPicPr>
+            <a:picLocks noChangeAspect="1"/>
+          </p:cNvPicPr>
+          <p:nvPr/>
+        </p:nvPicPr>
+        <p:blipFill>
+          <a:blip r:embed="rId5"/>
+          <a:stretch>
+            <a:fillRect/>
+          </a:stretch>
+        </p:blipFill>
+        <p:spPr>
+          <a:xfrm>
+            <a:off x="7690755" y="4033575"/>
+            <a:ext cx="3655041" cy="2656036"/>
           </a:xfrm>
           <a:prstGeom prst="rect">
             <a:avLst/>
@@ -32367,7 +33583,7 @@
     </p:spTree>
     <p:extLst>
       <p:ext uri="{BB962C8B-B14F-4D97-AF65-F5344CB8AC3E}">
-        <p14:creationId xmlns:p14="http://schemas.microsoft.com/office/powerpoint/2010/main" val="4092181180"/>
+        <p14:creationId xmlns:p14="http://schemas.microsoft.com/office/powerpoint/2010/main" val="3835262525"/>
       </p:ext>
     </p:extLst>
   </p:cSld>
@@ -32399,7 +33615,7 @@
           <p:cNvPr id="2" name="Title 1">
             <a:extLst>
               <a:ext uri="{FF2B5EF4-FFF2-40B4-BE49-F238E27FC236}">
-                <a16:creationId xmlns:a16="http://schemas.microsoft.com/office/drawing/2014/main" id="{25AC64EB-8B78-A2AB-EDA6-5C75B9C359DF}"/>
+                <a16:creationId xmlns:a16="http://schemas.microsoft.com/office/drawing/2014/main" id="{155BFE89-F8C2-0238-ED63-2733A053E20F}"/>
               </a:ext>
             </a:extLst>
           </p:cNvPr>
@@ -32410,52 +33626,344 @@
             <p:ph type="title"/>
           </p:nvPr>
         </p:nvSpPr>
-        <p:spPr/>
+        <p:spPr>
+          <a:xfrm>
+            <a:off x="148087" y="8626"/>
+            <a:ext cx="10515600" cy="557901"/>
+          </a:xfrm>
+        </p:spPr>
         <p:txBody>
-          <a:bodyPr/>
+          <a:bodyPr>
+            <a:noAutofit/>
+          </a:bodyPr>
           <a:lstStyle/>
           <a:p>
             <a:r>
-              <a:rPr lang="en-US" dirty="0"/>
-              <a:t>Autofocus</a:t>
+              <a:rPr lang="en-US" sz="3200" dirty="0"/>
+              <a:t>Setting Optimal Derivative Step Size (A488 Ezrin) 2</a:t>
+            </a:r>
+            <a:r>
+              <a:rPr lang="en-US" sz="3200" baseline="30000" dirty="0"/>
+              <a:t>nd</a:t>
+            </a:r>
+            <a:r>
+              <a:rPr lang="en-US" sz="3200" dirty="0"/>
+              <a:t> image</a:t>
             </a:r>
           </a:p>
         </p:txBody>
       </p:sp>
       <p:sp>
         <p:nvSpPr>
-          <p:cNvPr id="3" name="Content Placeholder 2">
+          <p:cNvPr id="11" name="TextBox 10">
             <a:extLst>
               <a:ext uri="{FF2B5EF4-FFF2-40B4-BE49-F238E27FC236}">
-                <a16:creationId xmlns:a16="http://schemas.microsoft.com/office/drawing/2014/main" id="{5938146E-745D-AA38-F760-3DBABE4446DB}"/>
+                <a16:creationId xmlns:a16="http://schemas.microsoft.com/office/drawing/2014/main" id="{B9446050-C160-A2D0-BF98-6655AC9F52CB}"/>
               </a:ext>
             </a:extLst>
           </p:cNvPr>
-          <p:cNvSpPr>
-            <a:spLocks noGrp="1"/>
-          </p:cNvSpPr>
-          <p:nvPr>
-            <p:ph idx="1"/>
-          </p:nvPr>
+          <p:cNvSpPr txBox="1"/>
+          <p:nvPr/>
         </p:nvSpPr>
-        <p:spPr/>
+        <p:spPr>
+          <a:xfrm>
+            <a:off x="5404628" y="2237143"/>
+            <a:ext cx="1507466" cy="923330"/>
+          </a:xfrm>
+          <a:prstGeom prst="rect">
+            <a:avLst/>
+          </a:prstGeom>
+          <a:noFill/>
+        </p:spPr>
         <p:txBody>
-          <a:bodyPr>
-            <a:normAutofit/>
+          <a:bodyPr wrap="square">
+            <a:spAutoFit/>
           </a:bodyPr>
           <a:lstStyle/>
           <a:p>
             <a:r>
-              <a:rPr lang="en-US" sz="1800" dirty="0"/>
-              <a:t>New auto focus will utilize the 3 images from autofocus and project out what the approximate ideal exposure would be. </a:t>
+              <a:rPr lang="en-US" dirty="0"/>
+              <a:t>average 28 </a:t>
+            </a:r>
+          </a:p>
+          <a:p>
+            <a:r>
+              <a:rPr lang="en-US" dirty="0"/>
+              <a:t>median: 26 </a:t>
+            </a:r>
+          </a:p>
+          <a:p>
+            <a:r>
+              <a:rPr lang="en-US" dirty="0"/>
+              <a:t>std dev: 12</a:t>
             </a:r>
           </a:p>
         </p:txBody>
       </p:sp>
+      <p:sp>
+        <p:nvSpPr>
+          <p:cNvPr id="14" name="TextBox 13">
+            <a:extLst>
+              <a:ext uri="{FF2B5EF4-FFF2-40B4-BE49-F238E27FC236}">
+                <a16:creationId xmlns:a16="http://schemas.microsoft.com/office/drawing/2014/main" id="{6A0CC695-A625-D077-EF8E-B28286535321}"/>
+              </a:ext>
+            </a:extLst>
+          </p:cNvPr>
+          <p:cNvSpPr txBox="1"/>
+          <p:nvPr/>
+        </p:nvSpPr>
+        <p:spPr>
+          <a:xfrm>
+            <a:off x="1138687" y="757783"/>
+            <a:ext cx="2983894" cy="369332"/>
+          </a:xfrm>
+          <a:prstGeom prst="rect">
+            <a:avLst/>
+          </a:prstGeom>
+          <a:noFill/>
+        </p:spPr>
+        <p:txBody>
+          <a:bodyPr wrap="none" rtlCol="0">
+            <a:spAutoFit/>
+          </a:bodyPr>
+          <a:lstStyle/>
+          <a:p>
+            <a:r>
+              <a:rPr lang="en-US" dirty="0"/>
+              <a:t>Max Derv Step Size Histogram</a:t>
+            </a:r>
+          </a:p>
+        </p:txBody>
+      </p:sp>
+      <p:sp>
+        <p:nvSpPr>
+          <p:cNvPr id="15" name="TextBox 14">
+            <a:extLst>
+              <a:ext uri="{FF2B5EF4-FFF2-40B4-BE49-F238E27FC236}">
+                <a16:creationId xmlns:a16="http://schemas.microsoft.com/office/drawing/2014/main" id="{BEACFB18-16CC-653F-DFFD-3E2BD624100D}"/>
+              </a:ext>
+            </a:extLst>
+          </p:cNvPr>
+          <p:cNvSpPr txBox="1"/>
+          <p:nvPr/>
+        </p:nvSpPr>
+        <p:spPr>
+          <a:xfrm>
+            <a:off x="1837426" y="3893699"/>
+            <a:ext cx="583814" cy="369332"/>
+          </a:xfrm>
+          <a:prstGeom prst="rect">
+            <a:avLst/>
+          </a:prstGeom>
+          <a:noFill/>
+        </p:spPr>
+        <p:txBody>
+          <a:bodyPr wrap="none" rtlCol="0">
+            <a:spAutoFit/>
+          </a:bodyPr>
+          <a:lstStyle/>
+          <a:p>
+            <a:r>
+              <a:rPr lang="en-US" dirty="0"/>
+              <a:t>Raw</a:t>
+            </a:r>
+          </a:p>
+        </p:txBody>
+      </p:sp>
+      <p:sp>
+        <p:nvSpPr>
+          <p:cNvPr id="16" name="TextBox 15">
+            <a:extLst>
+              <a:ext uri="{FF2B5EF4-FFF2-40B4-BE49-F238E27FC236}">
+                <a16:creationId xmlns:a16="http://schemas.microsoft.com/office/drawing/2014/main" id="{4C6994C6-C8C1-53DD-70CE-BAD0F55F8BE1}"/>
+              </a:ext>
+            </a:extLst>
+          </p:cNvPr>
+          <p:cNvSpPr txBox="1"/>
+          <p:nvPr/>
+        </p:nvSpPr>
+        <p:spPr>
+          <a:xfrm>
+            <a:off x="8576749" y="529918"/>
+            <a:ext cx="2890663" cy="369332"/>
+          </a:xfrm>
+          <a:prstGeom prst="rect">
+            <a:avLst/>
+          </a:prstGeom>
+          <a:noFill/>
+        </p:spPr>
+        <p:txBody>
+          <a:bodyPr wrap="none" rtlCol="0">
+            <a:spAutoFit/>
+          </a:bodyPr>
+          <a:lstStyle/>
+          <a:p>
+            <a:r>
+              <a:rPr lang="en-US" dirty="0"/>
+              <a:t>Super Pixel Image well depth</a:t>
+            </a:r>
+          </a:p>
+        </p:txBody>
+      </p:sp>
+      <p:sp>
+        <p:nvSpPr>
+          <p:cNvPr id="17" name="TextBox 16">
+            <a:extLst>
+              <a:ext uri="{FF2B5EF4-FFF2-40B4-BE49-F238E27FC236}">
+                <a16:creationId xmlns:a16="http://schemas.microsoft.com/office/drawing/2014/main" id="{4D591FB4-4D18-D736-C096-D927FD67CC3B}"/>
+              </a:ext>
+            </a:extLst>
+          </p:cNvPr>
+          <p:cNvSpPr txBox="1"/>
+          <p:nvPr/>
+        </p:nvSpPr>
+        <p:spPr>
+          <a:xfrm>
+            <a:off x="7773024" y="3594693"/>
+            <a:ext cx="3169329" cy="369332"/>
+          </a:xfrm>
+          <a:prstGeom prst="rect">
+            <a:avLst/>
+          </a:prstGeom>
+          <a:noFill/>
+        </p:spPr>
+        <p:txBody>
+          <a:bodyPr wrap="none" rtlCol="0">
+            <a:spAutoFit/>
+          </a:bodyPr>
+          <a:lstStyle/>
+          <a:p>
+            <a:r>
+              <a:rPr lang="en-US" dirty="0"/>
+              <a:t>Super Pixel Image derv step size</a:t>
+            </a:r>
+          </a:p>
+        </p:txBody>
+      </p:sp>
+      <p:pic>
+        <p:nvPicPr>
+          <p:cNvPr id="7" name="Picture 6">
+            <a:extLst>
+              <a:ext uri="{FF2B5EF4-FFF2-40B4-BE49-F238E27FC236}">
+                <a16:creationId xmlns:a16="http://schemas.microsoft.com/office/drawing/2014/main" id="{B6C4C583-2847-5F24-17B6-94469291F9B6}"/>
+              </a:ext>
+            </a:extLst>
+          </p:cNvPr>
+          <p:cNvPicPr>
+            <a:picLocks noChangeAspect="1"/>
+          </p:cNvPicPr>
+          <p:nvPr/>
+        </p:nvPicPr>
+        <p:blipFill>
+          <a:blip r:embed="rId2"/>
+          <a:stretch>
+            <a:fillRect/>
+          </a:stretch>
+        </p:blipFill>
+        <p:spPr>
+          <a:xfrm>
+            <a:off x="8069421" y="1087819"/>
+            <a:ext cx="3169329" cy="2351103"/>
+          </a:xfrm>
+          <a:prstGeom prst="rect">
+            <a:avLst/>
+          </a:prstGeom>
+        </p:spPr>
+      </p:pic>
+      <p:pic>
+        <p:nvPicPr>
+          <p:cNvPr id="10" name="Picture 9">
+            <a:extLst>
+              <a:ext uri="{FF2B5EF4-FFF2-40B4-BE49-F238E27FC236}">
+                <a16:creationId xmlns:a16="http://schemas.microsoft.com/office/drawing/2014/main" id="{A00FBDBA-23E4-426F-F53A-A989FF3A8993}"/>
+              </a:ext>
+            </a:extLst>
+          </p:cNvPr>
+          <p:cNvPicPr>
+            <a:picLocks noChangeAspect="1"/>
+          </p:cNvPicPr>
+          <p:nvPr/>
+        </p:nvPicPr>
+        <p:blipFill>
+          <a:blip r:embed="rId3"/>
+          <a:stretch>
+            <a:fillRect/>
+          </a:stretch>
+        </p:blipFill>
+        <p:spPr>
+          <a:xfrm>
+            <a:off x="509658" y="1127115"/>
+            <a:ext cx="3737643" cy="2741351"/>
+          </a:xfrm>
+          <a:prstGeom prst="rect">
+            <a:avLst/>
+          </a:prstGeom>
+        </p:spPr>
+      </p:pic>
+      <p:pic>
+        <p:nvPicPr>
+          <p:cNvPr id="18" name="Picture 17">
+            <a:extLst>
+              <a:ext uri="{FF2B5EF4-FFF2-40B4-BE49-F238E27FC236}">
+                <a16:creationId xmlns:a16="http://schemas.microsoft.com/office/drawing/2014/main" id="{9441446A-DF9E-5B2C-8CFA-01124E7614F6}"/>
+              </a:ext>
+            </a:extLst>
+          </p:cNvPr>
+          <p:cNvPicPr>
+            <a:picLocks noChangeAspect="1"/>
+          </p:cNvPicPr>
+          <p:nvPr/>
+        </p:nvPicPr>
+        <p:blipFill>
+          <a:blip r:embed="rId4"/>
+          <a:stretch>
+            <a:fillRect/>
+          </a:stretch>
+        </p:blipFill>
+        <p:spPr>
+          <a:xfrm>
+            <a:off x="7712327" y="3927416"/>
+            <a:ext cx="3755085" cy="2774693"/>
+          </a:xfrm>
+          <a:prstGeom prst="rect">
+            <a:avLst/>
+          </a:prstGeom>
+        </p:spPr>
+      </p:pic>
+      <p:pic>
+        <p:nvPicPr>
+          <p:cNvPr id="21" name="Picture 20">
+            <a:extLst>
+              <a:ext uri="{FF2B5EF4-FFF2-40B4-BE49-F238E27FC236}">
+                <a16:creationId xmlns:a16="http://schemas.microsoft.com/office/drawing/2014/main" id="{71A30338-5175-8627-4453-3182F0E8CBCA}"/>
+              </a:ext>
+            </a:extLst>
+          </p:cNvPr>
+          <p:cNvPicPr>
+            <a:picLocks noChangeAspect="1"/>
+          </p:cNvPicPr>
+          <p:nvPr/>
+        </p:nvPicPr>
+        <p:blipFill>
+          <a:blip r:embed="rId5"/>
+          <a:stretch>
+            <a:fillRect/>
+          </a:stretch>
+        </p:blipFill>
+        <p:spPr>
+          <a:xfrm>
+            <a:off x="294150" y="4288264"/>
+            <a:ext cx="4347979" cy="2569736"/>
+          </a:xfrm>
+          <a:prstGeom prst="rect">
+            <a:avLst/>
+          </a:prstGeom>
+        </p:spPr>
+      </p:pic>
     </p:spTree>
     <p:extLst>
       <p:ext uri="{BB962C8B-B14F-4D97-AF65-F5344CB8AC3E}">
-        <p14:creationId xmlns:p14="http://schemas.microsoft.com/office/powerpoint/2010/main" val="2359189546"/>
+        <p14:creationId xmlns:p14="http://schemas.microsoft.com/office/powerpoint/2010/main" val="773319663"/>
       </p:ext>
     </p:extLst>
   </p:cSld>

--- a/Presentation/Auto Focus Network.pptx
+++ b/Presentation/Auto Focus Network.pptx
@@ -8408,6 +8408,64 @@
         </a:p>
       </dgm:t>
     </dgm:pt>
+    <dgm:pt modelId="{91FE08E5-D0B0-4A32-AD9B-5986F438BA14}">
+      <dgm:prSet phldrT="[Text]"/>
+      <dgm:spPr/>
+      <dgm:t>
+        <a:bodyPr/>
+        <a:lstStyle/>
+        <a:p>
+          <a:r>
+            <a:rPr lang="en-US" dirty="0"/>
+            <a:t>10</a:t>
+          </a:r>
+        </a:p>
+      </dgm:t>
+    </dgm:pt>
+    <dgm:pt modelId="{986E5DF1-1BE2-4A77-B4F4-CDFAA68B8352}" type="parTrans" cxnId="{9C8E5F69-5D10-4A0A-B134-B17B959A7A53}">
+      <dgm:prSet/>
+      <dgm:spPr/>
+      <dgm:t>
+        <a:bodyPr/>
+        <a:lstStyle/>
+        <a:p>
+          <a:endParaRPr lang="en-US"/>
+        </a:p>
+      </dgm:t>
+    </dgm:pt>
+    <dgm:pt modelId="{4AAFD291-9C0B-4CEF-B766-DF8494E81A43}" type="sibTrans" cxnId="{9C8E5F69-5D10-4A0A-B134-B17B959A7A53}">
+      <dgm:prSet/>
+      <dgm:spPr/>
+      <dgm:t>
+        <a:bodyPr/>
+        <a:lstStyle/>
+        <a:p>
+          <a:endParaRPr lang="en-US"/>
+        </a:p>
+      </dgm:t>
+    </dgm:pt>
+    <dgm:pt modelId="{ACEBF377-66AF-4F4E-93C6-C8C507EEADF4}">
+      <dgm:prSet phldrT="[Text]"/>
+      <dgm:spPr/>
+      <dgm:t>
+        <a:bodyPr/>
+        <a:lstStyle/>
+        <a:p>
+          <a:r>
+            <a:rPr lang="en-US" dirty="0"/>
+            <a:t>If tissue is present = 1, if tissue is absent = 0 </a:t>
+          </a:r>
+        </a:p>
+      </dgm:t>
+    </dgm:pt>
+    <dgm:pt modelId="{2E4F8C34-6D0B-473E-8F20-FB332B780822}" type="parTrans" cxnId="{F1BEF9F9-3A8B-4E85-A067-9F2631B7213F}">
+      <dgm:prSet/>
+      <dgm:spPr/>
+    </dgm:pt>
+    <dgm:pt modelId="{8665254A-79ED-4C61-BE91-A8DBE5DEB98C}" type="sibTrans" cxnId="{F1BEF9F9-3A8B-4E85-A067-9F2631B7213F}">
+      <dgm:prSet/>
+      <dgm:spPr/>
+    </dgm:pt>
     <dgm:pt modelId="{68768F37-E8AF-4175-AE5A-4F35AF491F27}" type="pres">
       <dgm:prSet presAssocID="{E3810C7A-162E-4F59-A5CC-D6E55AA7937F}" presName="Name0" presStyleCnt="0">
         <dgm:presLayoutVars>
@@ -8418,12 +8476,12 @@
       </dgm:prSet>
       <dgm:spPr/>
     </dgm:pt>
-    <dgm:pt modelId="{70EB74FD-6914-435D-88CA-4005C81CB03C}" type="pres">
-      <dgm:prSet presAssocID="{D262F73C-39B3-428F-9284-98725730645B}" presName="linNode" presStyleCnt="0"/>
-      <dgm:spPr/>
-    </dgm:pt>
-    <dgm:pt modelId="{E47B67E0-569F-4426-9055-20FCEA9BC8D2}" type="pres">
-      <dgm:prSet presAssocID="{D262F73C-39B3-428F-9284-98725730645B}" presName="parentText" presStyleLbl="node1" presStyleIdx="0" presStyleCnt="10">
+    <dgm:pt modelId="{4AD4B38E-16EB-4DE7-8482-A393A442B025}" type="pres">
+      <dgm:prSet presAssocID="{91FE08E5-D0B0-4A32-AD9B-5986F438BA14}" presName="linNode" presStyleCnt="0"/>
+      <dgm:spPr/>
+    </dgm:pt>
+    <dgm:pt modelId="{F12FCF34-9E88-4F3C-B75C-BD6AE8E40F6E}" type="pres">
+      <dgm:prSet presAssocID="{91FE08E5-D0B0-4A32-AD9B-5986F438BA14}" presName="parentText" presStyleLbl="node1" presStyleIdx="0" presStyleCnt="11">
         <dgm:presLayoutVars>
           <dgm:chMax val="1"/>
           <dgm:bulletEnabled val="1"/>
@@ -8431,24 +8489,24 @@
       </dgm:prSet>
       <dgm:spPr/>
     </dgm:pt>
-    <dgm:pt modelId="{FAABE7F5-1683-464A-B4C4-5F4236F6AD44}" type="pres">
-      <dgm:prSet presAssocID="{D262F73C-39B3-428F-9284-98725730645B}" presName="descendantText" presStyleLbl="alignAccFollowNode1" presStyleIdx="0" presStyleCnt="10">
+    <dgm:pt modelId="{252247C1-1B56-4D8C-87FB-B27098B6AD39}" type="pres">
+      <dgm:prSet presAssocID="{91FE08E5-D0B0-4A32-AD9B-5986F438BA14}" presName="descendantText" presStyleLbl="alignAccFollowNode1" presStyleIdx="0" presStyleCnt="11">
         <dgm:presLayoutVars>
           <dgm:bulletEnabled val="1"/>
         </dgm:presLayoutVars>
       </dgm:prSet>
       <dgm:spPr/>
     </dgm:pt>
-    <dgm:pt modelId="{49BD7EF0-0B4B-4D3D-B684-4AC47BFEA5BE}" type="pres">
-      <dgm:prSet presAssocID="{EB9EA278-CC09-426C-94E5-FB9705221FCB}" presName="sp" presStyleCnt="0"/>
-      <dgm:spPr/>
-    </dgm:pt>
-    <dgm:pt modelId="{4412F307-CD0B-43FF-A78B-5B7C0E0C3DEF}" type="pres">
-      <dgm:prSet presAssocID="{0EA86E49-E858-41CE-8D43-97A08FE90A37}" presName="linNode" presStyleCnt="0"/>
-      <dgm:spPr/>
-    </dgm:pt>
-    <dgm:pt modelId="{7ED2616D-3965-4CD9-BF4D-6CDCBBA52BAC}" type="pres">
-      <dgm:prSet presAssocID="{0EA86E49-E858-41CE-8D43-97A08FE90A37}" presName="parentText" presStyleLbl="node1" presStyleIdx="1" presStyleCnt="10">
+    <dgm:pt modelId="{C368BBDB-D78D-47D2-A6C1-9E56E8653D38}" type="pres">
+      <dgm:prSet presAssocID="{4AAFD291-9C0B-4CEF-B766-DF8494E81A43}" presName="sp" presStyleCnt="0"/>
+      <dgm:spPr/>
+    </dgm:pt>
+    <dgm:pt modelId="{70EB74FD-6914-435D-88CA-4005C81CB03C}" type="pres">
+      <dgm:prSet presAssocID="{D262F73C-39B3-428F-9284-98725730645B}" presName="linNode" presStyleCnt="0"/>
+      <dgm:spPr/>
+    </dgm:pt>
+    <dgm:pt modelId="{E47B67E0-569F-4426-9055-20FCEA9BC8D2}" type="pres">
+      <dgm:prSet presAssocID="{D262F73C-39B3-428F-9284-98725730645B}" presName="parentText" presStyleLbl="node1" presStyleIdx="1" presStyleCnt="11">
         <dgm:presLayoutVars>
           <dgm:chMax val="1"/>
           <dgm:bulletEnabled val="1"/>
@@ -8456,24 +8514,24 @@
       </dgm:prSet>
       <dgm:spPr/>
     </dgm:pt>
-    <dgm:pt modelId="{6AB1550E-C385-4718-AB89-FF17CF59F285}" type="pres">
-      <dgm:prSet presAssocID="{0EA86E49-E858-41CE-8D43-97A08FE90A37}" presName="descendantText" presStyleLbl="alignAccFollowNode1" presStyleIdx="1" presStyleCnt="10">
+    <dgm:pt modelId="{FAABE7F5-1683-464A-B4C4-5F4236F6AD44}" type="pres">
+      <dgm:prSet presAssocID="{D262F73C-39B3-428F-9284-98725730645B}" presName="descendantText" presStyleLbl="alignAccFollowNode1" presStyleIdx="1" presStyleCnt="11">
         <dgm:presLayoutVars>
           <dgm:bulletEnabled val="1"/>
         </dgm:presLayoutVars>
       </dgm:prSet>
       <dgm:spPr/>
     </dgm:pt>
-    <dgm:pt modelId="{3B05BAB9-95E3-473B-B981-779D1DB6C606}" type="pres">
-      <dgm:prSet presAssocID="{5B545F06-B24E-44DD-A2DF-A45B35247BB4}" presName="sp" presStyleCnt="0"/>
-      <dgm:spPr/>
-    </dgm:pt>
-    <dgm:pt modelId="{57A39BB0-8133-498C-AA28-169B693AC808}" type="pres">
-      <dgm:prSet presAssocID="{07A14C35-96C2-4FFD-ACFD-3A88BD1DA94C}" presName="linNode" presStyleCnt="0"/>
-      <dgm:spPr/>
-    </dgm:pt>
-    <dgm:pt modelId="{D50219D7-709A-4BEC-B02B-FACFFE1B4F1E}" type="pres">
-      <dgm:prSet presAssocID="{07A14C35-96C2-4FFD-ACFD-3A88BD1DA94C}" presName="parentText" presStyleLbl="node1" presStyleIdx="2" presStyleCnt="10">
+    <dgm:pt modelId="{49BD7EF0-0B4B-4D3D-B684-4AC47BFEA5BE}" type="pres">
+      <dgm:prSet presAssocID="{EB9EA278-CC09-426C-94E5-FB9705221FCB}" presName="sp" presStyleCnt="0"/>
+      <dgm:spPr/>
+    </dgm:pt>
+    <dgm:pt modelId="{4412F307-CD0B-43FF-A78B-5B7C0E0C3DEF}" type="pres">
+      <dgm:prSet presAssocID="{0EA86E49-E858-41CE-8D43-97A08FE90A37}" presName="linNode" presStyleCnt="0"/>
+      <dgm:spPr/>
+    </dgm:pt>
+    <dgm:pt modelId="{7ED2616D-3965-4CD9-BF4D-6CDCBBA52BAC}" type="pres">
+      <dgm:prSet presAssocID="{0EA86E49-E858-41CE-8D43-97A08FE90A37}" presName="parentText" presStyleLbl="node1" presStyleIdx="2" presStyleCnt="11">
         <dgm:presLayoutVars>
           <dgm:chMax val="1"/>
           <dgm:bulletEnabled val="1"/>
@@ -8481,24 +8539,24 @@
       </dgm:prSet>
       <dgm:spPr/>
     </dgm:pt>
-    <dgm:pt modelId="{3BEDDF74-E637-43B3-8A8B-DFFFE1BF03F8}" type="pres">
-      <dgm:prSet presAssocID="{07A14C35-96C2-4FFD-ACFD-3A88BD1DA94C}" presName="descendantText" presStyleLbl="alignAccFollowNode1" presStyleIdx="2" presStyleCnt="10">
+    <dgm:pt modelId="{6AB1550E-C385-4718-AB89-FF17CF59F285}" type="pres">
+      <dgm:prSet presAssocID="{0EA86E49-E858-41CE-8D43-97A08FE90A37}" presName="descendantText" presStyleLbl="alignAccFollowNode1" presStyleIdx="2" presStyleCnt="11">
         <dgm:presLayoutVars>
           <dgm:bulletEnabled val="1"/>
         </dgm:presLayoutVars>
       </dgm:prSet>
       <dgm:spPr/>
     </dgm:pt>
-    <dgm:pt modelId="{E1975D3A-0C31-4F0A-A630-B9D9AEDDBB97}" type="pres">
-      <dgm:prSet presAssocID="{00678DCC-CDB3-4E02-A74E-299767509B2C}" presName="sp" presStyleCnt="0"/>
-      <dgm:spPr/>
-    </dgm:pt>
-    <dgm:pt modelId="{8B61C97A-211F-43CC-858B-F4955626F216}" type="pres">
-      <dgm:prSet presAssocID="{1AD8BBF2-5518-453B-A550-3E7FA8C485B6}" presName="linNode" presStyleCnt="0"/>
-      <dgm:spPr/>
-    </dgm:pt>
-    <dgm:pt modelId="{0AE97034-2EEA-4546-B6E1-4FED6E26618F}" type="pres">
-      <dgm:prSet presAssocID="{1AD8BBF2-5518-453B-A550-3E7FA8C485B6}" presName="parentText" presStyleLbl="node1" presStyleIdx="3" presStyleCnt="10">
+    <dgm:pt modelId="{3B05BAB9-95E3-473B-B981-779D1DB6C606}" type="pres">
+      <dgm:prSet presAssocID="{5B545F06-B24E-44DD-A2DF-A45B35247BB4}" presName="sp" presStyleCnt="0"/>
+      <dgm:spPr/>
+    </dgm:pt>
+    <dgm:pt modelId="{57A39BB0-8133-498C-AA28-169B693AC808}" type="pres">
+      <dgm:prSet presAssocID="{07A14C35-96C2-4FFD-ACFD-3A88BD1DA94C}" presName="linNode" presStyleCnt="0"/>
+      <dgm:spPr/>
+    </dgm:pt>
+    <dgm:pt modelId="{D50219D7-709A-4BEC-B02B-FACFFE1B4F1E}" type="pres">
+      <dgm:prSet presAssocID="{07A14C35-96C2-4FFD-ACFD-3A88BD1DA94C}" presName="parentText" presStyleLbl="node1" presStyleIdx="3" presStyleCnt="11">
         <dgm:presLayoutVars>
           <dgm:chMax val="1"/>
           <dgm:bulletEnabled val="1"/>
@@ -8506,24 +8564,24 @@
       </dgm:prSet>
       <dgm:spPr/>
     </dgm:pt>
-    <dgm:pt modelId="{8D19A966-B752-413D-884D-47C9FC61B37F}" type="pres">
-      <dgm:prSet presAssocID="{1AD8BBF2-5518-453B-A550-3E7FA8C485B6}" presName="descendantText" presStyleLbl="alignAccFollowNode1" presStyleIdx="3" presStyleCnt="10">
+    <dgm:pt modelId="{3BEDDF74-E637-43B3-8A8B-DFFFE1BF03F8}" type="pres">
+      <dgm:prSet presAssocID="{07A14C35-96C2-4FFD-ACFD-3A88BD1DA94C}" presName="descendantText" presStyleLbl="alignAccFollowNode1" presStyleIdx="3" presStyleCnt="11">
         <dgm:presLayoutVars>
           <dgm:bulletEnabled val="1"/>
         </dgm:presLayoutVars>
       </dgm:prSet>
       <dgm:spPr/>
     </dgm:pt>
-    <dgm:pt modelId="{05D627BE-D8E1-4913-B69F-10D01221A230}" type="pres">
-      <dgm:prSet presAssocID="{8B4762E4-E3A1-4FDF-A8CC-E606ECE0D740}" presName="sp" presStyleCnt="0"/>
-      <dgm:spPr/>
-    </dgm:pt>
-    <dgm:pt modelId="{7659B1DD-86C0-43F6-8756-E9AFE76A6532}" type="pres">
-      <dgm:prSet presAssocID="{6687B58C-7FED-4E13-8181-3B695C44E832}" presName="linNode" presStyleCnt="0"/>
-      <dgm:spPr/>
-    </dgm:pt>
-    <dgm:pt modelId="{420DC76F-67CB-4E7F-B46E-2E6148ED358C}" type="pres">
-      <dgm:prSet presAssocID="{6687B58C-7FED-4E13-8181-3B695C44E832}" presName="parentText" presStyleLbl="node1" presStyleIdx="4" presStyleCnt="10">
+    <dgm:pt modelId="{E1975D3A-0C31-4F0A-A630-B9D9AEDDBB97}" type="pres">
+      <dgm:prSet presAssocID="{00678DCC-CDB3-4E02-A74E-299767509B2C}" presName="sp" presStyleCnt="0"/>
+      <dgm:spPr/>
+    </dgm:pt>
+    <dgm:pt modelId="{8B61C97A-211F-43CC-858B-F4955626F216}" type="pres">
+      <dgm:prSet presAssocID="{1AD8BBF2-5518-453B-A550-3E7FA8C485B6}" presName="linNode" presStyleCnt="0"/>
+      <dgm:spPr/>
+    </dgm:pt>
+    <dgm:pt modelId="{0AE97034-2EEA-4546-B6E1-4FED6E26618F}" type="pres">
+      <dgm:prSet presAssocID="{1AD8BBF2-5518-453B-A550-3E7FA8C485B6}" presName="parentText" presStyleLbl="node1" presStyleIdx="4" presStyleCnt="11">
         <dgm:presLayoutVars>
           <dgm:chMax val="1"/>
           <dgm:bulletEnabled val="1"/>
@@ -8531,24 +8589,24 @@
       </dgm:prSet>
       <dgm:spPr/>
     </dgm:pt>
-    <dgm:pt modelId="{6CDEE012-C9C5-4A17-838B-A6C32B86F9FD}" type="pres">
-      <dgm:prSet presAssocID="{6687B58C-7FED-4E13-8181-3B695C44E832}" presName="descendantText" presStyleLbl="alignAccFollowNode1" presStyleIdx="4" presStyleCnt="10">
+    <dgm:pt modelId="{8D19A966-B752-413D-884D-47C9FC61B37F}" type="pres">
+      <dgm:prSet presAssocID="{1AD8BBF2-5518-453B-A550-3E7FA8C485B6}" presName="descendantText" presStyleLbl="alignAccFollowNode1" presStyleIdx="4" presStyleCnt="11">
         <dgm:presLayoutVars>
           <dgm:bulletEnabled val="1"/>
         </dgm:presLayoutVars>
       </dgm:prSet>
       <dgm:spPr/>
     </dgm:pt>
-    <dgm:pt modelId="{33B6A121-0C7D-4E4B-A4EE-AC006BC16A93}" type="pres">
-      <dgm:prSet presAssocID="{D8FA8046-662C-43DC-A603-FDE066D76FE0}" presName="sp" presStyleCnt="0"/>
-      <dgm:spPr/>
-    </dgm:pt>
-    <dgm:pt modelId="{F006D19A-3104-4C63-A9DA-B9E49927076D}" type="pres">
-      <dgm:prSet presAssocID="{983C3A0F-4CC3-4C0C-BF60-57DF46D0D91F}" presName="linNode" presStyleCnt="0"/>
-      <dgm:spPr/>
-    </dgm:pt>
-    <dgm:pt modelId="{37DDD804-7468-4745-86EB-0ADFEB1882A6}" type="pres">
-      <dgm:prSet presAssocID="{983C3A0F-4CC3-4C0C-BF60-57DF46D0D91F}" presName="parentText" presStyleLbl="node1" presStyleIdx="5" presStyleCnt="10">
+    <dgm:pt modelId="{05D627BE-D8E1-4913-B69F-10D01221A230}" type="pres">
+      <dgm:prSet presAssocID="{8B4762E4-E3A1-4FDF-A8CC-E606ECE0D740}" presName="sp" presStyleCnt="0"/>
+      <dgm:spPr/>
+    </dgm:pt>
+    <dgm:pt modelId="{7659B1DD-86C0-43F6-8756-E9AFE76A6532}" type="pres">
+      <dgm:prSet presAssocID="{6687B58C-7FED-4E13-8181-3B695C44E832}" presName="linNode" presStyleCnt="0"/>
+      <dgm:spPr/>
+    </dgm:pt>
+    <dgm:pt modelId="{420DC76F-67CB-4E7F-B46E-2E6148ED358C}" type="pres">
+      <dgm:prSet presAssocID="{6687B58C-7FED-4E13-8181-3B695C44E832}" presName="parentText" presStyleLbl="node1" presStyleIdx="5" presStyleCnt="11">
         <dgm:presLayoutVars>
           <dgm:chMax val="1"/>
           <dgm:bulletEnabled val="1"/>
@@ -8556,24 +8614,24 @@
       </dgm:prSet>
       <dgm:spPr/>
     </dgm:pt>
-    <dgm:pt modelId="{11A37157-747C-4EF9-86E3-7060FDB3EDCF}" type="pres">
-      <dgm:prSet presAssocID="{983C3A0F-4CC3-4C0C-BF60-57DF46D0D91F}" presName="descendantText" presStyleLbl="alignAccFollowNode1" presStyleIdx="5" presStyleCnt="10">
+    <dgm:pt modelId="{6CDEE012-C9C5-4A17-838B-A6C32B86F9FD}" type="pres">
+      <dgm:prSet presAssocID="{6687B58C-7FED-4E13-8181-3B695C44E832}" presName="descendantText" presStyleLbl="alignAccFollowNode1" presStyleIdx="5" presStyleCnt="11">
         <dgm:presLayoutVars>
           <dgm:bulletEnabled val="1"/>
         </dgm:presLayoutVars>
       </dgm:prSet>
       <dgm:spPr/>
     </dgm:pt>
-    <dgm:pt modelId="{11B91D39-325A-47B8-85EA-460A59624191}" type="pres">
-      <dgm:prSet presAssocID="{526F4B0F-6DD3-49A2-BE66-A78CA05C246E}" presName="sp" presStyleCnt="0"/>
-      <dgm:spPr/>
-    </dgm:pt>
-    <dgm:pt modelId="{371D014F-7818-4FED-AD98-CDAB06350D8B}" type="pres">
-      <dgm:prSet presAssocID="{8E9A8F67-21C2-4DC7-93DE-83AB68EF939C}" presName="linNode" presStyleCnt="0"/>
-      <dgm:spPr/>
-    </dgm:pt>
-    <dgm:pt modelId="{15B1535D-7A2F-4187-BF40-F7B12325C164}" type="pres">
-      <dgm:prSet presAssocID="{8E9A8F67-21C2-4DC7-93DE-83AB68EF939C}" presName="parentText" presStyleLbl="node1" presStyleIdx="6" presStyleCnt="10">
+    <dgm:pt modelId="{33B6A121-0C7D-4E4B-A4EE-AC006BC16A93}" type="pres">
+      <dgm:prSet presAssocID="{D8FA8046-662C-43DC-A603-FDE066D76FE0}" presName="sp" presStyleCnt="0"/>
+      <dgm:spPr/>
+    </dgm:pt>
+    <dgm:pt modelId="{F006D19A-3104-4C63-A9DA-B9E49927076D}" type="pres">
+      <dgm:prSet presAssocID="{983C3A0F-4CC3-4C0C-BF60-57DF46D0D91F}" presName="linNode" presStyleCnt="0"/>
+      <dgm:spPr/>
+    </dgm:pt>
+    <dgm:pt modelId="{37DDD804-7468-4745-86EB-0ADFEB1882A6}" type="pres">
+      <dgm:prSet presAssocID="{983C3A0F-4CC3-4C0C-BF60-57DF46D0D91F}" presName="parentText" presStyleLbl="node1" presStyleIdx="6" presStyleCnt="11">
         <dgm:presLayoutVars>
           <dgm:chMax val="1"/>
           <dgm:bulletEnabled val="1"/>
@@ -8581,24 +8639,24 @@
       </dgm:prSet>
       <dgm:spPr/>
     </dgm:pt>
-    <dgm:pt modelId="{70E40ED8-44BE-430D-B675-928F3AAF69F6}" type="pres">
-      <dgm:prSet presAssocID="{8E9A8F67-21C2-4DC7-93DE-83AB68EF939C}" presName="descendantText" presStyleLbl="alignAccFollowNode1" presStyleIdx="6" presStyleCnt="10">
+    <dgm:pt modelId="{11A37157-747C-4EF9-86E3-7060FDB3EDCF}" type="pres">
+      <dgm:prSet presAssocID="{983C3A0F-4CC3-4C0C-BF60-57DF46D0D91F}" presName="descendantText" presStyleLbl="alignAccFollowNode1" presStyleIdx="6" presStyleCnt="11">
         <dgm:presLayoutVars>
           <dgm:bulletEnabled val="1"/>
         </dgm:presLayoutVars>
       </dgm:prSet>
       <dgm:spPr/>
     </dgm:pt>
-    <dgm:pt modelId="{B91562B5-AAC5-49AA-AE45-896A131D0023}" type="pres">
-      <dgm:prSet presAssocID="{14F26015-A95D-4C6C-BAF7-62AEBFC532F7}" presName="sp" presStyleCnt="0"/>
-      <dgm:spPr/>
-    </dgm:pt>
-    <dgm:pt modelId="{DC6BB8BD-8D2C-4B08-92FA-62CB87045263}" type="pres">
-      <dgm:prSet presAssocID="{0420C3E2-AC1A-45FF-9EF7-4296E4BF5D3C}" presName="linNode" presStyleCnt="0"/>
-      <dgm:spPr/>
-    </dgm:pt>
-    <dgm:pt modelId="{1DD2327A-0023-43BD-AE1D-76839AC91220}" type="pres">
-      <dgm:prSet presAssocID="{0420C3E2-AC1A-45FF-9EF7-4296E4BF5D3C}" presName="parentText" presStyleLbl="node1" presStyleIdx="7" presStyleCnt="10">
+    <dgm:pt modelId="{11B91D39-325A-47B8-85EA-460A59624191}" type="pres">
+      <dgm:prSet presAssocID="{526F4B0F-6DD3-49A2-BE66-A78CA05C246E}" presName="sp" presStyleCnt="0"/>
+      <dgm:spPr/>
+    </dgm:pt>
+    <dgm:pt modelId="{371D014F-7818-4FED-AD98-CDAB06350D8B}" type="pres">
+      <dgm:prSet presAssocID="{8E9A8F67-21C2-4DC7-93DE-83AB68EF939C}" presName="linNode" presStyleCnt="0"/>
+      <dgm:spPr/>
+    </dgm:pt>
+    <dgm:pt modelId="{15B1535D-7A2F-4187-BF40-F7B12325C164}" type="pres">
+      <dgm:prSet presAssocID="{8E9A8F67-21C2-4DC7-93DE-83AB68EF939C}" presName="parentText" presStyleLbl="node1" presStyleIdx="7" presStyleCnt="11">
         <dgm:presLayoutVars>
           <dgm:chMax val="1"/>
           <dgm:bulletEnabled val="1"/>
@@ -8606,24 +8664,24 @@
       </dgm:prSet>
       <dgm:spPr/>
     </dgm:pt>
-    <dgm:pt modelId="{A66FD841-E172-4F54-A46D-4FEB62724531}" type="pres">
-      <dgm:prSet presAssocID="{0420C3E2-AC1A-45FF-9EF7-4296E4BF5D3C}" presName="descendantText" presStyleLbl="alignAccFollowNode1" presStyleIdx="7" presStyleCnt="10">
+    <dgm:pt modelId="{70E40ED8-44BE-430D-B675-928F3AAF69F6}" type="pres">
+      <dgm:prSet presAssocID="{8E9A8F67-21C2-4DC7-93DE-83AB68EF939C}" presName="descendantText" presStyleLbl="alignAccFollowNode1" presStyleIdx="7" presStyleCnt="11">
         <dgm:presLayoutVars>
           <dgm:bulletEnabled val="1"/>
         </dgm:presLayoutVars>
       </dgm:prSet>
       <dgm:spPr/>
     </dgm:pt>
-    <dgm:pt modelId="{295A0221-CC3F-49AC-BF83-475100CFBFE3}" type="pres">
-      <dgm:prSet presAssocID="{1EA20CFF-E163-4B52-AA53-EE0B5E963D3E}" presName="sp" presStyleCnt="0"/>
-      <dgm:spPr/>
-    </dgm:pt>
-    <dgm:pt modelId="{FB7A206E-7E3B-462F-AC23-30C2571DB0C3}" type="pres">
-      <dgm:prSet presAssocID="{966F4DBE-18B7-4C9E-B571-3C26A7DFEE84}" presName="linNode" presStyleCnt="0"/>
-      <dgm:spPr/>
-    </dgm:pt>
-    <dgm:pt modelId="{34510324-D802-4FC9-9901-97AFD6953F67}" type="pres">
-      <dgm:prSet presAssocID="{966F4DBE-18B7-4C9E-B571-3C26A7DFEE84}" presName="parentText" presStyleLbl="node1" presStyleIdx="8" presStyleCnt="10">
+    <dgm:pt modelId="{B91562B5-AAC5-49AA-AE45-896A131D0023}" type="pres">
+      <dgm:prSet presAssocID="{14F26015-A95D-4C6C-BAF7-62AEBFC532F7}" presName="sp" presStyleCnt="0"/>
+      <dgm:spPr/>
+    </dgm:pt>
+    <dgm:pt modelId="{DC6BB8BD-8D2C-4B08-92FA-62CB87045263}" type="pres">
+      <dgm:prSet presAssocID="{0420C3E2-AC1A-45FF-9EF7-4296E4BF5D3C}" presName="linNode" presStyleCnt="0"/>
+      <dgm:spPr/>
+    </dgm:pt>
+    <dgm:pt modelId="{1DD2327A-0023-43BD-AE1D-76839AC91220}" type="pres">
+      <dgm:prSet presAssocID="{0420C3E2-AC1A-45FF-9EF7-4296E4BF5D3C}" presName="parentText" presStyleLbl="node1" presStyleIdx="8" presStyleCnt="11">
         <dgm:presLayoutVars>
           <dgm:chMax val="1"/>
           <dgm:bulletEnabled val="1"/>
@@ -8631,24 +8689,24 @@
       </dgm:prSet>
       <dgm:spPr/>
     </dgm:pt>
-    <dgm:pt modelId="{584C82D3-8114-4ECC-ACD2-0C383433147E}" type="pres">
-      <dgm:prSet presAssocID="{966F4DBE-18B7-4C9E-B571-3C26A7DFEE84}" presName="descendantText" presStyleLbl="alignAccFollowNode1" presStyleIdx="8" presStyleCnt="10">
+    <dgm:pt modelId="{A66FD841-E172-4F54-A46D-4FEB62724531}" type="pres">
+      <dgm:prSet presAssocID="{0420C3E2-AC1A-45FF-9EF7-4296E4BF5D3C}" presName="descendantText" presStyleLbl="alignAccFollowNode1" presStyleIdx="8" presStyleCnt="11">
         <dgm:presLayoutVars>
           <dgm:bulletEnabled val="1"/>
         </dgm:presLayoutVars>
       </dgm:prSet>
       <dgm:spPr/>
     </dgm:pt>
-    <dgm:pt modelId="{44C143E0-6F71-4274-9076-D8124C48095E}" type="pres">
-      <dgm:prSet presAssocID="{4C7B4F99-2B19-46BD-A4A9-4DE2A244C0F0}" presName="sp" presStyleCnt="0"/>
-      <dgm:spPr/>
-    </dgm:pt>
-    <dgm:pt modelId="{64E37F42-7A59-4440-8534-1517B5C1CBBA}" type="pres">
-      <dgm:prSet presAssocID="{185F8216-23A1-4FB2-B349-994231C46ED1}" presName="linNode" presStyleCnt="0"/>
-      <dgm:spPr/>
-    </dgm:pt>
-    <dgm:pt modelId="{6A499025-F9DF-477C-8373-2FD3C48E42CD}" type="pres">
-      <dgm:prSet presAssocID="{185F8216-23A1-4FB2-B349-994231C46ED1}" presName="parentText" presStyleLbl="node1" presStyleIdx="9" presStyleCnt="10">
+    <dgm:pt modelId="{295A0221-CC3F-49AC-BF83-475100CFBFE3}" type="pres">
+      <dgm:prSet presAssocID="{1EA20CFF-E163-4B52-AA53-EE0B5E963D3E}" presName="sp" presStyleCnt="0"/>
+      <dgm:spPr/>
+    </dgm:pt>
+    <dgm:pt modelId="{FB7A206E-7E3B-462F-AC23-30C2571DB0C3}" type="pres">
+      <dgm:prSet presAssocID="{966F4DBE-18B7-4C9E-B571-3C26A7DFEE84}" presName="linNode" presStyleCnt="0"/>
+      <dgm:spPr/>
+    </dgm:pt>
+    <dgm:pt modelId="{34510324-D802-4FC9-9901-97AFD6953F67}" type="pres">
+      <dgm:prSet presAssocID="{966F4DBE-18B7-4C9E-B571-3C26A7DFEE84}" presName="parentText" presStyleLbl="node1" presStyleIdx="9" presStyleCnt="11">
         <dgm:presLayoutVars>
           <dgm:chMax val="1"/>
           <dgm:bulletEnabled val="1"/>
@@ -8656,34 +8714,61 @@
       </dgm:prSet>
       <dgm:spPr/>
     </dgm:pt>
-    <dgm:pt modelId="{A16281FF-B68A-4B29-9589-85A8639DAE3B}" type="pres">
-      <dgm:prSet presAssocID="{185F8216-23A1-4FB2-B349-994231C46ED1}" presName="descendantText" presStyleLbl="alignAccFollowNode1" presStyleIdx="9" presStyleCnt="10">
+    <dgm:pt modelId="{584C82D3-8114-4ECC-ACD2-0C383433147E}" type="pres">
+      <dgm:prSet presAssocID="{966F4DBE-18B7-4C9E-B571-3C26A7DFEE84}" presName="descendantText" presStyleLbl="alignAccFollowNode1" presStyleIdx="9" presStyleCnt="11">
         <dgm:presLayoutVars>
           <dgm:bulletEnabled val="1"/>
         </dgm:presLayoutVars>
       </dgm:prSet>
       <dgm:spPr/>
     </dgm:pt>
+    <dgm:pt modelId="{44C143E0-6F71-4274-9076-D8124C48095E}" type="pres">
+      <dgm:prSet presAssocID="{4C7B4F99-2B19-46BD-A4A9-4DE2A244C0F0}" presName="sp" presStyleCnt="0"/>
+      <dgm:spPr/>
+    </dgm:pt>
+    <dgm:pt modelId="{64E37F42-7A59-4440-8534-1517B5C1CBBA}" type="pres">
+      <dgm:prSet presAssocID="{185F8216-23A1-4FB2-B349-994231C46ED1}" presName="linNode" presStyleCnt="0"/>
+      <dgm:spPr/>
+    </dgm:pt>
+    <dgm:pt modelId="{6A499025-F9DF-477C-8373-2FD3C48E42CD}" type="pres">
+      <dgm:prSet presAssocID="{185F8216-23A1-4FB2-B349-994231C46ED1}" presName="parentText" presStyleLbl="node1" presStyleIdx="10" presStyleCnt="11">
+        <dgm:presLayoutVars>
+          <dgm:chMax val="1"/>
+          <dgm:bulletEnabled val="1"/>
+        </dgm:presLayoutVars>
+      </dgm:prSet>
+      <dgm:spPr/>
+    </dgm:pt>
+    <dgm:pt modelId="{A16281FF-B68A-4B29-9589-85A8639DAE3B}" type="pres">
+      <dgm:prSet presAssocID="{185F8216-23A1-4FB2-B349-994231C46ED1}" presName="descendantText" presStyleLbl="alignAccFollowNode1" presStyleIdx="10" presStyleCnt="11">
+        <dgm:presLayoutVars>
+          <dgm:bulletEnabled val="1"/>
+        </dgm:presLayoutVars>
+      </dgm:prSet>
+      <dgm:spPr/>
+    </dgm:pt>
   </dgm:ptLst>
   <dgm:cxnLst>
     <dgm:cxn modelId="{0ECD2F01-5E2A-4529-A8A7-3C63957120CC}" srcId="{07A14C35-96C2-4FFD-ACFD-3A88BD1DA94C}" destId="{E7F86EF7-6DB4-4C76-8ED2-2F26C7863E76}" srcOrd="0" destOrd="0" parTransId="{E4FFDEF2-813A-4E1A-9414-BE82A938685A}" sibTransId="{DED5094A-6258-40B0-83C1-AA2084EA6132}"/>
     <dgm:cxn modelId="{592DED06-A3ED-4401-9262-A47D9A9EE3BA}" srcId="{0420C3E2-AC1A-45FF-9EF7-4296E4BF5D3C}" destId="{82E0C83C-052B-4AC6-A9A9-2C20F67A5624}" srcOrd="0" destOrd="0" parTransId="{EC1A0C41-07BE-4A6E-A4E7-0D943109EEB0}" sibTransId="{593E7D2A-7550-4C6B-B7FD-413BE61BFDA6}"/>
-    <dgm:cxn modelId="{4AD9C709-23A1-4056-A9AE-A1DC860C3E64}" srcId="{E3810C7A-162E-4F59-A5CC-D6E55AA7937F}" destId="{07A14C35-96C2-4FFD-ACFD-3A88BD1DA94C}" srcOrd="2" destOrd="0" parTransId="{DEDA2874-FC48-4B8D-9607-6E36EE4EDC7A}" sibTransId="{00678DCC-CDB3-4E02-A74E-299767509B2C}"/>
-    <dgm:cxn modelId="{C026EE0F-3EC0-44CE-A6B3-1EE86F54462E}" srcId="{E3810C7A-162E-4F59-A5CC-D6E55AA7937F}" destId="{1AD8BBF2-5518-453B-A550-3E7FA8C485B6}" srcOrd="3" destOrd="0" parTransId="{DDA9ED82-BF45-47F6-A1E3-825A433700A7}" sibTransId="{8B4762E4-E3A1-4FDF-A8CC-E606ECE0D740}"/>
+    <dgm:cxn modelId="{4AD9C709-23A1-4056-A9AE-A1DC860C3E64}" srcId="{E3810C7A-162E-4F59-A5CC-D6E55AA7937F}" destId="{07A14C35-96C2-4FFD-ACFD-3A88BD1DA94C}" srcOrd="3" destOrd="0" parTransId="{DEDA2874-FC48-4B8D-9607-6E36EE4EDC7A}" sibTransId="{00678DCC-CDB3-4E02-A74E-299767509B2C}"/>
+    <dgm:cxn modelId="{C026EE0F-3EC0-44CE-A6B3-1EE86F54462E}" srcId="{E3810C7A-162E-4F59-A5CC-D6E55AA7937F}" destId="{1AD8BBF2-5518-453B-A550-3E7FA8C485B6}" srcOrd="4" destOrd="0" parTransId="{DDA9ED82-BF45-47F6-A1E3-825A433700A7}" sibTransId="{8B4762E4-E3A1-4FDF-A8CC-E606ECE0D740}"/>
     <dgm:cxn modelId="{7C0AD219-1D96-4D04-8386-D509793E5A3E}" srcId="{966F4DBE-18B7-4C9E-B571-3C26A7DFEE84}" destId="{CEFDD106-F9FC-402E-BFDF-39E622689F49}" srcOrd="0" destOrd="0" parTransId="{91FF41B1-5657-4469-9352-2A29EC71074D}" sibTransId="{EFC80601-5E3D-45F4-9EB4-4C20FBB6B675}"/>
     <dgm:cxn modelId="{385E1921-1672-461F-B631-BB20CC5B6A1F}" type="presOf" srcId="{6687B58C-7FED-4E13-8181-3B695C44E832}" destId="{420DC76F-67CB-4E7F-B46E-2E6148ED358C}" srcOrd="0" destOrd="0" presId="urn:microsoft.com/office/officeart/2005/8/layout/vList5"/>
     <dgm:cxn modelId="{4166802A-65A2-4546-97F1-D1FDBC5B7E04}" srcId="{8E9A8F67-21C2-4DC7-93DE-83AB68EF939C}" destId="{A9EBFBFA-0405-4B1A-854B-6E9ACE1EC301}" srcOrd="0" destOrd="0" parTransId="{BFEA87ED-BF5B-4D67-B0F9-8B8381D3DCA1}" sibTransId="{151E4389-BB48-46E8-BD41-CB767C89C276}"/>
     <dgm:cxn modelId="{F142FE34-0F5C-425C-9E27-498BA21B6713}" type="presOf" srcId="{AEC05D31-F8A6-485B-A3C9-EA86D589F88C}" destId="{11A37157-747C-4EF9-86E3-7060FDB3EDCF}" srcOrd="0" destOrd="0" presId="urn:microsoft.com/office/officeart/2005/8/layout/vList5"/>
+    <dgm:cxn modelId="{B0E48A40-292A-445B-B545-23AD0BB708A7}" type="presOf" srcId="{91FE08E5-D0B0-4A32-AD9B-5986F438BA14}" destId="{F12FCF34-9E88-4F3C-B75C-BD6AE8E40F6E}" srcOrd="0" destOrd="0" presId="urn:microsoft.com/office/officeart/2005/8/layout/vList5"/>
     <dgm:cxn modelId="{CF12B55C-3214-42F6-B8B4-6A255DF55B78}" srcId="{983C3A0F-4CC3-4C0C-BF60-57DF46D0D91F}" destId="{AEC05D31-F8A6-485B-A3C9-EA86D589F88C}" srcOrd="0" destOrd="0" parTransId="{C169B256-4B63-4601-829E-9F3FD5F78113}" sibTransId="{31F340C9-8A89-4781-A88E-BCBD035E26DB}"/>
-    <dgm:cxn modelId="{EC904C43-393B-426F-9551-5F52BC142F96}" srcId="{E3810C7A-162E-4F59-A5CC-D6E55AA7937F}" destId="{8E9A8F67-21C2-4DC7-93DE-83AB68EF939C}" srcOrd="6" destOrd="0" parTransId="{30174DA7-30F0-4FB8-9215-9FC2AB95A66D}" sibTransId="{14F26015-A95D-4C6C-BAF7-62AEBFC532F7}"/>
+    <dgm:cxn modelId="{EC904C43-393B-426F-9551-5F52BC142F96}" srcId="{E3810C7A-162E-4F59-A5CC-D6E55AA7937F}" destId="{8E9A8F67-21C2-4DC7-93DE-83AB68EF939C}" srcOrd="7" destOrd="0" parTransId="{30174DA7-30F0-4FB8-9215-9FC2AB95A66D}" sibTransId="{14F26015-A95D-4C6C-BAF7-62AEBFC532F7}"/>
     <dgm:cxn modelId="{69E64C44-F904-49CF-9045-87758088D773}" type="presOf" srcId="{BC3AF494-F305-4FD5-B04B-EF9F61936E59}" destId="{8D19A966-B752-413D-884D-47C9FC61B37F}" srcOrd="0" destOrd="0" presId="urn:microsoft.com/office/officeart/2005/8/layout/vList5"/>
     <dgm:cxn modelId="{49E90F68-1223-47BD-B579-9B86B0F4DAE8}" type="presOf" srcId="{A9EBFBFA-0405-4B1A-854B-6E9ACE1EC301}" destId="{70E40ED8-44BE-430D-B675-928F3AAF69F6}" srcOrd="0" destOrd="0" presId="urn:microsoft.com/office/officeart/2005/8/layout/vList5"/>
+    <dgm:cxn modelId="{9C8E5F69-5D10-4A0A-B134-B17B959A7A53}" srcId="{E3810C7A-162E-4F59-A5CC-D6E55AA7937F}" destId="{91FE08E5-D0B0-4A32-AD9B-5986F438BA14}" srcOrd="0" destOrd="0" parTransId="{986E5DF1-1BE2-4A77-B4F4-CDFAA68B8352}" sibTransId="{4AAFD291-9C0B-4CEF-B766-DF8494E81A43}"/>
     <dgm:cxn modelId="{D869B949-D1C6-41B1-9D87-E0C4D7AFF3F9}" type="presOf" srcId="{185F8216-23A1-4FB2-B349-994231C46ED1}" destId="{6A499025-F9DF-477C-8373-2FD3C48E42CD}" srcOrd="0" destOrd="0" presId="urn:microsoft.com/office/officeart/2005/8/layout/vList5"/>
-    <dgm:cxn modelId="{703C686B-2862-4EF4-BF96-3997F381B24D}" srcId="{E3810C7A-162E-4F59-A5CC-D6E55AA7937F}" destId="{6687B58C-7FED-4E13-8181-3B695C44E832}" srcOrd="4" destOrd="0" parTransId="{777FF716-64E6-4784-8146-C9F4CCA8EB7D}" sibTransId="{D8FA8046-662C-43DC-A603-FDE066D76FE0}"/>
-    <dgm:cxn modelId="{B3AB346F-EC55-4408-8874-734C5D92366B}" srcId="{E3810C7A-162E-4F59-A5CC-D6E55AA7937F}" destId="{0420C3E2-AC1A-45FF-9EF7-4296E4BF5D3C}" srcOrd="7" destOrd="0" parTransId="{88A733A7-C4C2-400F-938A-3F26045ACE9B}" sibTransId="{1EA20CFF-E163-4B52-AA53-EE0B5E963D3E}"/>
+    <dgm:cxn modelId="{703C686B-2862-4EF4-BF96-3997F381B24D}" srcId="{E3810C7A-162E-4F59-A5CC-D6E55AA7937F}" destId="{6687B58C-7FED-4E13-8181-3B695C44E832}" srcOrd="5" destOrd="0" parTransId="{777FF716-64E6-4784-8146-C9F4CCA8EB7D}" sibTransId="{D8FA8046-662C-43DC-A603-FDE066D76FE0}"/>
+    <dgm:cxn modelId="{B3AB346F-EC55-4408-8874-734C5D92366B}" srcId="{E3810C7A-162E-4F59-A5CC-D6E55AA7937F}" destId="{0420C3E2-AC1A-45FF-9EF7-4296E4BF5D3C}" srcOrd="8" destOrd="0" parTransId="{88A733A7-C4C2-400F-938A-3F26045ACE9B}" sibTransId="{1EA20CFF-E163-4B52-AA53-EE0B5E963D3E}"/>
     <dgm:cxn modelId="{B8D36E50-4789-4E0B-BC10-D584B053D0F6}" srcId="{0EA86E49-E858-41CE-8D43-97A08FE90A37}" destId="{3BF2C142-4F28-4E87-9081-45691229DFC9}" srcOrd="0" destOrd="0" parTransId="{183E724E-C25B-4E96-BB5F-465D28592BD9}" sibTransId="{0139B7EC-1C99-48D0-B6AA-D9CC66A3E6AD}"/>
-    <dgm:cxn modelId="{5AFA6472-2AB6-4E16-840D-EA52D5F57D3A}" srcId="{E3810C7A-162E-4F59-A5CC-D6E55AA7937F}" destId="{0EA86E49-E858-41CE-8D43-97A08FE90A37}" srcOrd="1" destOrd="0" parTransId="{6FB4378A-EEC9-461D-B415-84AD0E9053CE}" sibTransId="{5B545F06-B24E-44DD-A2DF-A45B35247BB4}"/>
-    <dgm:cxn modelId="{E6DF4253-D9EE-43EB-B6FB-A8D97546088E}" srcId="{E3810C7A-162E-4F59-A5CC-D6E55AA7937F}" destId="{966F4DBE-18B7-4C9E-B571-3C26A7DFEE84}" srcOrd="8" destOrd="0" parTransId="{7A4F4309-1991-4F78-A164-910218B0DB35}" sibTransId="{4C7B4F99-2B19-46BD-A4A9-4DE2A244C0F0}"/>
+    <dgm:cxn modelId="{5AFA6472-2AB6-4E16-840D-EA52D5F57D3A}" srcId="{E3810C7A-162E-4F59-A5CC-D6E55AA7937F}" destId="{0EA86E49-E858-41CE-8D43-97A08FE90A37}" srcOrd="2" destOrd="0" parTransId="{6FB4378A-EEC9-461D-B415-84AD0E9053CE}" sibTransId="{5B545F06-B24E-44DD-A2DF-A45B35247BB4}"/>
+    <dgm:cxn modelId="{E6DF4253-D9EE-43EB-B6FB-A8D97546088E}" srcId="{E3810C7A-162E-4F59-A5CC-D6E55AA7937F}" destId="{966F4DBE-18B7-4C9E-B571-3C26A7DFEE84}" srcOrd="9" destOrd="0" parTransId="{7A4F4309-1991-4F78-A164-910218B0DB35}" sibTransId="{4C7B4F99-2B19-46BD-A4A9-4DE2A244C0F0}"/>
     <dgm:cxn modelId="{34256D54-45AA-46FD-AB7A-A5AECF0A9D0B}" srcId="{D262F73C-39B3-428F-9284-98725730645B}" destId="{AE8C7F3C-2450-4187-A834-B68CABF3EE22}" srcOrd="0" destOrd="0" parTransId="{57C43783-5699-4166-8CBD-DF5994280A83}" sibTransId="{B0BFD6F7-088D-4FEF-A0BE-9F7AFFE210A9}"/>
     <dgm:cxn modelId="{62E11E56-A2A1-4048-B8E1-9493A61A9913}" srcId="{6687B58C-7FED-4E13-8181-3B695C44E832}" destId="{CF0F09B6-A30D-43E6-93CC-ACC024D1B0A9}" srcOrd="0" destOrd="0" parTransId="{6730DA48-AEDC-46F9-ABFF-89F2C065A1A4}" sibTransId="{ADC532A4-8D48-46B3-982F-1581730D16BE}"/>
     <dgm:cxn modelId="{F920887D-AC4E-4EA3-8F11-92B5F202BCF0}" type="presOf" srcId="{D262F73C-39B3-428F-9284-98725730645B}" destId="{E47B67E0-569F-4426-9055-20FCEA9BC8D2}" srcOrd="0" destOrd="0" presId="urn:microsoft.com/office/officeart/2005/8/layout/vList5"/>
@@ -8694,56 +8779,62 @@
     <dgm:cxn modelId="{1A3E54A5-17A1-4C66-9387-C7412A2BC8A5}" type="presOf" srcId="{E3810C7A-162E-4F59-A5CC-D6E55AA7937F}" destId="{68768F37-E8AF-4175-AE5A-4F35AF491F27}" srcOrd="0" destOrd="0" presId="urn:microsoft.com/office/officeart/2005/8/layout/vList5"/>
     <dgm:cxn modelId="{1C7080AD-830B-4869-8452-F2BF1F8B821F}" srcId="{1AD8BBF2-5518-453B-A550-3E7FA8C485B6}" destId="{BC3AF494-F305-4FD5-B04B-EF9F61936E59}" srcOrd="0" destOrd="0" parTransId="{4F95183D-9451-469E-802D-9732DB828DAE}" sibTransId="{5E0E71AB-D653-4CBD-A1E3-4424370E2776}"/>
     <dgm:cxn modelId="{EDD3F3AE-EE41-4DEB-AFB6-561329F97565}" type="presOf" srcId="{CF0F09B6-A30D-43E6-93CC-ACC024D1B0A9}" destId="{6CDEE012-C9C5-4A17-838B-A6C32B86F9FD}" srcOrd="0" destOrd="0" presId="urn:microsoft.com/office/officeart/2005/8/layout/vList5"/>
-    <dgm:cxn modelId="{BD3D25B3-99C6-4215-923B-6D0617532C36}" srcId="{E3810C7A-162E-4F59-A5CC-D6E55AA7937F}" destId="{D262F73C-39B3-428F-9284-98725730645B}" srcOrd="0" destOrd="0" parTransId="{4C24E029-F73F-4B58-86D4-73606636BC2C}" sibTransId="{EB9EA278-CC09-426C-94E5-FB9705221FCB}"/>
-    <dgm:cxn modelId="{C267ECBD-6D04-4E58-85FE-14482FA6B4C3}" srcId="{E3810C7A-162E-4F59-A5CC-D6E55AA7937F}" destId="{185F8216-23A1-4FB2-B349-994231C46ED1}" srcOrd="9" destOrd="0" parTransId="{F5E831B0-572B-42CF-9B2A-7C1E40B8E350}" sibTransId="{8D884ED0-A294-4090-B0B1-4857BAEE060B}"/>
+    <dgm:cxn modelId="{BD3D25B3-99C6-4215-923B-6D0617532C36}" srcId="{E3810C7A-162E-4F59-A5CC-D6E55AA7937F}" destId="{D262F73C-39B3-428F-9284-98725730645B}" srcOrd="1" destOrd="0" parTransId="{4C24E029-F73F-4B58-86D4-73606636BC2C}" sibTransId="{EB9EA278-CC09-426C-94E5-FB9705221FCB}"/>
+    <dgm:cxn modelId="{C267ECBD-6D04-4E58-85FE-14482FA6B4C3}" srcId="{E3810C7A-162E-4F59-A5CC-D6E55AA7937F}" destId="{185F8216-23A1-4FB2-B349-994231C46ED1}" srcOrd="10" destOrd="0" parTransId="{F5E831B0-572B-42CF-9B2A-7C1E40B8E350}" sibTransId="{8D884ED0-A294-4090-B0B1-4857BAEE060B}"/>
     <dgm:cxn modelId="{38BC94CC-4EBC-4DEE-9E06-E223C5F2D7CF}" type="presOf" srcId="{966F4DBE-18B7-4C9E-B571-3C26A7DFEE84}" destId="{34510324-D802-4FC9-9901-97AFD6953F67}" srcOrd="0" destOrd="0" presId="urn:microsoft.com/office/officeart/2005/8/layout/vList5"/>
     <dgm:cxn modelId="{AA96E1D0-B982-4486-90BA-879C23B9A528}" type="presOf" srcId="{983C3A0F-4CC3-4C0C-BF60-57DF46D0D91F}" destId="{37DDD804-7468-4745-86EB-0ADFEB1882A6}" srcOrd="0" destOrd="0" presId="urn:microsoft.com/office/officeart/2005/8/layout/vList5"/>
     <dgm:cxn modelId="{6D313DD8-69CC-4B43-8276-9B3C695CC66F}" type="presOf" srcId="{AE8C7F3C-2450-4187-A834-B68CABF3EE22}" destId="{FAABE7F5-1683-464A-B4C4-5F4236F6AD44}" srcOrd="0" destOrd="0" presId="urn:microsoft.com/office/officeart/2005/8/layout/vList5"/>
     <dgm:cxn modelId="{76A80EDE-FC09-480F-9444-38E5F00F17E7}" type="presOf" srcId="{8E9A8F67-21C2-4DC7-93DE-83AB68EF939C}" destId="{15B1535D-7A2F-4187-BF40-F7B12325C164}" srcOrd="0" destOrd="0" presId="urn:microsoft.com/office/officeart/2005/8/layout/vList5"/>
     <dgm:cxn modelId="{81226EE0-1B86-4074-A319-5B71BB5273D0}" type="presOf" srcId="{1AD8BBF2-5518-453B-A550-3E7FA8C485B6}" destId="{0AE97034-2EEA-4546-B6E1-4FED6E26618F}" srcOrd="0" destOrd="0" presId="urn:microsoft.com/office/officeart/2005/8/layout/vList5"/>
-    <dgm:cxn modelId="{A7DB2FEA-1B14-423F-AC5D-A93828C4C428}" srcId="{E3810C7A-162E-4F59-A5CC-D6E55AA7937F}" destId="{983C3A0F-4CC3-4C0C-BF60-57DF46D0D91F}" srcOrd="5" destOrd="0" parTransId="{A991E67A-AD0B-443F-B7C9-390262482384}" sibTransId="{526F4B0F-6DD3-49A2-BE66-A78CA05C246E}"/>
+    <dgm:cxn modelId="{A7DB2FEA-1B14-423F-AC5D-A93828C4C428}" srcId="{E3810C7A-162E-4F59-A5CC-D6E55AA7937F}" destId="{983C3A0F-4CC3-4C0C-BF60-57DF46D0D91F}" srcOrd="6" destOrd="0" parTransId="{A991E67A-AD0B-443F-B7C9-390262482384}" sibTransId="{526F4B0F-6DD3-49A2-BE66-A78CA05C246E}"/>
     <dgm:cxn modelId="{3B5896EB-7F88-498E-98EC-0117E5A8A1F3}" type="presOf" srcId="{82E0C83C-052B-4AC6-A9A9-2C20F67A5624}" destId="{A66FD841-E172-4F54-A46D-4FEB62724531}" srcOrd="0" destOrd="0" presId="urn:microsoft.com/office/officeart/2005/8/layout/vList5"/>
     <dgm:cxn modelId="{AA03CDF1-F46F-457C-9510-B7C530776D2A}" srcId="{185F8216-23A1-4FB2-B349-994231C46ED1}" destId="{DA6687DC-701B-4988-BB1E-CC044E48B7C3}" srcOrd="0" destOrd="0" parTransId="{FBCB022D-F7DA-4589-AFF1-C1F134FA7602}" sibTransId="{816D2C10-F066-48C1-987D-6FD3BC108FED}"/>
+    <dgm:cxn modelId="{F1BEF9F9-3A8B-4E85-A067-9F2631B7213F}" srcId="{91FE08E5-D0B0-4A32-AD9B-5986F438BA14}" destId="{ACEBF377-66AF-4F4E-93C6-C8C507EEADF4}" srcOrd="0" destOrd="0" parTransId="{2E4F8C34-6D0B-473E-8F20-FB332B780822}" sibTransId="{8665254A-79ED-4C61-BE91-A8DBE5DEB98C}"/>
+    <dgm:cxn modelId="{9019FFFB-8304-459E-B26C-F1CDC08A57D9}" type="presOf" srcId="{ACEBF377-66AF-4F4E-93C6-C8C507EEADF4}" destId="{252247C1-1B56-4D8C-87FB-B27098B6AD39}" srcOrd="0" destOrd="0" presId="urn:microsoft.com/office/officeart/2005/8/layout/vList5"/>
     <dgm:cxn modelId="{E0E6BBFD-CAE5-428B-AB9C-41F6DCB75554}" type="presOf" srcId="{DA6687DC-701B-4988-BB1E-CC044E48B7C3}" destId="{A16281FF-B68A-4B29-9589-85A8639DAE3B}" srcOrd="0" destOrd="0" presId="urn:microsoft.com/office/officeart/2005/8/layout/vList5"/>
     <dgm:cxn modelId="{4AEC25FE-EDAA-42FD-BE29-097148484338}" type="presOf" srcId="{3BF2C142-4F28-4E87-9081-45691229DFC9}" destId="{6AB1550E-C385-4718-AB89-FF17CF59F285}" srcOrd="0" destOrd="0" presId="urn:microsoft.com/office/officeart/2005/8/layout/vList5"/>
     <dgm:cxn modelId="{E123C3FE-2DA5-4B4A-B207-2EBB836BF853}" type="presOf" srcId="{E7F86EF7-6DB4-4C76-8ED2-2F26C7863E76}" destId="{3BEDDF74-E637-43B3-8A8B-DFFFE1BF03F8}" srcOrd="0" destOrd="0" presId="urn:microsoft.com/office/officeart/2005/8/layout/vList5"/>
-    <dgm:cxn modelId="{A060FD90-41F1-41D2-9A12-5961B70DAA9E}" type="presParOf" srcId="{68768F37-E8AF-4175-AE5A-4F35AF491F27}" destId="{70EB74FD-6914-435D-88CA-4005C81CB03C}" srcOrd="0" destOrd="0" presId="urn:microsoft.com/office/officeart/2005/8/layout/vList5"/>
+    <dgm:cxn modelId="{D19194E5-96DA-4E3F-80F3-EE04FE24CA25}" type="presParOf" srcId="{68768F37-E8AF-4175-AE5A-4F35AF491F27}" destId="{4AD4B38E-16EB-4DE7-8482-A393A442B025}" srcOrd="0" destOrd="0" presId="urn:microsoft.com/office/officeart/2005/8/layout/vList5"/>
+    <dgm:cxn modelId="{2323C9A9-DA47-4FA8-B881-61C77C9A37DF}" type="presParOf" srcId="{4AD4B38E-16EB-4DE7-8482-A393A442B025}" destId="{F12FCF34-9E88-4F3C-B75C-BD6AE8E40F6E}" srcOrd="0" destOrd="0" presId="urn:microsoft.com/office/officeart/2005/8/layout/vList5"/>
+    <dgm:cxn modelId="{E1CEB628-4DFC-4A09-BCE4-6ADAEC075FCC}" type="presParOf" srcId="{4AD4B38E-16EB-4DE7-8482-A393A442B025}" destId="{252247C1-1B56-4D8C-87FB-B27098B6AD39}" srcOrd="1" destOrd="0" presId="urn:microsoft.com/office/officeart/2005/8/layout/vList5"/>
+    <dgm:cxn modelId="{5057F887-3DF8-456E-A31D-6CFD1136D337}" type="presParOf" srcId="{68768F37-E8AF-4175-AE5A-4F35AF491F27}" destId="{C368BBDB-D78D-47D2-A6C1-9E56E8653D38}" srcOrd="1" destOrd="0" presId="urn:microsoft.com/office/officeart/2005/8/layout/vList5"/>
+    <dgm:cxn modelId="{A060FD90-41F1-41D2-9A12-5961B70DAA9E}" type="presParOf" srcId="{68768F37-E8AF-4175-AE5A-4F35AF491F27}" destId="{70EB74FD-6914-435D-88CA-4005C81CB03C}" srcOrd="2" destOrd="0" presId="urn:microsoft.com/office/officeart/2005/8/layout/vList5"/>
     <dgm:cxn modelId="{FA99B8DB-0BF6-4530-B208-62D2F7023744}" type="presParOf" srcId="{70EB74FD-6914-435D-88CA-4005C81CB03C}" destId="{E47B67E0-569F-4426-9055-20FCEA9BC8D2}" srcOrd="0" destOrd="0" presId="urn:microsoft.com/office/officeart/2005/8/layout/vList5"/>
     <dgm:cxn modelId="{4B2CC3B6-BC0D-457D-9C07-8317AB90A4F1}" type="presParOf" srcId="{70EB74FD-6914-435D-88CA-4005C81CB03C}" destId="{FAABE7F5-1683-464A-B4C4-5F4236F6AD44}" srcOrd="1" destOrd="0" presId="urn:microsoft.com/office/officeart/2005/8/layout/vList5"/>
-    <dgm:cxn modelId="{5894304D-E139-4A52-A603-52F07CDFF8B6}" type="presParOf" srcId="{68768F37-E8AF-4175-AE5A-4F35AF491F27}" destId="{49BD7EF0-0B4B-4D3D-B684-4AC47BFEA5BE}" srcOrd="1" destOrd="0" presId="urn:microsoft.com/office/officeart/2005/8/layout/vList5"/>
-    <dgm:cxn modelId="{5A1AB898-5252-4B11-9CAD-696A16AD2119}" type="presParOf" srcId="{68768F37-E8AF-4175-AE5A-4F35AF491F27}" destId="{4412F307-CD0B-43FF-A78B-5B7C0E0C3DEF}" srcOrd="2" destOrd="0" presId="urn:microsoft.com/office/officeart/2005/8/layout/vList5"/>
+    <dgm:cxn modelId="{5894304D-E139-4A52-A603-52F07CDFF8B6}" type="presParOf" srcId="{68768F37-E8AF-4175-AE5A-4F35AF491F27}" destId="{49BD7EF0-0B4B-4D3D-B684-4AC47BFEA5BE}" srcOrd="3" destOrd="0" presId="urn:microsoft.com/office/officeart/2005/8/layout/vList5"/>
+    <dgm:cxn modelId="{5A1AB898-5252-4B11-9CAD-696A16AD2119}" type="presParOf" srcId="{68768F37-E8AF-4175-AE5A-4F35AF491F27}" destId="{4412F307-CD0B-43FF-A78B-5B7C0E0C3DEF}" srcOrd="4" destOrd="0" presId="urn:microsoft.com/office/officeart/2005/8/layout/vList5"/>
     <dgm:cxn modelId="{75C8506D-69AB-46E5-B37C-E33ABE67BA39}" type="presParOf" srcId="{4412F307-CD0B-43FF-A78B-5B7C0E0C3DEF}" destId="{7ED2616D-3965-4CD9-BF4D-6CDCBBA52BAC}" srcOrd="0" destOrd="0" presId="urn:microsoft.com/office/officeart/2005/8/layout/vList5"/>
     <dgm:cxn modelId="{FE0EB6B0-4423-47A4-84B3-1B77389C8A74}" type="presParOf" srcId="{4412F307-CD0B-43FF-A78B-5B7C0E0C3DEF}" destId="{6AB1550E-C385-4718-AB89-FF17CF59F285}" srcOrd="1" destOrd="0" presId="urn:microsoft.com/office/officeart/2005/8/layout/vList5"/>
-    <dgm:cxn modelId="{578F5AE3-E96B-46CA-9706-F54E1BACEC0F}" type="presParOf" srcId="{68768F37-E8AF-4175-AE5A-4F35AF491F27}" destId="{3B05BAB9-95E3-473B-B981-779D1DB6C606}" srcOrd="3" destOrd="0" presId="urn:microsoft.com/office/officeart/2005/8/layout/vList5"/>
-    <dgm:cxn modelId="{3032237A-0765-4D4C-A857-6F27BECE4ABC}" type="presParOf" srcId="{68768F37-E8AF-4175-AE5A-4F35AF491F27}" destId="{57A39BB0-8133-498C-AA28-169B693AC808}" srcOrd="4" destOrd="0" presId="urn:microsoft.com/office/officeart/2005/8/layout/vList5"/>
+    <dgm:cxn modelId="{578F5AE3-E96B-46CA-9706-F54E1BACEC0F}" type="presParOf" srcId="{68768F37-E8AF-4175-AE5A-4F35AF491F27}" destId="{3B05BAB9-95E3-473B-B981-779D1DB6C606}" srcOrd="5" destOrd="0" presId="urn:microsoft.com/office/officeart/2005/8/layout/vList5"/>
+    <dgm:cxn modelId="{3032237A-0765-4D4C-A857-6F27BECE4ABC}" type="presParOf" srcId="{68768F37-E8AF-4175-AE5A-4F35AF491F27}" destId="{57A39BB0-8133-498C-AA28-169B693AC808}" srcOrd="6" destOrd="0" presId="urn:microsoft.com/office/officeart/2005/8/layout/vList5"/>
     <dgm:cxn modelId="{6F0923E4-E13C-4F57-B3A5-E00FCE91658E}" type="presParOf" srcId="{57A39BB0-8133-498C-AA28-169B693AC808}" destId="{D50219D7-709A-4BEC-B02B-FACFFE1B4F1E}" srcOrd="0" destOrd="0" presId="urn:microsoft.com/office/officeart/2005/8/layout/vList5"/>
     <dgm:cxn modelId="{7D1043AD-DE80-47F1-9D2A-15F9C1784512}" type="presParOf" srcId="{57A39BB0-8133-498C-AA28-169B693AC808}" destId="{3BEDDF74-E637-43B3-8A8B-DFFFE1BF03F8}" srcOrd="1" destOrd="0" presId="urn:microsoft.com/office/officeart/2005/8/layout/vList5"/>
-    <dgm:cxn modelId="{B9D4F900-A3E8-412E-AE86-9DB24F55E558}" type="presParOf" srcId="{68768F37-E8AF-4175-AE5A-4F35AF491F27}" destId="{E1975D3A-0C31-4F0A-A630-B9D9AEDDBB97}" srcOrd="5" destOrd="0" presId="urn:microsoft.com/office/officeart/2005/8/layout/vList5"/>
-    <dgm:cxn modelId="{C5F574BC-6DB0-44AC-93DE-4602C0139D64}" type="presParOf" srcId="{68768F37-E8AF-4175-AE5A-4F35AF491F27}" destId="{8B61C97A-211F-43CC-858B-F4955626F216}" srcOrd="6" destOrd="0" presId="urn:microsoft.com/office/officeart/2005/8/layout/vList5"/>
+    <dgm:cxn modelId="{B9D4F900-A3E8-412E-AE86-9DB24F55E558}" type="presParOf" srcId="{68768F37-E8AF-4175-AE5A-4F35AF491F27}" destId="{E1975D3A-0C31-4F0A-A630-B9D9AEDDBB97}" srcOrd="7" destOrd="0" presId="urn:microsoft.com/office/officeart/2005/8/layout/vList5"/>
+    <dgm:cxn modelId="{C5F574BC-6DB0-44AC-93DE-4602C0139D64}" type="presParOf" srcId="{68768F37-E8AF-4175-AE5A-4F35AF491F27}" destId="{8B61C97A-211F-43CC-858B-F4955626F216}" srcOrd="8" destOrd="0" presId="urn:microsoft.com/office/officeart/2005/8/layout/vList5"/>
     <dgm:cxn modelId="{60B89C41-2A3A-4932-8B20-49442B314A73}" type="presParOf" srcId="{8B61C97A-211F-43CC-858B-F4955626F216}" destId="{0AE97034-2EEA-4546-B6E1-4FED6E26618F}" srcOrd="0" destOrd="0" presId="urn:microsoft.com/office/officeart/2005/8/layout/vList5"/>
     <dgm:cxn modelId="{A09F8BA9-ED64-47CC-8F7E-9D1A89A5B764}" type="presParOf" srcId="{8B61C97A-211F-43CC-858B-F4955626F216}" destId="{8D19A966-B752-413D-884D-47C9FC61B37F}" srcOrd="1" destOrd="0" presId="urn:microsoft.com/office/officeart/2005/8/layout/vList5"/>
-    <dgm:cxn modelId="{37D5359F-48BE-4E31-A843-2929AFFC4CF3}" type="presParOf" srcId="{68768F37-E8AF-4175-AE5A-4F35AF491F27}" destId="{05D627BE-D8E1-4913-B69F-10D01221A230}" srcOrd="7" destOrd="0" presId="urn:microsoft.com/office/officeart/2005/8/layout/vList5"/>
-    <dgm:cxn modelId="{A89DC851-7F21-444C-8F24-912B65E4DC45}" type="presParOf" srcId="{68768F37-E8AF-4175-AE5A-4F35AF491F27}" destId="{7659B1DD-86C0-43F6-8756-E9AFE76A6532}" srcOrd="8" destOrd="0" presId="urn:microsoft.com/office/officeart/2005/8/layout/vList5"/>
+    <dgm:cxn modelId="{37D5359F-48BE-4E31-A843-2929AFFC4CF3}" type="presParOf" srcId="{68768F37-E8AF-4175-AE5A-4F35AF491F27}" destId="{05D627BE-D8E1-4913-B69F-10D01221A230}" srcOrd="9" destOrd="0" presId="urn:microsoft.com/office/officeart/2005/8/layout/vList5"/>
+    <dgm:cxn modelId="{A89DC851-7F21-444C-8F24-912B65E4DC45}" type="presParOf" srcId="{68768F37-E8AF-4175-AE5A-4F35AF491F27}" destId="{7659B1DD-86C0-43F6-8756-E9AFE76A6532}" srcOrd="10" destOrd="0" presId="urn:microsoft.com/office/officeart/2005/8/layout/vList5"/>
     <dgm:cxn modelId="{B1A67546-689A-4042-9392-E47CEEFEEA2C}" type="presParOf" srcId="{7659B1DD-86C0-43F6-8756-E9AFE76A6532}" destId="{420DC76F-67CB-4E7F-B46E-2E6148ED358C}" srcOrd="0" destOrd="0" presId="urn:microsoft.com/office/officeart/2005/8/layout/vList5"/>
     <dgm:cxn modelId="{DA055496-CE6E-4B35-92DF-0086560972E6}" type="presParOf" srcId="{7659B1DD-86C0-43F6-8756-E9AFE76A6532}" destId="{6CDEE012-C9C5-4A17-838B-A6C32B86F9FD}" srcOrd="1" destOrd="0" presId="urn:microsoft.com/office/officeart/2005/8/layout/vList5"/>
-    <dgm:cxn modelId="{A7D4E787-3E21-499C-9A5C-B213442EB9A6}" type="presParOf" srcId="{68768F37-E8AF-4175-AE5A-4F35AF491F27}" destId="{33B6A121-0C7D-4E4B-A4EE-AC006BC16A93}" srcOrd="9" destOrd="0" presId="urn:microsoft.com/office/officeart/2005/8/layout/vList5"/>
-    <dgm:cxn modelId="{930344A9-B4D9-45EB-B432-1BAA2EB74D19}" type="presParOf" srcId="{68768F37-E8AF-4175-AE5A-4F35AF491F27}" destId="{F006D19A-3104-4C63-A9DA-B9E49927076D}" srcOrd="10" destOrd="0" presId="urn:microsoft.com/office/officeart/2005/8/layout/vList5"/>
+    <dgm:cxn modelId="{A7D4E787-3E21-499C-9A5C-B213442EB9A6}" type="presParOf" srcId="{68768F37-E8AF-4175-AE5A-4F35AF491F27}" destId="{33B6A121-0C7D-4E4B-A4EE-AC006BC16A93}" srcOrd="11" destOrd="0" presId="urn:microsoft.com/office/officeart/2005/8/layout/vList5"/>
+    <dgm:cxn modelId="{930344A9-B4D9-45EB-B432-1BAA2EB74D19}" type="presParOf" srcId="{68768F37-E8AF-4175-AE5A-4F35AF491F27}" destId="{F006D19A-3104-4C63-A9DA-B9E49927076D}" srcOrd="12" destOrd="0" presId="urn:microsoft.com/office/officeart/2005/8/layout/vList5"/>
     <dgm:cxn modelId="{F69F32F8-AB3D-40DE-B4C8-2345D28363EF}" type="presParOf" srcId="{F006D19A-3104-4C63-A9DA-B9E49927076D}" destId="{37DDD804-7468-4745-86EB-0ADFEB1882A6}" srcOrd="0" destOrd="0" presId="urn:microsoft.com/office/officeart/2005/8/layout/vList5"/>
     <dgm:cxn modelId="{9AA798FD-BA09-428C-8B46-4B3FCC109E87}" type="presParOf" srcId="{F006D19A-3104-4C63-A9DA-B9E49927076D}" destId="{11A37157-747C-4EF9-86E3-7060FDB3EDCF}" srcOrd="1" destOrd="0" presId="urn:microsoft.com/office/officeart/2005/8/layout/vList5"/>
-    <dgm:cxn modelId="{9788186E-BD12-4F43-8E41-CF027BB00F73}" type="presParOf" srcId="{68768F37-E8AF-4175-AE5A-4F35AF491F27}" destId="{11B91D39-325A-47B8-85EA-460A59624191}" srcOrd="11" destOrd="0" presId="urn:microsoft.com/office/officeart/2005/8/layout/vList5"/>
-    <dgm:cxn modelId="{D11BB04E-1E27-4062-9FCB-4007A56F3BDF}" type="presParOf" srcId="{68768F37-E8AF-4175-AE5A-4F35AF491F27}" destId="{371D014F-7818-4FED-AD98-CDAB06350D8B}" srcOrd="12" destOrd="0" presId="urn:microsoft.com/office/officeart/2005/8/layout/vList5"/>
+    <dgm:cxn modelId="{9788186E-BD12-4F43-8E41-CF027BB00F73}" type="presParOf" srcId="{68768F37-E8AF-4175-AE5A-4F35AF491F27}" destId="{11B91D39-325A-47B8-85EA-460A59624191}" srcOrd="13" destOrd="0" presId="urn:microsoft.com/office/officeart/2005/8/layout/vList5"/>
+    <dgm:cxn modelId="{D11BB04E-1E27-4062-9FCB-4007A56F3BDF}" type="presParOf" srcId="{68768F37-E8AF-4175-AE5A-4F35AF491F27}" destId="{371D014F-7818-4FED-AD98-CDAB06350D8B}" srcOrd="14" destOrd="0" presId="urn:microsoft.com/office/officeart/2005/8/layout/vList5"/>
     <dgm:cxn modelId="{48FF7B74-1863-4C64-9D6F-CBC2F1473ECF}" type="presParOf" srcId="{371D014F-7818-4FED-AD98-CDAB06350D8B}" destId="{15B1535D-7A2F-4187-BF40-F7B12325C164}" srcOrd="0" destOrd="0" presId="urn:microsoft.com/office/officeart/2005/8/layout/vList5"/>
     <dgm:cxn modelId="{5FECEBA9-962F-44E3-A53C-9935E6DB51B2}" type="presParOf" srcId="{371D014F-7818-4FED-AD98-CDAB06350D8B}" destId="{70E40ED8-44BE-430D-B675-928F3AAF69F6}" srcOrd="1" destOrd="0" presId="urn:microsoft.com/office/officeart/2005/8/layout/vList5"/>
-    <dgm:cxn modelId="{6CF4CCFF-D966-4DD5-B59C-FE4EBE2B82D5}" type="presParOf" srcId="{68768F37-E8AF-4175-AE5A-4F35AF491F27}" destId="{B91562B5-AAC5-49AA-AE45-896A131D0023}" srcOrd="13" destOrd="0" presId="urn:microsoft.com/office/officeart/2005/8/layout/vList5"/>
-    <dgm:cxn modelId="{0532FD96-83ED-4BCC-AFC5-70DC371981E8}" type="presParOf" srcId="{68768F37-E8AF-4175-AE5A-4F35AF491F27}" destId="{DC6BB8BD-8D2C-4B08-92FA-62CB87045263}" srcOrd="14" destOrd="0" presId="urn:microsoft.com/office/officeart/2005/8/layout/vList5"/>
+    <dgm:cxn modelId="{6CF4CCFF-D966-4DD5-B59C-FE4EBE2B82D5}" type="presParOf" srcId="{68768F37-E8AF-4175-AE5A-4F35AF491F27}" destId="{B91562B5-AAC5-49AA-AE45-896A131D0023}" srcOrd="15" destOrd="0" presId="urn:microsoft.com/office/officeart/2005/8/layout/vList5"/>
+    <dgm:cxn modelId="{0532FD96-83ED-4BCC-AFC5-70DC371981E8}" type="presParOf" srcId="{68768F37-E8AF-4175-AE5A-4F35AF491F27}" destId="{DC6BB8BD-8D2C-4B08-92FA-62CB87045263}" srcOrd="16" destOrd="0" presId="urn:microsoft.com/office/officeart/2005/8/layout/vList5"/>
     <dgm:cxn modelId="{4DB9BADB-462A-4C8D-BCAB-5CE50AD06D8F}" type="presParOf" srcId="{DC6BB8BD-8D2C-4B08-92FA-62CB87045263}" destId="{1DD2327A-0023-43BD-AE1D-76839AC91220}" srcOrd="0" destOrd="0" presId="urn:microsoft.com/office/officeart/2005/8/layout/vList5"/>
     <dgm:cxn modelId="{077EE67C-DD5E-499D-A2C0-3BA2A1BF06F7}" type="presParOf" srcId="{DC6BB8BD-8D2C-4B08-92FA-62CB87045263}" destId="{A66FD841-E172-4F54-A46D-4FEB62724531}" srcOrd="1" destOrd="0" presId="urn:microsoft.com/office/officeart/2005/8/layout/vList5"/>
-    <dgm:cxn modelId="{2D7E4484-B9F0-4073-83F8-99DAC6B33B9C}" type="presParOf" srcId="{68768F37-E8AF-4175-AE5A-4F35AF491F27}" destId="{295A0221-CC3F-49AC-BF83-475100CFBFE3}" srcOrd="15" destOrd="0" presId="urn:microsoft.com/office/officeart/2005/8/layout/vList5"/>
-    <dgm:cxn modelId="{7DC4E693-F191-4CD7-8E8E-E5D7397D9A06}" type="presParOf" srcId="{68768F37-E8AF-4175-AE5A-4F35AF491F27}" destId="{FB7A206E-7E3B-462F-AC23-30C2571DB0C3}" srcOrd="16" destOrd="0" presId="urn:microsoft.com/office/officeart/2005/8/layout/vList5"/>
+    <dgm:cxn modelId="{2D7E4484-B9F0-4073-83F8-99DAC6B33B9C}" type="presParOf" srcId="{68768F37-E8AF-4175-AE5A-4F35AF491F27}" destId="{295A0221-CC3F-49AC-BF83-475100CFBFE3}" srcOrd="17" destOrd="0" presId="urn:microsoft.com/office/officeart/2005/8/layout/vList5"/>
+    <dgm:cxn modelId="{7DC4E693-F191-4CD7-8E8E-E5D7397D9A06}" type="presParOf" srcId="{68768F37-E8AF-4175-AE5A-4F35AF491F27}" destId="{FB7A206E-7E3B-462F-AC23-30C2571DB0C3}" srcOrd="18" destOrd="0" presId="urn:microsoft.com/office/officeart/2005/8/layout/vList5"/>
     <dgm:cxn modelId="{A143D239-D44E-4E94-A57F-153E8CA454C9}" type="presParOf" srcId="{FB7A206E-7E3B-462F-AC23-30C2571DB0C3}" destId="{34510324-D802-4FC9-9901-97AFD6953F67}" srcOrd="0" destOrd="0" presId="urn:microsoft.com/office/officeart/2005/8/layout/vList5"/>
     <dgm:cxn modelId="{CEB23AE9-40A0-4282-B4D6-5B8E5FBDC872}" type="presParOf" srcId="{FB7A206E-7E3B-462F-AC23-30C2571DB0C3}" destId="{584C82D3-8114-4ECC-ACD2-0C383433147E}" srcOrd="1" destOrd="0" presId="urn:microsoft.com/office/officeart/2005/8/layout/vList5"/>
-    <dgm:cxn modelId="{E8C20AF7-438A-4D4B-908C-D10C7AF97439}" type="presParOf" srcId="{68768F37-E8AF-4175-AE5A-4F35AF491F27}" destId="{44C143E0-6F71-4274-9076-D8124C48095E}" srcOrd="17" destOrd="0" presId="urn:microsoft.com/office/officeart/2005/8/layout/vList5"/>
-    <dgm:cxn modelId="{8CD42EE4-0796-4D69-B1A0-FA641B8428D0}" type="presParOf" srcId="{68768F37-E8AF-4175-AE5A-4F35AF491F27}" destId="{64E37F42-7A59-4440-8534-1517B5C1CBBA}" srcOrd="18" destOrd="0" presId="urn:microsoft.com/office/officeart/2005/8/layout/vList5"/>
+    <dgm:cxn modelId="{E8C20AF7-438A-4D4B-908C-D10C7AF97439}" type="presParOf" srcId="{68768F37-E8AF-4175-AE5A-4F35AF491F27}" destId="{44C143E0-6F71-4274-9076-D8124C48095E}" srcOrd="19" destOrd="0" presId="urn:microsoft.com/office/officeart/2005/8/layout/vList5"/>
+    <dgm:cxn modelId="{8CD42EE4-0796-4D69-B1A0-FA641B8428D0}" type="presParOf" srcId="{68768F37-E8AF-4175-AE5A-4F35AF491F27}" destId="{64E37F42-7A59-4440-8534-1517B5C1CBBA}" srcOrd="20" destOrd="0" presId="urn:microsoft.com/office/officeart/2005/8/layout/vList5"/>
     <dgm:cxn modelId="{CE0D718C-2833-4AD6-8CF6-05D0D6AEC973}" type="presParOf" srcId="{64E37F42-7A59-4440-8534-1517B5C1CBBA}" destId="{6A499025-F9DF-477C-8373-2FD3C48E42CD}" srcOrd="0" destOrd="0" presId="urn:microsoft.com/office/officeart/2005/8/layout/vList5"/>
     <dgm:cxn modelId="{7A4A9B23-72DF-435C-A247-8C5AE1EB13AE}" type="presParOf" srcId="{64E37F42-7A59-4440-8534-1517B5C1CBBA}" destId="{A16281FF-B68A-4B29-9589-85A8639DAE3B}" srcOrd="1" destOrd="0" presId="urn:microsoft.com/office/officeart/2005/8/layout/vList5"/>
   </dgm:cxnLst>
@@ -12649,15 +12740,15 @@
       <dsp:cNvGrpSpPr/>
     </dsp:nvGrpSpPr>
     <dsp:grpSpPr/>
-    <dsp:sp modelId="{FAABE7F5-1683-464A-B4C4-5F4236F6AD44}">
+    <dsp:sp modelId="{252247C1-1B56-4D8C-87FB-B27098B6AD39}">
       <dsp:nvSpPr>
         <dsp:cNvPr id="0" name=""/>
         <dsp:cNvSpPr/>
       </dsp:nvSpPr>
       <dsp:spPr>
         <a:xfrm rot="5400000">
-          <a:off x="6984245" y="-3154476"/>
-          <a:ext cx="332724" cy="6729984"/>
+          <a:off x="6999331" y="-3174833"/>
+          <a:ext cx="302553" cy="6729984"/>
         </a:xfrm>
         <a:prstGeom prst="round2SameRect">
           <a:avLst/>
@@ -12701,12 +12792,12 @@
         <a:fontRef idx="minor"/>
       </dsp:style>
       <dsp:txBody>
-        <a:bodyPr spcFirstLastPara="0" vert="horz" wrap="square" lIns="60960" tIns="30480" rIns="60960" bIns="30480" numCol="1" spcCol="1270" anchor="ctr" anchorCtr="0">
+        <a:bodyPr spcFirstLastPara="0" vert="horz" wrap="square" lIns="57150" tIns="28575" rIns="57150" bIns="28575" numCol="1" spcCol="1270" anchor="ctr" anchorCtr="0">
           <a:noAutofit/>
         </a:bodyPr>
         <a:lstStyle/>
         <a:p>
-          <a:pPr marL="171450" lvl="1" indent="-171450" algn="l" defTabSz="711200">
+          <a:pPr marL="114300" lvl="1" indent="-114300" algn="l" defTabSz="666750">
             <a:lnSpc>
               <a:spcPct val="90000"/>
             </a:lnSpc>
@@ -12719,25 +12810,25 @@
             <a:buChar char="•"/>
           </a:pPr>
           <a:r>
-            <a:rPr lang="en-US" sz="1600" kern="1200" dirty="0"/>
-            <a:t>Number Z slices A647 with depth of focus step sizes</a:t>
+            <a:rPr lang="en-US" sz="1500" kern="1200" dirty="0"/>
+            <a:t>If tissue is present = 1, if tissue is absent = 0 </a:t>
           </a:r>
         </a:p>
       </dsp:txBody>
       <dsp:txXfrm rot="-5400000">
-        <a:off x="3785615" y="60396"/>
-        <a:ext cx="6713742" cy="300240"/>
+        <a:off x="3785616" y="53651"/>
+        <a:ext cx="6715215" cy="273015"/>
       </dsp:txXfrm>
     </dsp:sp>
-    <dsp:sp modelId="{E47B67E0-569F-4426-9055-20FCEA9BC8D2}">
+    <dsp:sp modelId="{F12FCF34-9E88-4F3C-B75C-BD6AE8E40F6E}">
       <dsp:nvSpPr>
         <dsp:cNvPr id="0" name=""/>
         <dsp:cNvSpPr/>
       </dsp:nvSpPr>
       <dsp:spPr>
         <a:xfrm>
-          <a:off x="0" y="2562"/>
-          <a:ext cx="3785616" cy="415905"/>
+          <a:off x="0" y="1062"/>
+          <a:ext cx="3785616" cy="378192"/>
         </a:xfrm>
         <a:prstGeom prst="roundRect">
           <a:avLst/>
@@ -12779,12 +12870,12 @@
         </a:fontRef>
       </dsp:style>
       <dsp:txBody>
-        <a:bodyPr spcFirstLastPara="0" vert="horz" wrap="square" lIns="80010" tIns="40005" rIns="80010" bIns="40005" numCol="1" spcCol="1270" anchor="ctr" anchorCtr="0">
+        <a:bodyPr spcFirstLastPara="0" vert="horz" wrap="square" lIns="72390" tIns="36195" rIns="72390" bIns="36195" numCol="1" spcCol="1270" anchor="ctr" anchorCtr="0">
           <a:noAutofit/>
         </a:bodyPr>
         <a:lstStyle/>
         <a:p>
-          <a:pPr marL="0" lvl="0" indent="0" algn="ctr" defTabSz="933450">
+          <a:pPr marL="0" lvl="0" indent="0" algn="ctr" defTabSz="844550">
             <a:lnSpc>
               <a:spcPct val="90000"/>
             </a:lnSpc>
@@ -12797,25 +12888,25 @@
             <a:buNone/>
           </a:pPr>
           <a:r>
-            <a:rPr lang="en-US" sz="2100" kern="1200" dirty="0"/>
-            <a:t>9</a:t>
+            <a:rPr lang="en-US" sz="1900" kern="1200" dirty="0"/>
+            <a:t>10</a:t>
           </a:r>
         </a:p>
       </dsp:txBody>
       <dsp:txXfrm>
-        <a:off x="20303" y="22865"/>
-        <a:ext cx="3745010" cy="375299"/>
+        <a:off x="18462" y="19524"/>
+        <a:ext cx="3748692" cy="341268"/>
       </dsp:txXfrm>
     </dsp:sp>
-    <dsp:sp modelId="{6AB1550E-C385-4718-AB89-FF17CF59F285}">
+    <dsp:sp modelId="{FAABE7F5-1683-464A-B4C4-5F4236F6AD44}">
       <dsp:nvSpPr>
         <dsp:cNvPr id="0" name=""/>
         <dsp:cNvSpPr/>
       </dsp:nvSpPr>
       <dsp:spPr>
         <a:xfrm rot="5400000">
-          <a:off x="6984245" y="-2717775"/>
-          <a:ext cx="332724" cy="6729984"/>
+          <a:off x="6999331" y="-2777731"/>
+          <a:ext cx="302553" cy="6729984"/>
         </a:xfrm>
         <a:prstGeom prst="round2SameRect">
           <a:avLst/>
@@ -12859,12 +12950,12 @@
         <a:fontRef idx="minor"/>
       </dsp:style>
       <dsp:txBody>
-        <a:bodyPr spcFirstLastPara="0" vert="horz" wrap="square" lIns="60960" tIns="30480" rIns="60960" bIns="30480" numCol="1" spcCol="1270" anchor="ctr" anchorCtr="0">
+        <a:bodyPr spcFirstLastPara="0" vert="horz" wrap="square" lIns="57150" tIns="28575" rIns="57150" bIns="28575" numCol="1" spcCol="1270" anchor="ctr" anchorCtr="0">
           <a:noAutofit/>
         </a:bodyPr>
         <a:lstStyle/>
         <a:p>
-          <a:pPr marL="171450" lvl="1" indent="-171450" algn="l" defTabSz="711200">
+          <a:pPr marL="114300" lvl="1" indent="-114300" algn="l" defTabSz="666750">
             <a:lnSpc>
               <a:spcPct val="90000"/>
             </a:lnSpc>
@@ -12877,25 +12968,25 @@
             <a:buChar char="•"/>
           </a:pPr>
           <a:r>
-            <a:rPr lang="en-US" sz="1600" kern="1200" dirty="0"/>
-            <a:t>Top Z position A647</a:t>
+            <a:rPr lang="en-US" sz="1500" kern="1200" dirty="0"/>
+            <a:t>Number Z slices A647 with depth of focus step sizes</a:t>
           </a:r>
         </a:p>
       </dsp:txBody>
       <dsp:txXfrm rot="-5400000">
-        <a:off x="3785615" y="497097"/>
-        <a:ext cx="6713742" cy="300240"/>
+        <a:off x="3785616" y="450753"/>
+        <a:ext cx="6715215" cy="273015"/>
       </dsp:txXfrm>
     </dsp:sp>
-    <dsp:sp modelId="{7ED2616D-3965-4CD9-BF4D-6CDCBBA52BAC}">
+    <dsp:sp modelId="{E47B67E0-569F-4426-9055-20FCEA9BC8D2}">
       <dsp:nvSpPr>
         <dsp:cNvPr id="0" name=""/>
         <dsp:cNvSpPr/>
       </dsp:nvSpPr>
       <dsp:spPr>
         <a:xfrm>
-          <a:off x="0" y="439263"/>
-          <a:ext cx="3785616" cy="415905"/>
+          <a:off x="0" y="398164"/>
+          <a:ext cx="3785616" cy="378192"/>
         </a:xfrm>
         <a:prstGeom prst="roundRect">
           <a:avLst/>
@@ -12937,12 +13028,12 @@
         </a:fontRef>
       </dsp:style>
       <dsp:txBody>
-        <a:bodyPr spcFirstLastPara="0" vert="horz" wrap="square" lIns="80010" tIns="40005" rIns="80010" bIns="40005" numCol="1" spcCol="1270" anchor="ctr" anchorCtr="0">
+        <a:bodyPr spcFirstLastPara="0" vert="horz" wrap="square" lIns="72390" tIns="36195" rIns="72390" bIns="36195" numCol="1" spcCol="1270" anchor="ctr" anchorCtr="0">
           <a:noAutofit/>
         </a:bodyPr>
         <a:lstStyle/>
         <a:p>
-          <a:pPr marL="0" lvl="0" indent="0" algn="ctr" defTabSz="933450">
+          <a:pPr marL="0" lvl="0" indent="0" algn="ctr" defTabSz="844550">
             <a:lnSpc>
               <a:spcPct val="90000"/>
             </a:lnSpc>
@@ -12955,25 +13046,25 @@
             <a:buNone/>
           </a:pPr>
           <a:r>
-            <a:rPr lang="en-US" sz="2100" kern="1200" dirty="0"/>
-            <a:t>8</a:t>
+            <a:rPr lang="en-US" sz="1900" kern="1200" dirty="0"/>
+            <a:t>9</a:t>
           </a:r>
         </a:p>
       </dsp:txBody>
       <dsp:txXfrm>
-        <a:off x="20303" y="459566"/>
-        <a:ext cx="3745010" cy="375299"/>
+        <a:off x="18462" y="416626"/>
+        <a:ext cx="3748692" cy="341268"/>
       </dsp:txXfrm>
     </dsp:sp>
-    <dsp:sp modelId="{3BEDDF74-E637-43B3-8A8B-DFFFE1BF03F8}">
+    <dsp:sp modelId="{6AB1550E-C385-4718-AB89-FF17CF59F285}">
       <dsp:nvSpPr>
         <dsp:cNvPr id="0" name=""/>
         <dsp:cNvSpPr/>
       </dsp:nvSpPr>
       <dsp:spPr>
         <a:xfrm rot="5400000">
-          <a:off x="6984245" y="-2281074"/>
-          <a:ext cx="332724" cy="6729984"/>
+          <a:off x="6999331" y="-2380629"/>
+          <a:ext cx="302553" cy="6729984"/>
         </a:xfrm>
         <a:prstGeom prst="round2SameRect">
           <a:avLst/>
@@ -13017,12 +13108,12 @@
         <a:fontRef idx="minor"/>
       </dsp:style>
       <dsp:txBody>
-        <a:bodyPr spcFirstLastPara="0" vert="horz" wrap="square" lIns="60960" tIns="30480" rIns="60960" bIns="30480" numCol="1" spcCol="1270" anchor="ctr" anchorCtr="0">
+        <a:bodyPr spcFirstLastPara="0" vert="horz" wrap="square" lIns="57150" tIns="28575" rIns="57150" bIns="28575" numCol="1" spcCol="1270" anchor="ctr" anchorCtr="0">
           <a:noAutofit/>
         </a:bodyPr>
         <a:lstStyle/>
         <a:p>
-          <a:pPr marL="171450" lvl="1" indent="-171450" algn="l" defTabSz="711200">
+          <a:pPr marL="114300" lvl="1" indent="-114300" algn="l" defTabSz="666750">
             <a:lnSpc>
               <a:spcPct val="90000"/>
             </a:lnSpc>
@@ -13035,25 +13126,25 @@
             <a:buChar char="•"/>
           </a:pPr>
           <a:r>
-            <a:rPr lang="en-US" sz="1600" kern="1200" dirty="0"/>
-            <a:t>Number Z slices A555 with depth of focus step sizes</a:t>
+            <a:rPr lang="en-US" sz="1500" kern="1200" dirty="0"/>
+            <a:t>Top Z position A647</a:t>
           </a:r>
         </a:p>
       </dsp:txBody>
       <dsp:txXfrm rot="-5400000">
-        <a:off x="3785615" y="933798"/>
-        <a:ext cx="6713742" cy="300240"/>
+        <a:off x="3785616" y="847855"/>
+        <a:ext cx="6715215" cy="273015"/>
       </dsp:txXfrm>
     </dsp:sp>
-    <dsp:sp modelId="{D50219D7-709A-4BEC-B02B-FACFFE1B4F1E}">
+    <dsp:sp modelId="{7ED2616D-3965-4CD9-BF4D-6CDCBBA52BAC}">
       <dsp:nvSpPr>
         <dsp:cNvPr id="0" name=""/>
         <dsp:cNvSpPr/>
       </dsp:nvSpPr>
       <dsp:spPr>
         <a:xfrm>
-          <a:off x="0" y="875964"/>
-          <a:ext cx="3785616" cy="415905"/>
+          <a:off x="0" y="795266"/>
+          <a:ext cx="3785616" cy="378192"/>
         </a:xfrm>
         <a:prstGeom prst="roundRect">
           <a:avLst/>
@@ -13095,12 +13186,12 @@
         </a:fontRef>
       </dsp:style>
       <dsp:txBody>
-        <a:bodyPr spcFirstLastPara="0" vert="horz" wrap="square" lIns="80010" tIns="40005" rIns="80010" bIns="40005" numCol="1" spcCol="1270" anchor="ctr" anchorCtr="0">
+        <a:bodyPr spcFirstLastPara="0" vert="horz" wrap="square" lIns="72390" tIns="36195" rIns="72390" bIns="36195" numCol="1" spcCol="1270" anchor="ctr" anchorCtr="0">
           <a:noAutofit/>
         </a:bodyPr>
         <a:lstStyle/>
         <a:p>
-          <a:pPr marL="0" lvl="0" indent="0" algn="ctr" defTabSz="933450">
+          <a:pPr marL="0" lvl="0" indent="0" algn="ctr" defTabSz="844550">
             <a:lnSpc>
               <a:spcPct val="90000"/>
             </a:lnSpc>
@@ -13113,25 +13204,25 @@
             <a:buNone/>
           </a:pPr>
           <a:r>
-            <a:rPr lang="en-US" sz="2100" kern="1200" dirty="0"/>
-            <a:t>7</a:t>
+            <a:rPr lang="en-US" sz="1900" kern="1200" dirty="0"/>
+            <a:t>8</a:t>
           </a:r>
         </a:p>
       </dsp:txBody>
       <dsp:txXfrm>
-        <a:off x="20303" y="896267"/>
-        <a:ext cx="3745010" cy="375299"/>
+        <a:off x="18462" y="813728"/>
+        <a:ext cx="3748692" cy="341268"/>
       </dsp:txXfrm>
     </dsp:sp>
-    <dsp:sp modelId="{8D19A966-B752-413D-884D-47C9FC61B37F}">
+    <dsp:sp modelId="{3BEDDF74-E637-43B3-8A8B-DFFFE1BF03F8}">
       <dsp:nvSpPr>
         <dsp:cNvPr id="0" name=""/>
         <dsp:cNvSpPr/>
       </dsp:nvSpPr>
       <dsp:spPr>
         <a:xfrm rot="5400000">
-          <a:off x="6984245" y="-1844374"/>
-          <a:ext cx="332724" cy="6729984"/>
+          <a:off x="6999331" y="-1983527"/>
+          <a:ext cx="302553" cy="6729984"/>
         </a:xfrm>
         <a:prstGeom prst="round2SameRect">
           <a:avLst/>
@@ -13175,12 +13266,12 @@
         <a:fontRef idx="minor"/>
       </dsp:style>
       <dsp:txBody>
-        <a:bodyPr spcFirstLastPara="0" vert="horz" wrap="square" lIns="60960" tIns="30480" rIns="60960" bIns="30480" numCol="1" spcCol="1270" anchor="ctr" anchorCtr="0">
+        <a:bodyPr spcFirstLastPara="0" vert="horz" wrap="square" lIns="57150" tIns="28575" rIns="57150" bIns="28575" numCol="1" spcCol="1270" anchor="ctr" anchorCtr="0">
           <a:noAutofit/>
         </a:bodyPr>
         <a:lstStyle/>
         <a:p>
-          <a:pPr marL="171450" lvl="1" indent="-171450" algn="l" defTabSz="711200">
+          <a:pPr marL="114300" lvl="1" indent="-114300" algn="l" defTabSz="666750">
             <a:lnSpc>
               <a:spcPct val="90000"/>
             </a:lnSpc>
@@ -13193,25 +13284,25 @@
             <a:buChar char="•"/>
           </a:pPr>
           <a:r>
-            <a:rPr lang="en-US" sz="1600" kern="1200" dirty="0"/>
-            <a:t>Top Z position A555</a:t>
+            <a:rPr lang="en-US" sz="1500" kern="1200" dirty="0"/>
+            <a:t>Number Z slices A555 with depth of focus step sizes</a:t>
           </a:r>
         </a:p>
       </dsp:txBody>
       <dsp:txXfrm rot="-5400000">
-        <a:off x="3785615" y="1370498"/>
-        <a:ext cx="6713742" cy="300240"/>
+        <a:off x="3785616" y="1244957"/>
+        <a:ext cx="6715215" cy="273015"/>
       </dsp:txXfrm>
     </dsp:sp>
-    <dsp:sp modelId="{0AE97034-2EEA-4546-B6E1-4FED6E26618F}">
+    <dsp:sp modelId="{D50219D7-709A-4BEC-B02B-FACFFE1B4F1E}">
       <dsp:nvSpPr>
         <dsp:cNvPr id="0" name=""/>
         <dsp:cNvSpPr/>
       </dsp:nvSpPr>
       <dsp:spPr>
         <a:xfrm>
-          <a:off x="0" y="1312665"/>
-          <a:ext cx="3785616" cy="415905"/>
+          <a:off x="0" y="1192368"/>
+          <a:ext cx="3785616" cy="378192"/>
         </a:xfrm>
         <a:prstGeom prst="roundRect">
           <a:avLst/>
@@ -13253,12 +13344,12 @@
         </a:fontRef>
       </dsp:style>
       <dsp:txBody>
-        <a:bodyPr spcFirstLastPara="0" vert="horz" wrap="square" lIns="80010" tIns="40005" rIns="80010" bIns="40005" numCol="1" spcCol="1270" anchor="ctr" anchorCtr="0">
+        <a:bodyPr spcFirstLastPara="0" vert="horz" wrap="square" lIns="72390" tIns="36195" rIns="72390" bIns="36195" numCol="1" spcCol="1270" anchor="ctr" anchorCtr="0">
           <a:noAutofit/>
         </a:bodyPr>
         <a:lstStyle/>
         <a:p>
-          <a:pPr marL="0" lvl="0" indent="0" algn="ctr" defTabSz="933450">
+          <a:pPr marL="0" lvl="0" indent="0" algn="ctr" defTabSz="844550">
             <a:lnSpc>
               <a:spcPct val="90000"/>
             </a:lnSpc>
@@ -13271,25 +13362,25 @@
             <a:buNone/>
           </a:pPr>
           <a:r>
-            <a:rPr lang="en-US" sz="2100" kern="1200" dirty="0"/>
-            <a:t>6</a:t>
+            <a:rPr lang="en-US" sz="1900" kern="1200" dirty="0"/>
+            <a:t>7</a:t>
           </a:r>
         </a:p>
       </dsp:txBody>
       <dsp:txXfrm>
-        <a:off x="20303" y="1332968"/>
-        <a:ext cx="3745010" cy="375299"/>
+        <a:off x="18462" y="1210830"/>
+        <a:ext cx="3748692" cy="341268"/>
       </dsp:txXfrm>
     </dsp:sp>
-    <dsp:sp modelId="{6CDEE012-C9C5-4A17-838B-A6C32B86F9FD}">
+    <dsp:sp modelId="{8D19A966-B752-413D-884D-47C9FC61B37F}">
       <dsp:nvSpPr>
         <dsp:cNvPr id="0" name=""/>
         <dsp:cNvSpPr/>
       </dsp:nvSpPr>
       <dsp:spPr>
         <a:xfrm rot="5400000">
-          <a:off x="6984245" y="-1407673"/>
-          <a:ext cx="332724" cy="6729984"/>
+          <a:off x="6999331" y="-1586425"/>
+          <a:ext cx="302553" cy="6729984"/>
         </a:xfrm>
         <a:prstGeom prst="round2SameRect">
           <a:avLst/>
@@ -13333,12 +13424,12 @@
         <a:fontRef idx="minor"/>
       </dsp:style>
       <dsp:txBody>
-        <a:bodyPr spcFirstLastPara="0" vert="horz" wrap="square" lIns="60960" tIns="30480" rIns="60960" bIns="30480" numCol="1" spcCol="1270" anchor="ctr" anchorCtr="0">
+        <a:bodyPr spcFirstLastPara="0" vert="horz" wrap="square" lIns="57150" tIns="28575" rIns="57150" bIns="28575" numCol="1" spcCol="1270" anchor="ctr" anchorCtr="0">
           <a:noAutofit/>
         </a:bodyPr>
         <a:lstStyle/>
         <a:p>
-          <a:pPr marL="171450" lvl="1" indent="-171450" algn="l" defTabSz="711200">
+          <a:pPr marL="114300" lvl="1" indent="-114300" algn="l" defTabSz="666750">
             <a:lnSpc>
               <a:spcPct val="90000"/>
             </a:lnSpc>
@@ -13351,25 +13442,25 @@
             <a:buChar char="•"/>
           </a:pPr>
           <a:r>
-            <a:rPr lang="en-US" sz="1600" kern="1200" dirty="0"/>
-            <a:t>Number Z slices A488 with depth of focus step sizes</a:t>
+            <a:rPr lang="en-US" sz="1500" kern="1200" dirty="0"/>
+            <a:t>Top Z position A555</a:t>
           </a:r>
         </a:p>
       </dsp:txBody>
       <dsp:txXfrm rot="-5400000">
-        <a:off x="3785615" y="1807199"/>
-        <a:ext cx="6713742" cy="300240"/>
+        <a:off x="3785616" y="1642059"/>
+        <a:ext cx="6715215" cy="273015"/>
       </dsp:txXfrm>
     </dsp:sp>
-    <dsp:sp modelId="{420DC76F-67CB-4E7F-B46E-2E6148ED358C}">
+    <dsp:sp modelId="{0AE97034-2EEA-4546-B6E1-4FED6E26618F}">
       <dsp:nvSpPr>
         <dsp:cNvPr id="0" name=""/>
         <dsp:cNvSpPr/>
       </dsp:nvSpPr>
       <dsp:spPr>
         <a:xfrm>
-          <a:off x="0" y="1749365"/>
-          <a:ext cx="3785616" cy="415905"/>
+          <a:off x="0" y="1589470"/>
+          <a:ext cx="3785616" cy="378192"/>
         </a:xfrm>
         <a:prstGeom prst="roundRect">
           <a:avLst/>
@@ -13411,12 +13502,12 @@
         </a:fontRef>
       </dsp:style>
       <dsp:txBody>
-        <a:bodyPr spcFirstLastPara="0" vert="horz" wrap="square" lIns="80010" tIns="40005" rIns="80010" bIns="40005" numCol="1" spcCol="1270" anchor="ctr" anchorCtr="0">
+        <a:bodyPr spcFirstLastPara="0" vert="horz" wrap="square" lIns="72390" tIns="36195" rIns="72390" bIns="36195" numCol="1" spcCol="1270" anchor="ctr" anchorCtr="0">
           <a:noAutofit/>
         </a:bodyPr>
         <a:lstStyle/>
         <a:p>
-          <a:pPr marL="0" lvl="0" indent="0" algn="ctr" defTabSz="933450">
+          <a:pPr marL="0" lvl="0" indent="0" algn="ctr" defTabSz="844550">
             <a:lnSpc>
               <a:spcPct val="90000"/>
             </a:lnSpc>
@@ -13429,25 +13520,25 @@
             <a:buNone/>
           </a:pPr>
           <a:r>
-            <a:rPr lang="en-US" sz="2100" kern="1200" dirty="0"/>
-            <a:t>5</a:t>
+            <a:rPr lang="en-US" sz="1900" kern="1200" dirty="0"/>
+            <a:t>6</a:t>
           </a:r>
         </a:p>
       </dsp:txBody>
       <dsp:txXfrm>
-        <a:off x="20303" y="1769668"/>
-        <a:ext cx="3745010" cy="375299"/>
+        <a:off x="18462" y="1607932"/>
+        <a:ext cx="3748692" cy="341268"/>
       </dsp:txXfrm>
     </dsp:sp>
-    <dsp:sp modelId="{11A37157-747C-4EF9-86E3-7060FDB3EDCF}">
+    <dsp:sp modelId="{6CDEE012-C9C5-4A17-838B-A6C32B86F9FD}">
       <dsp:nvSpPr>
         <dsp:cNvPr id="0" name=""/>
         <dsp:cNvSpPr/>
       </dsp:nvSpPr>
       <dsp:spPr>
         <a:xfrm rot="5400000">
-          <a:off x="6984245" y="-970972"/>
-          <a:ext cx="332724" cy="6729984"/>
+          <a:off x="6999331" y="-1189322"/>
+          <a:ext cx="302553" cy="6729984"/>
         </a:xfrm>
         <a:prstGeom prst="round2SameRect">
           <a:avLst/>
@@ -13491,12 +13582,12 @@
         <a:fontRef idx="minor"/>
       </dsp:style>
       <dsp:txBody>
-        <a:bodyPr spcFirstLastPara="0" vert="horz" wrap="square" lIns="60960" tIns="30480" rIns="60960" bIns="30480" numCol="1" spcCol="1270" anchor="ctr" anchorCtr="0">
+        <a:bodyPr spcFirstLastPara="0" vert="horz" wrap="square" lIns="57150" tIns="28575" rIns="57150" bIns="28575" numCol="1" spcCol="1270" anchor="ctr" anchorCtr="0">
           <a:noAutofit/>
         </a:bodyPr>
         <a:lstStyle/>
         <a:p>
-          <a:pPr marL="171450" lvl="1" indent="-171450" algn="l" defTabSz="711200">
+          <a:pPr marL="114300" lvl="1" indent="-114300" algn="l" defTabSz="666750">
             <a:lnSpc>
               <a:spcPct val="90000"/>
             </a:lnSpc>
@@ -13509,25 +13600,25 @@
             <a:buChar char="•"/>
           </a:pPr>
           <a:r>
-            <a:rPr lang="en-US" sz="1600" kern="1200" dirty="0"/>
-            <a:t>Top Z position A488</a:t>
+            <a:rPr lang="en-US" sz="1500" kern="1200" dirty="0"/>
+            <a:t>Number Z slices A488 with depth of focus step sizes</a:t>
           </a:r>
         </a:p>
       </dsp:txBody>
       <dsp:txXfrm rot="-5400000">
-        <a:off x="3785615" y="2243900"/>
-        <a:ext cx="6713742" cy="300240"/>
+        <a:off x="3785616" y="2039162"/>
+        <a:ext cx="6715215" cy="273015"/>
       </dsp:txXfrm>
     </dsp:sp>
-    <dsp:sp modelId="{37DDD804-7468-4745-86EB-0ADFEB1882A6}">
+    <dsp:sp modelId="{420DC76F-67CB-4E7F-B46E-2E6148ED358C}">
       <dsp:nvSpPr>
         <dsp:cNvPr id="0" name=""/>
         <dsp:cNvSpPr/>
       </dsp:nvSpPr>
       <dsp:spPr>
         <a:xfrm>
-          <a:off x="0" y="2186066"/>
-          <a:ext cx="3785616" cy="415905"/>
+          <a:off x="0" y="1986572"/>
+          <a:ext cx="3785616" cy="378192"/>
         </a:xfrm>
         <a:prstGeom prst="roundRect">
           <a:avLst/>
@@ -13569,12 +13660,12 @@
         </a:fontRef>
       </dsp:style>
       <dsp:txBody>
-        <a:bodyPr spcFirstLastPara="0" vert="horz" wrap="square" lIns="80010" tIns="40005" rIns="80010" bIns="40005" numCol="1" spcCol="1270" anchor="ctr" anchorCtr="0">
+        <a:bodyPr spcFirstLastPara="0" vert="horz" wrap="square" lIns="72390" tIns="36195" rIns="72390" bIns="36195" numCol="1" spcCol="1270" anchor="ctr" anchorCtr="0">
           <a:noAutofit/>
         </a:bodyPr>
         <a:lstStyle/>
         <a:p>
-          <a:pPr marL="0" lvl="0" indent="0" algn="ctr" defTabSz="933450">
+          <a:pPr marL="0" lvl="0" indent="0" algn="ctr" defTabSz="844550">
             <a:lnSpc>
               <a:spcPct val="90000"/>
             </a:lnSpc>
@@ -13587,25 +13678,25 @@
             <a:buNone/>
           </a:pPr>
           <a:r>
-            <a:rPr lang="en-US" sz="2100" kern="1200" dirty="0"/>
-            <a:t>4</a:t>
+            <a:rPr lang="en-US" sz="1900" kern="1200" dirty="0"/>
+            <a:t>5</a:t>
           </a:r>
         </a:p>
       </dsp:txBody>
       <dsp:txXfrm>
-        <a:off x="20303" y="2206369"/>
-        <a:ext cx="3745010" cy="375299"/>
+        <a:off x="18462" y="2005034"/>
+        <a:ext cx="3748692" cy="341268"/>
       </dsp:txXfrm>
     </dsp:sp>
-    <dsp:sp modelId="{70E40ED8-44BE-430D-B675-928F3AAF69F6}">
+    <dsp:sp modelId="{11A37157-747C-4EF9-86E3-7060FDB3EDCF}">
       <dsp:nvSpPr>
         <dsp:cNvPr id="0" name=""/>
         <dsp:cNvSpPr/>
       </dsp:nvSpPr>
       <dsp:spPr>
         <a:xfrm rot="5400000">
-          <a:off x="6984245" y="-534271"/>
-          <a:ext cx="332724" cy="6729984"/>
+          <a:off x="6999331" y="-792220"/>
+          <a:ext cx="302553" cy="6729984"/>
         </a:xfrm>
         <a:prstGeom prst="round2SameRect">
           <a:avLst/>
@@ -13649,12 +13740,12 @@
         <a:fontRef idx="minor"/>
       </dsp:style>
       <dsp:txBody>
-        <a:bodyPr spcFirstLastPara="0" vert="horz" wrap="square" lIns="60960" tIns="30480" rIns="60960" bIns="30480" numCol="1" spcCol="1270" anchor="ctr" anchorCtr="0">
+        <a:bodyPr spcFirstLastPara="0" vert="horz" wrap="square" lIns="57150" tIns="28575" rIns="57150" bIns="28575" numCol="1" spcCol="1270" anchor="ctr" anchorCtr="0">
           <a:noAutofit/>
         </a:bodyPr>
         <a:lstStyle/>
         <a:p>
-          <a:pPr marL="171450" lvl="1" indent="-171450" algn="l" defTabSz="711200">
+          <a:pPr marL="114300" lvl="1" indent="-114300" algn="l" defTabSz="666750">
             <a:lnSpc>
               <a:spcPct val="90000"/>
             </a:lnSpc>
@@ -13667,25 +13758,25 @@
             <a:buChar char="•"/>
           </a:pPr>
           <a:r>
-            <a:rPr lang="en-US" sz="1600" kern="1200" dirty="0"/>
-            <a:t>Number Z slices DAPI with depth of focus step sizes</a:t>
+            <a:rPr lang="en-US" sz="1500" kern="1200" dirty="0"/>
+            <a:t>Top Z position A488</a:t>
           </a:r>
         </a:p>
       </dsp:txBody>
       <dsp:txXfrm rot="-5400000">
-        <a:off x="3785615" y="2680601"/>
-        <a:ext cx="6713742" cy="300240"/>
+        <a:off x="3785616" y="2436264"/>
+        <a:ext cx="6715215" cy="273015"/>
       </dsp:txXfrm>
     </dsp:sp>
-    <dsp:sp modelId="{15B1535D-7A2F-4187-BF40-F7B12325C164}">
+    <dsp:sp modelId="{37DDD804-7468-4745-86EB-0ADFEB1882A6}">
       <dsp:nvSpPr>
         <dsp:cNvPr id="0" name=""/>
         <dsp:cNvSpPr/>
       </dsp:nvSpPr>
       <dsp:spPr>
         <a:xfrm>
-          <a:off x="0" y="2622767"/>
-          <a:ext cx="3785616" cy="415905"/>
+          <a:off x="0" y="2383674"/>
+          <a:ext cx="3785616" cy="378192"/>
         </a:xfrm>
         <a:prstGeom prst="roundRect">
           <a:avLst/>
@@ -13727,12 +13818,12 @@
         </a:fontRef>
       </dsp:style>
       <dsp:txBody>
-        <a:bodyPr spcFirstLastPara="0" vert="horz" wrap="square" lIns="80010" tIns="40005" rIns="80010" bIns="40005" numCol="1" spcCol="1270" anchor="ctr" anchorCtr="0">
+        <a:bodyPr spcFirstLastPara="0" vert="horz" wrap="square" lIns="72390" tIns="36195" rIns="72390" bIns="36195" numCol="1" spcCol="1270" anchor="ctr" anchorCtr="0">
           <a:noAutofit/>
         </a:bodyPr>
         <a:lstStyle/>
         <a:p>
-          <a:pPr marL="0" lvl="0" indent="0" algn="ctr" defTabSz="933450">
+          <a:pPr marL="0" lvl="0" indent="0" algn="ctr" defTabSz="844550">
             <a:lnSpc>
               <a:spcPct val="90000"/>
             </a:lnSpc>
@@ -13745,25 +13836,25 @@
             <a:buNone/>
           </a:pPr>
           <a:r>
-            <a:rPr lang="en-US" sz="2100" kern="1200" dirty="0"/>
-            <a:t>3</a:t>
+            <a:rPr lang="en-US" sz="1900" kern="1200" dirty="0"/>
+            <a:t>4</a:t>
           </a:r>
         </a:p>
       </dsp:txBody>
       <dsp:txXfrm>
-        <a:off x="20303" y="2643070"/>
-        <a:ext cx="3745010" cy="375299"/>
+        <a:off x="18462" y="2402136"/>
+        <a:ext cx="3748692" cy="341268"/>
       </dsp:txXfrm>
     </dsp:sp>
-    <dsp:sp modelId="{A66FD841-E172-4F54-A46D-4FEB62724531}">
+    <dsp:sp modelId="{70E40ED8-44BE-430D-B675-928F3AAF69F6}">
       <dsp:nvSpPr>
         <dsp:cNvPr id="0" name=""/>
         <dsp:cNvSpPr/>
       </dsp:nvSpPr>
       <dsp:spPr>
         <a:xfrm rot="5400000">
-          <a:off x="6984245" y="-97571"/>
-          <a:ext cx="332724" cy="6729984"/>
+          <a:off x="6999331" y="-395118"/>
+          <a:ext cx="302553" cy="6729984"/>
         </a:xfrm>
         <a:prstGeom prst="round2SameRect">
           <a:avLst/>
@@ -13807,12 +13898,12 @@
         <a:fontRef idx="minor"/>
       </dsp:style>
       <dsp:txBody>
-        <a:bodyPr spcFirstLastPara="0" vert="horz" wrap="square" lIns="60960" tIns="30480" rIns="60960" bIns="30480" numCol="1" spcCol="1270" anchor="ctr" anchorCtr="0">
+        <a:bodyPr spcFirstLastPara="0" vert="horz" wrap="square" lIns="57150" tIns="28575" rIns="57150" bIns="28575" numCol="1" spcCol="1270" anchor="ctr" anchorCtr="0">
           <a:noAutofit/>
         </a:bodyPr>
         <a:lstStyle/>
         <a:p>
-          <a:pPr marL="171450" lvl="1" indent="-171450" algn="l" defTabSz="711200">
+          <a:pPr marL="114300" lvl="1" indent="-114300" algn="l" defTabSz="666750">
             <a:lnSpc>
               <a:spcPct val="90000"/>
             </a:lnSpc>
@@ -13825,25 +13916,25 @@
             <a:buChar char="•"/>
           </a:pPr>
           <a:r>
-            <a:rPr lang="en-US" sz="1600" kern="1200" dirty="0"/>
-            <a:t>Top Z position DAPI</a:t>
+            <a:rPr lang="en-US" sz="1500" kern="1200" dirty="0"/>
+            <a:t>Number Z slices DAPI with depth of focus step sizes</a:t>
           </a:r>
         </a:p>
       </dsp:txBody>
       <dsp:txXfrm rot="-5400000">
-        <a:off x="3785615" y="3117301"/>
-        <a:ext cx="6713742" cy="300240"/>
+        <a:off x="3785616" y="2833366"/>
+        <a:ext cx="6715215" cy="273015"/>
       </dsp:txXfrm>
     </dsp:sp>
-    <dsp:sp modelId="{1DD2327A-0023-43BD-AE1D-76839AC91220}">
+    <dsp:sp modelId="{15B1535D-7A2F-4187-BF40-F7B12325C164}">
       <dsp:nvSpPr>
         <dsp:cNvPr id="0" name=""/>
         <dsp:cNvSpPr/>
       </dsp:nvSpPr>
       <dsp:spPr>
         <a:xfrm>
-          <a:off x="0" y="3059468"/>
-          <a:ext cx="3785616" cy="415905"/>
+          <a:off x="0" y="2780776"/>
+          <a:ext cx="3785616" cy="378192"/>
         </a:xfrm>
         <a:prstGeom prst="roundRect">
           <a:avLst/>
@@ -13885,12 +13976,12 @@
         </a:fontRef>
       </dsp:style>
       <dsp:txBody>
-        <a:bodyPr spcFirstLastPara="0" vert="horz" wrap="square" lIns="80010" tIns="40005" rIns="80010" bIns="40005" numCol="1" spcCol="1270" anchor="ctr" anchorCtr="0">
+        <a:bodyPr spcFirstLastPara="0" vert="horz" wrap="square" lIns="72390" tIns="36195" rIns="72390" bIns="36195" numCol="1" spcCol="1270" anchor="ctr" anchorCtr="0">
           <a:noAutofit/>
         </a:bodyPr>
         <a:lstStyle/>
         <a:p>
-          <a:pPr marL="0" lvl="0" indent="0" algn="ctr" defTabSz="933450">
+          <a:pPr marL="0" lvl="0" indent="0" algn="ctr" defTabSz="844550">
             <a:lnSpc>
               <a:spcPct val="90000"/>
             </a:lnSpc>
@@ -13903,25 +13994,25 @@
             <a:buNone/>
           </a:pPr>
           <a:r>
-            <a:rPr lang="en-US" sz="2100" kern="1200" dirty="0"/>
-            <a:t>2</a:t>
+            <a:rPr lang="en-US" sz="1900" kern="1200" dirty="0"/>
+            <a:t>3</a:t>
           </a:r>
         </a:p>
       </dsp:txBody>
       <dsp:txXfrm>
-        <a:off x="20303" y="3079771"/>
-        <a:ext cx="3745010" cy="375299"/>
+        <a:off x="18462" y="2799238"/>
+        <a:ext cx="3748692" cy="341268"/>
       </dsp:txXfrm>
     </dsp:sp>
-    <dsp:sp modelId="{584C82D3-8114-4ECC-ACD2-0C383433147E}">
+    <dsp:sp modelId="{A66FD841-E172-4F54-A46D-4FEB62724531}">
       <dsp:nvSpPr>
         <dsp:cNvPr id="0" name=""/>
         <dsp:cNvSpPr/>
       </dsp:nvSpPr>
       <dsp:spPr>
         <a:xfrm rot="5400000">
-          <a:off x="6984245" y="339129"/>
-          <a:ext cx="332724" cy="6729984"/>
+          <a:off x="6999331" y="1983"/>
+          <a:ext cx="302553" cy="6729984"/>
         </a:xfrm>
         <a:prstGeom prst="round2SameRect">
           <a:avLst/>
@@ -13965,12 +14056,12 @@
         <a:fontRef idx="minor"/>
       </dsp:style>
       <dsp:txBody>
-        <a:bodyPr spcFirstLastPara="0" vert="horz" wrap="square" lIns="60960" tIns="30480" rIns="60960" bIns="30480" numCol="1" spcCol="1270" anchor="ctr" anchorCtr="0">
+        <a:bodyPr spcFirstLastPara="0" vert="horz" wrap="square" lIns="57150" tIns="28575" rIns="57150" bIns="28575" numCol="1" spcCol="1270" anchor="ctr" anchorCtr="0">
           <a:noAutofit/>
         </a:bodyPr>
         <a:lstStyle/>
         <a:p>
-          <a:pPr marL="171450" lvl="1" indent="-171450" algn="l" defTabSz="711200">
+          <a:pPr marL="114300" lvl="1" indent="-114300" algn="l" defTabSz="666750">
             <a:lnSpc>
               <a:spcPct val="90000"/>
             </a:lnSpc>
@@ -13983,25 +14074,25 @@
             <a:buChar char="•"/>
           </a:pPr>
           <a:r>
-            <a:rPr lang="en-US" sz="1600" kern="1200" dirty="0"/>
-            <a:t>Y positions</a:t>
+            <a:rPr lang="en-US" sz="1500" kern="1200" dirty="0"/>
+            <a:t>Top Z position DAPI</a:t>
           </a:r>
         </a:p>
       </dsp:txBody>
       <dsp:txXfrm rot="-5400000">
-        <a:off x="3785615" y="3554001"/>
-        <a:ext cx="6713742" cy="300240"/>
+        <a:off x="3785616" y="3230468"/>
+        <a:ext cx="6715215" cy="273015"/>
       </dsp:txXfrm>
     </dsp:sp>
-    <dsp:sp modelId="{34510324-D802-4FC9-9901-97AFD6953F67}">
+    <dsp:sp modelId="{1DD2327A-0023-43BD-AE1D-76839AC91220}">
       <dsp:nvSpPr>
         <dsp:cNvPr id="0" name=""/>
         <dsp:cNvSpPr/>
       </dsp:nvSpPr>
       <dsp:spPr>
         <a:xfrm>
-          <a:off x="0" y="3496168"/>
-          <a:ext cx="3785616" cy="415905"/>
+          <a:off x="0" y="3177879"/>
+          <a:ext cx="3785616" cy="378192"/>
         </a:xfrm>
         <a:prstGeom prst="roundRect">
           <a:avLst/>
@@ -14043,12 +14134,12 @@
         </a:fontRef>
       </dsp:style>
       <dsp:txBody>
-        <a:bodyPr spcFirstLastPara="0" vert="horz" wrap="square" lIns="80010" tIns="40005" rIns="80010" bIns="40005" numCol="1" spcCol="1270" anchor="ctr" anchorCtr="0">
+        <a:bodyPr spcFirstLastPara="0" vert="horz" wrap="square" lIns="72390" tIns="36195" rIns="72390" bIns="36195" numCol="1" spcCol="1270" anchor="ctr" anchorCtr="0">
           <a:noAutofit/>
         </a:bodyPr>
         <a:lstStyle/>
         <a:p>
-          <a:pPr marL="0" lvl="0" indent="0" algn="ctr" defTabSz="933450">
+          <a:pPr marL="0" lvl="0" indent="0" algn="ctr" defTabSz="844550">
             <a:lnSpc>
               <a:spcPct val="90000"/>
             </a:lnSpc>
@@ -14061,25 +14152,25 @@
             <a:buNone/>
           </a:pPr>
           <a:r>
-            <a:rPr lang="en-US" sz="2100" kern="1200" dirty="0"/>
-            <a:t>1</a:t>
+            <a:rPr lang="en-US" sz="1900" kern="1200" dirty="0"/>
+            <a:t>2</a:t>
           </a:r>
         </a:p>
       </dsp:txBody>
       <dsp:txXfrm>
-        <a:off x="20303" y="3516471"/>
-        <a:ext cx="3745010" cy="375299"/>
+        <a:off x="18462" y="3196341"/>
+        <a:ext cx="3748692" cy="341268"/>
       </dsp:txXfrm>
     </dsp:sp>
-    <dsp:sp modelId="{A16281FF-B68A-4B29-9589-85A8639DAE3B}">
+    <dsp:sp modelId="{584C82D3-8114-4ECC-ACD2-0C383433147E}">
       <dsp:nvSpPr>
         <dsp:cNvPr id="0" name=""/>
         <dsp:cNvSpPr/>
       </dsp:nvSpPr>
       <dsp:spPr>
         <a:xfrm rot="5400000">
-          <a:off x="6984245" y="775830"/>
-          <a:ext cx="332724" cy="6729984"/>
+          <a:off x="6999331" y="399085"/>
+          <a:ext cx="302553" cy="6729984"/>
         </a:xfrm>
         <a:prstGeom prst="round2SameRect">
           <a:avLst/>
@@ -14123,12 +14214,12 @@
         <a:fontRef idx="minor"/>
       </dsp:style>
       <dsp:txBody>
-        <a:bodyPr spcFirstLastPara="0" vert="horz" wrap="square" lIns="60960" tIns="30480" rIns="60960" bIns="30480" numCol="1" spcCol="1270" anchor="ctr" anchorCtr="0">
+        <a:bodyPr spcFirstLastPara="0" vert="horz" wrap="square" lIns="57150" tIns="28575" rIns="57150" bIns="28575" numCol="1" spcCol="1270" anchor="ctr" anchorCtr="0">
           <a:noAutofit/>
         </a:bodyPr>
         <a:lstStyle/>
         <a:p>
-          <a:pPr marL="171450" lvl="1" indent="-171450" algn="l" defTabSz="711200">
+          <a:pPr marL="114300" lvl="1" indent="-114300" algn="l" defTabSz="666750">
             <a:lnSpc>
               <a:spcPct val="90000"/>
             </a:lnSpc>
@@ -14141,25 +14232,25 @@
             <a:buChar char="•"/>
           </a:pPr>
           <a:r>
-            <a:rPr lang="en-US" sz="1600" kern="1200" dirty="0"/>
-            <a:t>X positions</a:t>
+            <a:rPr lang="en-US" sz="1500" kern="1200" dirty="0"/>
+            <a:t>Y positions</a:t>
           </a:r>
         </a:p>
       </dsp:txBody>
       <dsp:txXfrm rot="-5400000">
-        <a:off x="3785615" y="3990702"/>
-        <a:ext cx="6713742" cy="300240"/>
+        <a:off x="3785616" y="3627570"/>
+        <a:ext cx="6715215" cy="273015"/>
       </dsp:txXfrm>
     </dsp:sp>
-    <dsp:sp modelId="{6A499025-F9DF-477C-8373-2FD3C48E42CD}">
+    <dsp:sp modelId="{34510324-D802-4FC9-9901-97AFD6953F67}">
       <dsp:nvSpPr>
         <dsp:cNvPr id="0" name=""/>
         <dsp:cNvSpPr/>
       </dsp:nvSpPr>
       <dsp:spPr>
         <a:xfrm>
-          <a:off x="0" y="3932869"/>
-          <a:ext cx="3785616" cy="415905"/>
+          <a:off x="0" y="3574981"/>
+          <a:ext cx="3785616" cy="378192"/>
         </a:xfrm>
         <a:prstGeom prst="roundRect">
           <a:avLst/>
@@ -14201,12 +14292,12 @@
         </a:fontRef>
       </dsp:style>
       <dsp:txBody>
-        <a:bodyPr spcFirstLastPara="0" vert="horz" wrap="square" lIns="80010" tIns="40005" rIns="80010" bIns="40005" numCol="1" spcCol="1270" anchor="ctr" anchorCtr="0">
+        <a:bodyPr spcFirstLastPara="0" vert="horz" wrap="square" lIns="72390" tIns="36195" rIns="72390" bIns="36195" numCol="1" spcCol="1270" anchor="ctr" anchorCtr="0">
           <a:noAutofit/>
         </a:bodyPr>
         <a:lstStyle/>
         <a:p>
-          <a:pPr marL="0" lvl="0" indent="0" algn="ctr" defTabSz="933450">
+          <a:pPr marL="0" lvl="0" indent="0" algn="ctr" defTabSz="844550">
             <a:lnSpc>
               <a:spcPct val="90000"/>
             </a:lnSpc>
@@ -14219,14 +14310,172 @@
             <a:buNone/>
           </a:pPr>
           <a:r>
-            <a:rPr lang="en-US" sz="2100" kern="1200" dirty="0"/>
+            <a:rPr lang="en-US" sz="1900" kern="1200" dirty="0"/>
+            <a:t>1</a:t>
+          </a:r>
+        </a:p>
+      </dsp:txBody>
+      <dsp:txXfrm>
+        <a:off x="18462" y="3593443"/>
+        <a:ext cx="3748692" cy="341268"/>
+      </dsp:txXfrm>
+    </dsp:sp>
+    <dsp:sp modelId="{A16281FF-B68A-4B29-9589-85A8639DAE3B}">
+      <dsp:nvSpPr>
+        <dsp:cNvPr id="0" name=""/>
+        <dsp:cNvSpPr/>
+      </dsp:nvSpPr>
+      <dsp:spPr>
+        <a:xfrm rot="5400000">
+          <a:off x="6999331" y="796187"/>
+          <a:ext cx="302553" cy="6729984"/>
+        </a:xfrm>
+        <a:prstGeom prst="round2SameRect">
+          <a:avLst/>
+        </a:prstGeom>
+        <a:solidFill>
+          <a:schemeClr val="accent1">
+            <a:alpha val="90000"/>
+            <a:tint val="40000"/>
+            <a:hueOff val="0"/>
+            <a:satOff val="0"/>
+            <a:lumOff val="0"/>
+            <a:alphaOff val="0"/>
+          </a:schemeClr>
+        </a:solidFill>
+        <a:ln w="12700" cap="flat" cmpd="sng" algn="ctr">
+          <a:solidFill>
+            <a:schemeClr val="accent1">
+              <a:alpha val="90000"/>
+              <a:tint val="40000"/>
+              <a:hueOff val="0"/>
+              <a:satOff val="0"/>
+              <a:lumOff val="0"/>
+              <a:alphaOff val="0"/>
+            </a:schemeClr>
+          </a:solidFill>
+          <a:prstDash val="solid"/>
+          <a:miter lim="800000"/>
+        </a:ln>
+        <a:effectLst/>
+      </dsp:spPr>
+      <dsp:style>
+        <a:lnRef idx="2">
+          <a:scrgbClr r="0" g="0" b="0"/>
+        </a:lnRef>
+        <a:fillRef idx="1">
+          <a:scrgbClr r="0" g="0" b="0"/>
+        </a:fillRef>
+        <a:effectRef idx="0">
+          <a:scrgbClr r="0" g="0" b="0"/>
+        </a:effectRef>
+        <a:fontRef idx="minor"/>
+      </dsp:style>
+      <dsp:txBody>
+        <a:bodyPr spcFirstLastPara="0" vert="horz" wrap="square" lIns="57150" tIns="28575" rIns="57150" bIns="28575" numCol="1" spcCol="1270" anchor="ctr" anchorCtr="0">
+          <a:noAutofit/>
+        </a:bodyPr>
+        <a:lstStyle/>
+        <a:p>
+          <a:pPr marL="114300" lvl="1" indent="-114300" algn="l" defTabSz="666750">
+            <a:lnSpc>
+              <a:spcPct val="90000"/>
+            </a:lnSpc>
+            <a:spcBef>
+              <a:spcPct val="0"/>
+            </a:spcBef>
+            <a:spcAft>
+              <a:spcPct val="15000"/>
+            </a:spcAft>
+            <a:buChar char="•"/>
+          </a:pPr>
+          <a:r>
+            <a:rPr lang="en-US" sz="1500" kern="1200" dirty="0"/>
+            <a:t>X positions</a:t>
+          </a:r>
+        </a:p>
+      </dsp:txBody>
+      <dsp:txXfrm rot="-5400000">
+        <a:off x="3785616" y="4024672"/>
+        <a:ext cx="6715215" cy="273015"/>
+      </dsp:txXfrm>
+    </dsp:sp>
+    <dsp:sp modelId="{6A499025-F9DF-477C-8373-2FD3C48E42CD}">
+      <dsp:nvSpPr>
+        <dsp:cNvPr id="0" name=""/>
+        <dsp:cNvSpPr/>
+      </dsp:nvSpPr>
+      <dsp:spPr>
+        <a:xfrm>
+          <a:off x="0" y="3972083"/>
+          <a:ext cx="3785616" cy="378192"/>
+        </a:xfrm>
+        <a:prstGeom prst="roundRect">
+          <a:avLst/>
+        </a:prstGeom>
+        <a:solidFill>
+          <a:schemeClr val="accent1">
+            <a:hueOff val="0"/>
+            <a:satOff val="0"/>
+            <a:lumOff val="0"/>
+            <a:alphaOff val="0"/>
+          </a:schemeClr>
+        </a:solidFill>
+        <a:ln w="12700" cap="flat" cmpd="sng" algn="ctr">
+          <a:solidFill>
+            <a:schemeClr val="lt1">
+              <a:hueOff val="0"/>
+              <a:satOff val="0"/>
+              <a:lumOff val="0"/>
+              <a:alphaOff val="0"/>
+            </a:schemeClr>
+          </a:solidFill>
+          <a:prstDash val="solid"/>
+          <a:miter lim="800000"/>
+        </a:ln>
+        <a:effectLst/>
+      </dsp:spPr>
+      <dsp:style>
+        <a:lnRef idx="2">
+          <a:scrgbClr r="0" g="0" b="0"/>
+        </a:lnRef>
+        <a:fillRef idx="1">
+          <a:scrgbClr r="0" g="0" b="0"/>
+        </a:fillRef>
+        <a:effectRef idx="0">
+          <a:scrgbClr r="0" g="0" b="0"/>
+        </a:effectRef>
+        <a:fontRef idx="minor">
+          <a:schemeClr val="lt1"/>
+        </a:fontRef>
+      </dsp:style>
+      <dsp:txBody>
+        <a:bodyPr spcFirstLastPara="0" vert="horz" wrap="square" lIns="72390" tIns="36195" rIns="72390" bIns="36195" numCol="1" spcCol="1270" anchor="ctr" anchorCtr="0">
+          <a:noAutofit/>
+        </a:bodyPr>
+        <a:lstStyle/>
+        <a:p>
+          <a:pPr marL="0" lvl="0" indent="0" algn="ctr" defTabSz="844550">
+            <a:lnSpc>
+              <a:spcPct val="90000"/>
+            </a:lnSpc>
+            <a:spcBef>
+              <a:spcPct val="0"/>
+            </a:spcBef>
+            <a:spcAft>
+              <a:spcPct val="35000"/>
+            </a:spcAft>
+            <a:buNone/>
+          </a:pPr>
+          <a:r>
+            <a:rPr lang="en-US" sz="1900" kern="1200" dirty="0"/>
             <a:t>0</a:t>
           </a:r>
         </a:p>
       </dsp:txBody>
       <dsp:txXfrm>
-        <a:off x="20303" y="3953172"/>
-        <a:ext cx="3745010" cy="375299"/>
+        <a:off x="18462" y="3990545"/>
+        <a:ext cx="3748692" cy="341268"/>
       </dsp:txXfrm>
     </dsp:sp>
   </dsp:spTree>
@@ -26740,7 +26989,7 @@
           <a:p>
             <a:fld id="{D1ACE2F4-E882-4A93-B606-CA9C404A6B2F}" type="datetimeFigureOut">
               <a:rPr lang="en-US" smtClean="0"/>
-              <a:t>9/29/2023</a:t>
+              <a:t>2/5/2024</a:t>
             </a:fld>
             <a:endParaRPr lang="en-US"/>
           </a:p>
@@ -26938,7 +27187,7 @@
           <a:p>
             <a:fld id="{D1ACE2F4-E882-4A93-B606-CA9C404A6B2F}" type="datetimeFigureOut">
               <a:rPr lang="en-US" smtClean="0"/>
-              <a:t>9/29/2023</a:t>
+              <a:t>2/5/2024</a:t>
             </a:fld>
             <a:endParaRPr lang="en-US"/>
           </a:p>
@@ -27146,7 +27395,7 @@
           <a:p>
             <a:fld id="{D1ACE2F4-E882-4A93-B606-CA9C404A6B2F}" type="datetimeFigureOut">
               <a:rPr lang="en-US" smtClean="0"/>
-              <a:t>9/29/2023</a:t>
+              <a:t>2/5/2024</a:t>
             </a:fld>
             <a:endParaRPr lang="en-US"/>
           </a:p>
@@ -27344,7 +27593,7 @@
           <a:p>
             <a:fld id="{D1ACE2F4-E882-4A93-B606-CA9C404A6B2F}" type="datetimeFigureOut">
               <a:rPr lang="en-US" smtClean="0"/>
-              <a:t>9/29/2023</a:t>
+              <a:t>2/5/2024</a:t>
             </a:fld>
             <a:endParaRPr lang="en-US"/>
           </a:p>
@@ -27619,7 +27868,7 @@
           <a:p>
             <a:fld id="{D1ACE2F4-E882-4A93-B606-CA9C404A6B2F}" type="datetimeFigureOut">
               <a:rPr lang="en-US" smtClean="0"/>
-              <a:t>9/29/2023</a:t>
+              <a:t>2/5/2024</a:t>
             </a:fld>
             <a:endParaRPr lang="en-US"/>
           </a:p>
@@ -27884,7 +28133,7 @@
           <a:p>
             <a:fld id="{D1ACE2F4-E882-4A93-B606-CA9C404A6B2F}" type="datetimeFigureOut">
               <a:rPr lang="en-US" smtClean="0"/>
-              <a:t>9/29/2023</a:t>
+              <a:t>2/5/2024</a:t>
             </a:fld>
             <a:endParaRPr lang="en-US"/>
           </a:p>
@@ -28296,7 +28545,7 @@
           <a:p>
             <a:fld id="{D1ACE2F4-E882-4A93-B606-CA9C404A6B2F}" type="datetimeFigureOut">
               <a:rPr lang="en-US" smtClean="0"/>
-              <a:t>9/29/2023</a:t>
+              <a:t>2/5/2024</a:t>
             </a:fld>
             <a:endParaRPr lang="en-US"/>
           </a:p>
@@ -28437,7 +28686,7 @@
           <a:p>
             <a:fld id="{D1ACE2F4-E882-4A93-B606-CA9C404A6B2F}" type="datetimeFigureOut">
               <a:rPr lang="en-US" smtClean="0"/>
-              <a:t>9/29/2023</a:t>
+              <a:t>2/5/2024</a:t>
             </a:fld>
             <a:endParaRPr lang="en-US"/>
           </a:p>
@@ -28550,7 +28799,7 @@
           <a:p>
             <a:fld id="{D1ACE2F4-E882-4A93-B606-CA9C404A6B2F}" type="datetimeFigureOut">
               <a:rPr lang="en-US" smtClean="0"/>
-              <a:t>9/29/2023</a:t>
+              <a:t>2/5/2024</a:t>
             </a:fld>
             <a:endParaRPr lang="en-US"/>
           </a:p>
@@ -28861,7 +29110,7 @@
           <a:p>
             <a:fld id="{D1ACE2F4-E882-4A93-B606-CA9C404A6B2F}" type="datetimeFigureOut">
               <a:rPr lang="en-US" smtClean="0"/>
-              <a:t>9/29/2023</a:t>
+              <a:t>2/5/2024</a:t>
             </a:fld>
             <a:endParaRPr lang="en-US"/>
           </a:p>
@@ -29149,7 +29398,7 @@
           <a:p>
             <a:fld id="{D1ACE2F4-E882-4A93-B606-CA9C404A6B2F}" type="datetimeFigureOut">
               <a:rPr lang="en-US" smtClean="0"/>
-              <a:t>9/29/2023</a:t>
+              <a:t>2/5/2024</a:t>
             </a:fld>
             <a:endParaRPr lang="en-US"/>
           </a:p>
@@ -29390,7 +29639,7 @@
           <a:p>
             <a:fld id="{D1ACE2F4-E882-4A93-B606-CA9C404A6B2F}" type="datetimeFigureOut">
               <a:rPr lang="en-US" smtClean="0"/>
-              <a:t>9/29/2023</a:t>
+              <a:t>2/5/2024</a:t>
             </a:fld>
             <a:endParaRPr lang="en-US"/>
           </a:p>
@@ -32143,7 +32392,7 @@
             <p:ph idx="1"/>
             <p:extLst>
               <p:ext uri="{D42A27DB-BD31-4B8C-83A1-F6EECF244321}">
-                <p14:modId xmlns:p14="http://schemas.microsoft.com/office/powerpoint/2010/main" val="289467688"/>
+                <p14:modId xmlns:p14="http://schemas.microsoft.com/office/powerpoint/2010/main" val="4158530399"/>
               </p:ext>
             </p:extLst>
           </p:nvPr>
